--- a/chapter09.pptx
+++ b/chapter09.pptx
@@ -19,6 +19,7 @@
     <p:sldId id="267" r:id="rId14"/>
     <p:sldId id="268" r:id="rId15"/>
     <p:sldId id="269" r:id="rId16"/>
+    <p:sldId id="270" r:id="rId17"/>
   </p:sldIdLst>
   <p:sldSz cx="10080625" cy="5670550"/>
   <p:notesSz cx="7772400" cy="10058400"/>
@@ -1712,7 +1713,7 @@
           </a:bodyPr>
           <a:p>
             <a:pPr algn="r"/>
-            <a:fld id="{DAF4A322-D65B-429A-ACC9-489E2108A01C}" type="slidenum">
+            <a:fld id="{D69C88AC-E2FA-457D-BD50-B57B9CB52ACD}" type="slidenum">
               <a:rPr b="0" lang="en-US" sz="1400" spc="-1" strike="noStrike">
                 <a:latin typeface="Times New Roman"/>
               </a:rPr>
@@ -1886,7 +1887,7 @@
       </p:grpSpPr>
       <p:sp>
         <p:nvSpPr>
-          <p:cNvPr id="110" name=""/>
+          <p:cNvPr id="111" name=""/>
           <p:cNvSpPr txBox="1"/>
           <p:nvPr/>
         </p:nvSpPr>
@@ -1913,7 +1914,7 @@
               <a:rPr b="0" lang="en-US" sz="4000" spc="-1" strike="noStrike">
                 <a:latin typeface="Arial"/>
               </a:rPr>
-              <a:t>Wrapper Classes are now Automatic</a:t>
+              <a:t>Using Wrapper Classes—the Old Way</a:t>
             </a:r>
             <a:endParaRPr b="0" lang="en-US" sz="4000" spc="-1" strike="noStrike">
               <a:latin typeface="Arial"/>
@@ -1923,14 +1924,14 @@
       </p:sp>
       <p:sp>
         <p:nvSpPr>
-          <p:cNvPr id="111" name=""/>
+          <p:cNvPr id="112" name=""/>
           <p:cNvSpPr txBox="1"/>
           <p:nvPr/>
         </p:nvSpPr>
         <p:spPr>
           <a:xfrm>
             <a:off x="741600" y="1904760"/>
-            <a:ext cx="4707000" cy="1036440"/>
+            <a:ext cx="6886440" cy="1036440"/>
           </a:xfrm>
           <a:prstGeom prst="rect">
             <a:avLst/>
@@ -1949,7 +1950,7 @@
               <a:rPr b="0" lang="en-US" sz="2200" spc="-1" strike="noStrike">
                 <a:latin typeface="Courier New"/>
               </a:rPr>
-              <a:t>Integer countObject = 7801;</a:t>
+              <a:t>Integer countObject = new Integer(7801);</a:t>
             </a:r>
             <a:endParaRPr b="0" lang="en-US" sz="2200" spc="-1" strike="noStrike">
               <a:latin typeface="Arial"/>
@@ -1965,7 +1966,7 @@
               <a:rPr b="0" lang="en-US" sz="2200" spc="-1" strike="noStrike">
                 <a:latin typeface="Courier New"/>
               </a:rPr>
-              <a:t>int count = countObject;</a:t>
+              <a:t>int count = countObject.intValue();</a:t>
             </a:r>
             <a:endParaRPr b="0" lang="en-US" sz="2200" spc="-1" strike="noStrike">
               <a:latin typeface="Arial"/>
@@ -1975,13 +1976,13 @@
       </p:sp>
       <p:sp>
         <p:nvSpPr>
-          <p:cNvPr id="112" name=""/>
+          <p:cNvPr id="113" name=""/>
           <p:cNvSpPr/>
           <p:nvPr/>
         </p:nvSpPr>
         <p:spPr>
           <a:xfrm>
-            <a:off x="4848840" y="1093320"/>
+            <a:off x="5504400" y="1093320"/>
             <a:ext cx="2498040" cy="554040"/>
           </a:xfrm>
           <a:prstGeom prst="wedgeRectCallout">
@@ -2013,16 +2014,10 @@
           <a:p>
             <a:pPr algn="ctr"/>
             <a:r>
-              <a:rPr b="1" lang="en-US" sz="1600" spc="-1" strike="noStrike">
-                <a:latin typeface="Arial"/>
-              </a:rPr>
-              <a:t>Autoboxing</a:t>
-            </a:r>
-            <a:r>
               <a:rPr b="0" lang="en-US" sz="1600" spc="-1" strike="noStrike">
                 <a:latin typeface="Arial"/>
               </a:rPr>
-              <a:t>  wraps an</a:t>
+              <a:t>Explicitly “wrap” a new</a:t>
             </a:r>
             <a:endParaRPr b="0" lang="en-US" sz="1600" spc="-1" strike="noStrike">
               <a:latin typeface="Arial"/>
@@ -2044,18 +2039,18 @@
       </p:sp>
       <p:sp>
         <p:nvSpPr>
-          <p:cNvPr id="113" name=""/>
+          <p:cNvPr id="114" name=""/>
           <p:cNvSpPr/>
           <p:nvPr/>
         </p:nvSpPr>
         <p:spPr>
           <a:xfrm>
-            <a:off x="1889640" y="3255840"/>
-            <a:ext cx="2958840" cy="554040"/>
+            <a:off x="4559760" y="3255840"/>
+            <a:ext cx="2498040" cy="554040"/>
           </a:xfrm>
           <a:prstGeom prst="wedgeRectCallout">
             <a:avLst>
-              <a:gd name="adj1" fmla="val -46305"/>
+              <a:gd name="adj1" fmla="val -45620"/>
               <a:gd name="adj2" fmla="val -109087"/>
             </a:avLst>
           </a:prstGeom>
@@ -2082,18 +2077,12 @@
           <a:p>
             <a:pPr algn="ctr"/>
             <a:r>
-              <a:rPr b="1" lang="en-US" sz="1600" spc="-1" strike="noStrike">
-                <a:latin typeface="Arial"/>
-              </a:rPr>
-              <a:t>Auto-unboxing</a:t>
-            </a:r>
-            <a:r>
               <a:rPr b="0" lang="en-US" sz="1600" spc="-1" strike="noStrike">
                 <a:latin typeface="Arial"/>
               </a:rPr>
-              <a:t> extracts</a:t>
-            </a:r>
-            <a:endParaRPr b="1" lang="en-US" sz="1600" spc="-1" strike="noStrike">
+              <a:t>Explicitly “unwrap” the</a:t>
+            </a:r>
+            <a:endParaRPr b="0" lang="en-US" sz="1600" spc="-1" strike="noStrike">
               <a:latin typeface="Arial"/>
             </a:endParaRPr>
           </a:p>
@@ -2103,9 +2092,9 @@
               <a:rPr b="0" lang="en-US" sz="1600" spc="-1" strike="noStrike">
                 <a:latin typeface="Arial"/>
               </a:rPr>
-              <a:t>the primitive from the Object.</a:t>
-            </a:r>
-            <a:endParaRPr b="1" lang="en-US" sz="1600" spc="-1" strike="noStrike">
+              <a:t>Object into a primitive</a:t>
+            </a:r>
+            <a:endParaRPr b="0" lang="en-US" sz="1600" spc="-1" strike="noStrike">
               <a:latin typeface="Arial"/>
             </a:endParaRPr>
           </a:p>
@@ -2124,38 +2113,38 @@
   <p:timing>
     <p:tnLst>
       <p:par>
-        <p:cTn id="71" dur="indefinite" restart="never" nodeType="tmRoot">
+        <p:cTn id="55" dur="indefinite" restart="never" nodeType="tmRoot">
           <p:childTnLst>
             <p:seq>
-              <p:cTn id="72" dur="indefinite" nodeType="mainSeq">
+              <p:cTn id="56" dur="indefinite" nodeType="mainSeq">
                 <p:childTnLst>
                   <p:par>
-                    <p:cTn id="73" fill="hold">
+                    <p:cTn id="57" fill="hold">
                       <p:stCondLst>
                         <p:cond delay="0"/>
                       </p:stCondLst>
                       <p:childTnLst>
                         <p:par>
-                          <p:cTn id="74" fill="hold">
+                          <p:cTn id="58" fill="hold">
                             <p:stCondLst>
                               <p:cond delay="0"/>
                             </p:stCondLst>
                             <p:childTnLst>
                               <p:par>
-                                <p:cTn id="75" nodeType="withEffect" fill="hold" presetClass="entr" presetID="1">
+                                <p:cTn id="59" nodeType="withEffect" fill="hold" presetClass="entr" presetID="1">
                                   <p:stCondLst>
                                     <p:cond delay="0"/>
                                   </p:stCondLst>
                                   <p:childTnLst>
                                     <p:set>
                                       <p:cBhvr>
-                                        <p:cTn id="76" dur="1" fill="hold">
+                                        <p:cTn id="60" dur="1" fill="hold">
                                           <p:stCondLst>
                                             <p:cond delay="0"/>
                                           </p:stCondLst>
                                         </p:cTn>
                                         <p:tgtEl>
-                                          <p:spTgt spid="111">
+                                          <p:spTgt spid="112">
                                             <p:txEl>
                                               <p:pRg st="0" end="0"/>
                                             </p:txEl>
@@ -2173,20 +2162,20 @@
                                 </p:cTn>
                               </p:par>
                               <p:par>
-                                <p:cTn id="77" nodeType="withEffect" fill="hold" presetClass="entr" presetID="1">
+                                <p:cTn id="61" nodeType="withEffect" fill="hold" presetClass="entr" presetID="1">
                                   <p:stCondLst>
                                     <p:cond delay="0"/>
                                   </p:stCondLst>
                                   <p:childTnLst>
                                     <p:set>
                                       <p:cBhvr>
-                                        <p:cTn id="78" dur="1" fill="hold">
+                                        <p:cTn id="62" dur="1" fill="hold">
                                           <p:stCondLst>
                                             <p:cond delay="0"/>
                                           </p:stCondLst>
                                         </p:cTn>
                                         <p:tgtEl>
-                                          <p:spTgt spid="111">
+                                          <p:spTgt spid="112">
                                             <p:txEl>
                                               <p:pRg st="2" end="2"/>
                                             </p:txEl>
@@ -2210,32 +2199,32 @@
                     </p:cTn>
                   </p:par>
                   <p:par>
-                    <p:cTn id="79" fill="hold">
+                    <p:cTn id="63" fill="hold">
                       <p:stCondLst>
                         <p:cond delay="indefinite"/>
                       </p:stCondLst>
                       <p:childTnLst>
                         <p:par>
-                          <p:cTn id="80" fill="hold">
+                          <p:cTn id="64" fill="hold">
                             <p:stCondLst>
                               <p:cond delay="0"/>
                             </p:stCondLst>
                             <p:childTnLst>
                               <p:par>
-                                <p:cTn id="81" nodeType="clickEffect" fill="hold" presetClass="entr" presetID="1">
+                                <p:cTn id="65" nodeType="clickEffect" fill="hold" presetClass="entr" presetID="1">
                                   <p:stCondLst>
                                     <p:cond delay="0"/>
                                   </p:stCondLst>
                                   <p:childTnLst>
                                     <p:set>
                                       <p:cBhvr>
-                                        <p:cTn id="82" dur="1" fill="hold">
+                                        <p:cTn id="66" dur="1" fill="hold">
                                           <p:stCondLst>
                                             <p:cond delay="0"/>
                                           </p:stCondLst>
                                         </p:cTn>
                                         <p:tgtEl>
-                                          <p:spTgt spid="112"/>
+                                          <p:spTgt spid="113"/>
                                         </p:tgtEl>
                                         <p:attrNameLst>
                                           <p:attrName>style.visibility</p:attrName>
@@ -2255,32 +2244,32 @@
                     </p:cTn>
                   </p:par>
                   <p:par>
-                    <p:cTn id="83" fill="hold">
+                    <p:cTn id="67" fill="hold">
                       <p:stCondLst>
                         <p:cond delay="indefinite"/>
                       </p:stCondLst>
                       <p:childTnLst>
                         <p:par>
-                          <p:cTn id="84" fill="hold">
+                          <p:cTn id="68" fill="hold">
                             <p:stCondLst>
                               <p:cond delay="0"/>
                             </p:stCondLst>
                             <p:childTnLst>
                               <p:par>
-                                <p:cTn id="85" nodeType="clickEffect" fill="hold" presetClass="entr" presetID="1">
+                                <p:cTn id="69" nodeType="clickEffect" fill="hold" presetClass="entr" presetID="1">
                                   <p:stCondLst>
                                     <p:cond delay="0"/>
                                   </p:stCondLst>
                                   <p:childTnLst>
                                     <p:set>
                                       <p:cBhvr>
-                                        <p:cTn id="86" dur="1" fill="hold">
+                                        <p:cTn id="70" dur="1" fill="hold">
                                           <p:stCondLst>
                                             <p:cond delay="0"/>
                                           </p:stCondLst>
                                         </p:cTn>
                                         <p:tgtEl>
-                                          <p:spTgt spid="113"/>
+                                          <p:spTgt spid="114"/>
                                         </p:tgtEl>
                                         <p:attrNameLst>
                                           <p:attrName>style.visibility</p:attrName>
@@ -2343,7 +2332,7 @@
       </p:grpSpPr>
       <p:sp>
         <p:nvSpPr>
-          <p:cNvPr id="114" name=""/>
+          <p:cNvPr id="115" name=""/>
           <p:cNvSpPr txBox="1"/>
           <p:nvPr/>
         </p:nvSpPr>
@@ -2370,7 +2359,7 @@
               <a:rPr b="0" lang="en-US" sz="4000" spc="-1" strike="noStrike">
                 <a:latin typeface="Arial"/>
               </a:rPr>
-              <a:t>Useful Methods in Wrapper Classes</a:t>
+              <a:t>Wrapper Classes are now Automatic</a:t>
             </a:r>
             <a:endParaRPr b="0" lang="en-US" sz="4000" spc="-1" strike="noStrike">
               <a:latin typeface="Arial"/>
@@ -2380,14 +2369,14 @@
       </p:sp>
       <p:sp>
         <p:nvSpPr>
-          <p:cNvPr id="115" name=""/>
+          <p:cNvPr id="116" name=""/>
           <p:cNvSpPr txBox="1"/>
           <p:nvPr/>
         </p:nvSpPr>
         <p:spPr>
           <a:xfrm>
-            <a:off x="504000" y="1326600"/>
-            <a:ext cx="9071640" cy="3288240"/>
+            <a:off x="741600" y="1904760"/>
+            <a:ext cx="4707000" cy="1036440"/>
           </a:xfrm>
           <a:prstGeom prst="rect">
             <a:avLst/>
@@ -2398,92 +2387,171 @@
           </a:ln>
         </p:spPr>
         <p:txBody>
-          <a:bodyPr lIns="0" rIns="0" tIns="0" bIns="0">
-            <a:normAutofit/>
-          </a:bodyPr>
-          <a:p>
-            <a:pPr marL="432000" indent="-324000">
-              <a:spcBef>
-                <a:spcPts val="1417"/>
-              </a:spcBef>
-              <a:buClr>
-                <a:srgbClr val="000000"/>
-              </a:buClr>
-              <a:buSzPct val="45000"/>
-              <a:buFont typeface="Wingdings" charset="2"/>
-              <a:buChar char=""/>
-            </a:pPr>
-            <a:r>
-              <a:rPr b="0" i="1" lang="en-US" sz="3200" spc="-1" strike="noStrike">
-                <a:latin typeface="Courier New"/>
-              </a:rPr>
-              <a:t>Wrapper</a:t>
-            </a:r>
-            <a:r>
-              <a:rPr b="0" lang="en-US" sz="3200" spc="-1" strike="noStrike">
-                <a:latin typeface="Courier New"/>
-              </a:rPr>
-              <a:t>.valueOf</a:t>
-            </a:r>
-            <a:r>
-              <a:rPr b="0" lang="en-US" sz="3200" spc="-1" strike="noStrike">
-                <a:latin typeface="Arial"/>
-              </a:rPr>
-              <a:t> converts </a:t>
-            </a:r>
-            <a:r>
-              <a:rPr b="0" lang="en-US" sz="3200" spc="-1" strike="noStrike">
-                <a:latin typeface="Courier New"/>
-              </a:rPr>
-              <a:t>String</a:t>
-            </a:r>
-            <a:r>
-              <a:rPr b="0" lang="en-US" sz="3200" spc="-1" strike="noStrike">
-                <a:latin typeface="Arial"/>
-              </a:rPr>
-              <a:t> to the corresponding primitive type</a:t>
-            </a:r>
-            <a:endParaRPr b="0" lang="en-US" sz="3200" spc="-1" strike="noStrike">
-              <a:latin typeface="Arial"/>
-            </a:endParaRPr>
-          </a:p>
-          <a:p>
-            <a:pPr marL="432000" indent="-324000">
-              <a:spcBef>
-                <a:spcPts val="1417"/>
-              </a:spcBef>
-              <a:buClr>
-                <a:srgbClr val="000000"/>
-              </a:buClr>
-              <a:buSzPct val="45000"/>
-              <a:buFont typeface="Wingdings" charset="2"/>
-              <a:buChar char=""/>
-            </a:pPr>
-            <a:r>
-              <a:rPr b="0" i="1" lang="en-US" sz="3200" spc="-1" strike="noStrike">
-                <a:latin typeface="Courier New"/>
-              </a:rPr>
-              <a:t>Wrapper</a:t>
-            </a:r>
-            <a:r>
-              <a:rPr b="0" lang="en-US" sz="3200" spc="-1" strike="noStrike">
-                <a:latin typeface="Courier New"/>
-              </a:rPr>
-              <a:t>.toString</a:t>
-            </a:r>
-            <a:r>
-              <a:rPr b="0" lang="en-US" sz="3200" spc="-1" strike="noStrike">
-                <a:latin typeface="Arial"/>
-              </a:rPr>
-              <a:t> converts a primitive type argument to </a:t>
-            </a:r>
-            <a:r>
-              <a:rPr b="0" lang="en-US" sz="3200" spc="-1" strike="noStrike">
-                <a:latin typeface="Courier New"/>
-              </a:rPr>
-              <a:t>String</a:t>
-            </a:r>
-            <a:endParaRPr b="0" lang="en-US" sz="3200" spc="-1" strike="noStrike">
+          <a:bodyPr lIns="90000" rIns="90000" tIns="45000" bIns="45000">
+            <a:noAutofit/>
+          </a:bodyPr>
+          <a:p>
+            <a:r>
+              <a:rPr b="0" lang="en-US" sz="2200" spc="-1" strike="noStrike">
+                <a:latin typeface="Courier New"/>
+              </a:rPr>
+              <a:t>Integer countObject = 7801;</a:t>
+            </a:r>
+            <a:endParaRPr b="0" lang="en-US" sz="2200" spc="-1" strike="noStrike">
+              <a:latin typeface="Arial"/>
+            </a:endParaRPr>
+          </a:p>
+          <a:p>
+            <a:endParaRPr b="0" lang="en-US" sz="2200" spc="-1" strike="noStrike">
+              <a:latin typeface="Arial"/>
+            </a:endParaRPr>
+          </a:p>
+          <a:p>
+            <a:r>
+              <a:rPr b="0" lang="en-US" sz="2200" spc="-1" strike="noStrike">
+                <a:latin typeface="Courier New"/>
+              </a:rPr>
+              <a:t>int count = countObject;</a:t>
+            </a:r>
+            <a:endParaRPr b="0" lang="en-US" sz="2200" spc="-1" strike="noStrike">
+              <a:latin typeface="Arial"/>
+            </a:endParaRPr>
+          </a:p>
+        </p:txBody>
+      </p:sp>
+      <p:sp>
+        <p:nvSpPr>
+          <p:cNvPr id="117" name=""/>
+          <p:cNvSpPr/>
+          <p:nvPr/>
+        </p:nvSpPr>
+        <p:spPr>
+          <a:xfrm>
+            <a:off x="4848840" y="1093320"/>
+            <a:ext cx="2498040" cy="554040"/>
+          </a:xfrm>
+          <a:prstGeom prst="wedgeRectCallout">
+            <a:avLst>
+              <a:gd name="adj1" fmla="val -41875"/>
+              <a:gd name="adj2" fmla="val 103504"/>
+            </a:avLst>
+          </a:prstGeom>
+          <a:solidFill>
+            <a:srgbClr val="ffffd7"/>
+          </a:solidFill>
+          <a:ln w="12600">
+            <a:solidFill>
+              <a:srgbClr val="000000"/>
+            </a:solidFill>
+            <a:round/>
+          </a:ln>
+        </p:spPr>
+        <p:style>
+          <a:lnRef idx="0"/>
+          <a:fillRef idx="0"/>
+          <a:effectRef idx="0"/>
+          <a:fontRef idx="minor"/>
+        </p:style>
+        <p:txBody>
+          <a:bodyPr wrap="none" lIns="96120" rIns="96120" tIns="51120" bIns="51120" anchor="ctr">
+            <a:noAutofit/>
+          </a:bodyPr>
+          <a:p>
+            <a:pPr algn="ctr"/>
+            <a:r>
+              <a:rPr b="1" lang="en-US" sz="1600" spc="-1" strike="noStrike">
+                <a:latin typeface="Arial"/>
+              </a:rPr>
+              <a:t>Autoboxing</a:t>
+            </a:r>
+            <a:r>
+              <a:rPr b="0" lang="en-US" sz="1600" spc="-1" strike="noStrike">
+                <a:latin typeface="Arial"/>
+              </a:rPr>
+              <a:t>  wraps an</a:t>
+            </a:r>
+            <a:endParaRPr b="0" lang="en-US" sz="1600" spc="-1" strike="noStrike">
+              <a:latin typeface="Arial"/>
+            </a:endParaRPr>
+          </a:p>
+          <a:p>
+            <a:pPr algn="ctr"/>
+            <a:r>
+              <a:rPr b="0" lang="en-US" sz="1600" spc="-1" strike="noStrike">
+                <a:latin typeface="Arial"/>
+              </a:rPr>
+              <a:t>Object around a primitive.</a:t>
+            </a:r>
+            <a:endParaRPr b="0" lang="en-US" sz="1600" spc="-1" strike="noStrike">
+              <a:latin typeface="Arial"/>
+            </a:endParaRPr>
+          </a:p>
+        </p:txBody>
+      </p:sp>
+      <p:sp>
+        <p:nvSpPr>
+          <p:cNvPr id="118" name=""/>
+          <p:cNvSpPr/>
+          <p:nvPr/>
+        </p:nvSpPr>
+        <p:spPr>
+          <a:xfrm>
+            <a:off x="1889640" y="3255840"/>
+            <a:ext cx="2958840" cy="554040"/>
+          </a:xfrm>
+          <a:prstGeom prst="wedgeRectCallout">
+            <a:avLst>
+              <a:gd name="adj1" fmla="val -46305"/>
+              <a:gd name="adj2" fmla="val -109087"/>
+            </a:avLst>
+          </a:prstGeom>
+          <a:solidFill>
+            <a:srgbClr val="ffffd7"/>
+          </a:solidFill>
+          <a:ln w="12600">
+            <a:solidFill>
+              <a:srgbClr val="000000"/>
+            </a:solidFill>
+            <a:round/>
+          </a:ln>
+        </p:spPr>
+        <p:style>
+          <a:lnRef idx="0"/>
+          <a:fillRef idx="0"/>
+          <a:effectRef idx="0"/>
+          <a:fontRef idx="minor"/>
+        </p:style>
+        <p:txBody>
+          <a:bodyPr wrap="none" lIns="96120" rIns="96120" tIns="51120" bIns="51120" anchor="ctr">
+            <a:noAutofit/>
+          </a:bodyPr>
+          <a:p>
+            <a:pPr algn="ctr"/>
+            <a:r>
+              <a:rPr b="1" lang="en-US" sz="1600" spc="-1" strike="noStrike">
+                <a:latin typeface="Arial"/>
+              </a:rPr>
+              <a:t>Auto-unboxing</a:t>
+            </a:r>
+            <a:r>
+              <a:rPr b="0" lang="en-US" sz="1600" spc="-1" strike="noStrike">
+                <a:latin typeface="Arial"/>
+              </a:rPr>
+              <a:t> extracts</a:t>
+            </a:r>
+            <a:endParaRPr b="1" lang="en-US" sz="1600" spc="-1" strike="noStrike">
+              <a:latin typeface="Arial"/>
+            </a:endParaRPr>
+          </a:p>
+          <a:p>
+            <a:pPr algn="ctr"/>
+            <a:r>
+              <a:rPr b="0" lang="en-US" sz="1600" spc="-1" strike="noStrike">
+                <a:latin typeface="Arial"/>
+              </a:rPr>
+              <a:t>the primitive from the Object.</a:t>
+            </a:r>
+            <a:endParaRPr b="1" lang="en-US" sz="1600" spc="-1" strike="noStrike">
               <a:latin typeface="Arial"/>
             </a:endParaRPr>
           </a:p>
@@ -2499,6 +2567,206 @@
       <p:transition spd="slow"/>
     </mc:Fallback>
   </mc:AlternateContent>
+  <p:timing>
+    <p:tnLst>
+      <p:par>
+        <p:cTn id="71" dur="indefinite" restart="never" nodeType="tmRoot">
+          <p:childTnLst>
+            <p:seq>
+              <p:cTn id="72" dur="indefinite" nodeType="mainSeq">
+                <p:childTnLst>
+                  <p:par>
+                    <p:cTn id="73" fill="hold">
+                      <p:stCondLst>
+                        <p:cond delay="0"/>
+                      </p:stCondLst>
+                      <p:childTnLst>
+                        <p:par>
+                          <p:cTn id="74" fill="hold">
+                            <p:stCondLst>
+                              <p:cond delay="0"/>
+                            </p:stCondLst>
+                            <p:childTnLst>
+                              <p:par>
+                                <p:cTn id="75" nodeType="withEffect" fill="hold" presetClass="entr" presetID="1">
+                                  <p:stCondLst>
+                                    <p:cond delay="0"/>
+                                  </p:stCondLst>
+                                  <p:childTnLst>
+                                    <p:set>
+                                      <p:cBhvr>
+                                        <p:cTn id="76" dur="1" fill="hold">
+                                          <p:stCondLst>
+                                            <p:cond delay="0"/>
+                                          </p:stCondLst>
+                                        </p:cTn>
+                                        <p:tgtEl>
+                                          <p:spTgt spid="116">
+                                            <p:txEl>
+                                              <p:pRg st="0" end="0"/>
+                                            </p:txEl>
+                                          </p:spTgt>
+                                        </p:tgtEl>
+                                        <p:attrNameLst>
+                                          <p:attrName>style.visibility</p:attrName>
+                                        </p:attrNameLst>
+                                      </p:cBhvr>
+                                      <p:to>
+                                        <p:strVal val="visible"/>
+                                      </p:to>
+                                    </p:set>
+                                  </p:childTnLst>
+                                </p:cTn>
+                              </p:par>
+                              <p:par>
+                                <p:cTn id="77" nodeType="withEffect" fill="hold" presetClass="entr" presetID="1">
+                                  <p:stCondLst>
+                                    <p:cond delay="0"/>
+                                  </p:stCondLst>
+                                  <p:childTnLst>
+                                    <p:set>
+                                      <p:cBhvr>
+                                        <p:cTn id="78" dur="1" fill="hold">
+                                          <p:stCondLst>
+                                            <p:cond delay="0"/>
+                                          </p:stCondLst>
+                                        </p:cTn>
+                                        <p:tgtEl>
+                                          <p:spTgt spid="116">
+                                            <p:txEl>
+                                              <p:pRg st="2" end="2"/>
+                                            </p:txEl>
+                                          </p:spTgt>
+                                        </p:tgtEl>
+                                        <p:attrNameLst>
+                                          <p:attrName>style.visibility</p:attrName>
+                                        </p:attrNameLst>
+                                      </p:cBhvr>
+                                      <p:to>
+                                        <p:strVal val="visible"/>
+                                      </p:to>
+                                    </p:set>
+                                  </p:childTnLst>
+                                </p:cTn>
+                              </p:par>
+                            </p:childTnLst>
+                          </p:cTn>
+                        </p:par>
+                      </p:childTnLst>
+                    </p:cTn>
+                  </p:par>
+                  <p:par>
+                    <p:cTn id="79" fill="hold">
+                      <p:stCondLst>
+                        <p:cond delay="indefinite"/>
+                      </p:stCondLst>
+                      <p:childTnLst>
+                        <p:par>
+                          <p:cTn id="80" fill="hold">
+                            <p:stCondLst>
+                              <p:cond delay="0"/>
+                            </p:stCondLst>
+                            <p:childTnLst>
+                              <p:par>
+                                <p:cTn id="81" nodeType="clickEffect" fill="hold" presetClass="entr" presetID="1">
+                                  <p:stCondLst>
+                                    <p:cond delay="0"/>
+                                  </p:stCondLst>
+                                  <p:childTnLst>
+                                    <p:set>
+                                      <p:cBhvr>
+                                        <p:cTn id="82" dur="1" fill="hold">
+                                          <p:stCondLst>
+                                            <p:cond delay="0"/>
+                                          </p:stCondLst>
+                                        </p:cTn>
+                                        <p:tgtEl>
+                                          <p:spTgt spid="117"/>
+                                        </p:tgtEl>
+                                        <p:attrNameLst>
+                                          <p:attrName>style.visibility</p:attrName>
+                                        </p:attrNameLst>
+                                      </p:cBhvr>
+                                      <p:to>
+                                        <p:strVal val="visible"/>
+                                      </p:to>
+                                    </p:set>
+                                  </p:childTnLst>
+                                </p:cTn>
+                              </p:par>
+                            </p:childTnLst>
+                          </p:cTn>
+                        </p:par>
+                      </p:childTnLst>
+                    </p:cTn>
+                  </p:par>
+                  <p:par>
+                    <p:cTn id="83" fill="hold">
+                      <p:stCondLst>
+                        <p:cond delay="indefinite"/>
+                      </p:stCondLst>
+                      <p:childTnLst>
+                        <p:par>
+                          <p:cTn id="84" fill="hold">
+                            <p:stCondLst>
+                              <p:cond delay="0"/>
+                            </p:stCondLst>
+                            <p:childTnLst>
+                              <p:par>
+                                <p:cTn id="85" nodeType="clickEffect" fill="hold" presetClass="entr" presetID="1">
+                                  <p:stCondLst>
+                                    <p:cond delay="0"/>
+                                  </p:stCondLst>
+                                  <p:childTnLst>
+                                    <p:set>
+                                      <p:cBhvr>
+                                        <p:cTn id="86" dur="1" fill="hold">
+                                          <p:stCondLst>
+                                            <p:cond delay="0"/>
+                                          </p:stCondLst>
+                                        </p:cTn>
+                                        <p:tgtEl>
+                                          <p:spTgt spid="118"/>
+                                        </p:tgtEl>
+                                        <p:attrNameLst>
+                                          <p:attrName>style.visibility</p:attrName>
+                                        </p:attrNameLst>
+                                      </p:cBhvr>
+                                      <p:to>
+                                        <p:strVal val="visible"/>
+                                      </p:to>
+                                    </p:set>
+                                  </p:childTnLst>
+                                </p:cTn>
+                              </p:par>
+                            </p:childTnLst>
+                          </p:cTn>
+                        </p:par>
+                      </p:childTnLst>
+                    </p:cTn>
+                  </p:par>
+                </p:childTnLst>
+              </p:cTn>
+              <p:prevCondLst>
+                <p:cond evt="onPrev">
+                  <p:tgtEl>
+                    <p:sldTgt/>
+                  </p:tgtEl>
+                </p:cond>
+              </p:prevCondLst>
+              <p:nextCondLst>
+                <p:cond evt="onNext">
+                  <p:tgtEl>
+                    <p:sldTgt/>
+                  </p:tgtEl>
+                </p:cond>
+              </p:nextCondLst>
+            </p:seq>
+          </p:childTnLst>
+        </p:cTn>
+      </p:par>
+    </p:tnLst>
+  </p:timing>
 </p:sld>
 </file>
 
@@ -2521,7 +2789,7 @@
       </p:grpSpPr>
       <p:sp>
         <p:nvSpPr>
-          <p:cNvPr id="116" name=""/>
+          <p:cNvPr id="119" name=""/>
           <p:cNvSpPr txBox="1"/>
           <p:nvPr/>
         </p:nvSpPr>
@@ -2548,7 +2816,7 @@
               <a:rPr b="0" lang="en-US" sz="4000" spc="-1" strike="noStrike">
                 <a:latin typeface="Arial"/>
               </a:rPr>
-              <a:t>Command Line Arguments</a:t>
+              <a:t>Useful Methods in Wrapper Classes</a:t>
             </a:r>
             <a:endParaRPr b="0" lang="en-US" sz="4000" spc="-1" strike="noStrike">
               <a:latin typeface="Arial"/>
@@ -2558,14 +2826,14 @@
       </p:sp>
       <p:sp>
         <p:nvSpPr>
-          <p:cNvPr id="117" name=""/>
+          <p:cNvPr id="120" name=""/>
           <p:cNvSpPr txBox="1"/>
           <p:nvPr/>
         </p:nvSpPr>
         <p:spPr>
           <a:xfrm>
-            <a:off x="457200" y="1371600"/>
-            <a:ext cx="6520680" cy="2620800"/>
+            <a:off x="504000" y="1326600"/>
+            <a:ext cx="9071640" cy="3288240"/>
           </a:xfrm>
           <a:prstGeom prst="rect">
             <a:avLst/>
@@ -2576,244 +2844,92 @@
           </a:ln>
         </p:spPr>
         <p:txBody>
-          <a:bodyPr lIns="90000" rIns="90000" tIns="45000" bIns="45000">
-            <a:noAutofit/>
-          </a:bodyPr>
-          <a:p>
-            <a:r>
-              <a:rPr b="0" lang="en-US" sz="1600" spc="-1" strike="noStrike">
-                <a:latin typeface="Courier New"/>
-              </a:rPr>
-              <a:t>public class CmdLine {</a:t>
-            </a:r>
-            <a:endParaRPr b="0" lang="en-US" sz="1600" spc="-1" strike="noStrike">
-              <a:latin typeface="Arial"/>
-            </a:endParaRPr>
-          </a:p>
-          <a:p>
-            <a:endParaRPr b="0" lang="en-US" sz="1600" spc="-1" strike="noStrike">
-              <a:latin typeface="Arial"/>
-            </a:endParaRPr>
-          </a:p>
-          <a:p>
-            <a:r>
-              <a:rPr b="0" lang="en-US" sz="1600" spc="-1" strike="noStrike">
-                <a:latin typeface="Courier New"/>
-              </a:rPr>
-              <a:t>  </a:t>
-            </a:r>
-            <a:r>
-              <a:rPr b="0" lang="en-US" sz="1600" spc="-1" strike="noStrike">
-                <a:latin typeface="Courier New"/>
-              </a:rPr>
-              <a:t>public static void main(String [] args) {</a:t>
-            </a:r>
-            <a:endParaRPr b="0" lang="en-US" sz="1600" spc="-1" strike="noStrike">
-              <a:latin typeface="Arial"/>
-            </a:endParaRPr>
-          </a:p>
-          <a:p>
-            <a:r>
-              <a:rPr b="0" lang="en-US" sz="1600" spc="-1" strike="noStrike">
-                <a:latin typeface="Courier New"/>
-              </a:rPr>
-              <a:t>    </a:t>
-            </a:r>
-            <a:r>
-              <a:rPr b="0" lang="en-US" sz="1600" spc="-1" strike="noStrike">
-                <a:latin typeface="Courier New"/>
-              </a:rPr>
-              <a:t>System.out.printf("You entered %d arguments.\n",</a:t>
-            </a:r>
-            <a:endParaRPr b="0" lang="en-US" sz="1600" spc="-1" strike="noStrike">
-              <a:latin typeface="Arial"/>
-            </a:endParaRPr>
-          </a:p>
-          <a:p>
-            <a:r>
-              <a:rPr b="0" lang="en-US" sz="1600" spc="-1" strike="noStrike">
-                <a:latin typeface="Courier New"/>
-              </a:rPr>
-              <a:t>      </a:t>
-            </a:r>
-            <a:r>
-              <a:rPr b="0" lang="en-US" sz="1600" spc="-1" strike="noStrike">
-                <a:latin typeface="Courier New"/>
-              </a:rPr>
-              <a:t>args.length);</a:t>
-            </a:r>
-            <a:endParaRPr b="0" lang="en-US" sz="1600" spc="-1" strike="noStrike">
-              <a:latin typeface="Arial"/>
-            </a:endParaRPr>
-          </a:p>
-          <a:p>
-            <a:endParaRPr b="0" lang="en-US" sz="1600" spc="-1" strike="noStrike">
-              <a:latin typeface="Arial"/>
-            </a:endParaRPr>
-          </a:p>
-          <a:p>
-            <a:r>
-              <a:rPr b="0" lang="en-US" sz="1600" spc="-1" strike="noStrike">
-                <a:latin typeface="Courier New"/>
-              </a:rPr>
-              <a:t>    </a:t>
-            </a:r>
-            <a:r>
-              <a:rPr b="0" lang="en-US" sz="1600" spc="-1" strike="noStrike">
-                <a:latin typeface="Courier New"/>
-              </a:rPr>
-              <a:t>for (String argument: args) {</a:t>
-            </a:r>
-            <a:endParaRPr b="0" lang="en-US" sz="1600" spc="-1" strike="noStrike">
-              <a:latin typeface="Arial"/>
-            </a:endParaRPr>
-          </a:p>
-          <a:p>
-            <a:r>
-              <a:rPr b="0" lang="en-US" sz="1600" spc="-1" strike="noStrike">
-                <a:latin typeface="Courier New"/>
-              </a:rPr>
-              <a:t>      </a:t>
-            </a:r>
-            <a:r>
-              <a:rPr b="0" lang="en-US" sz="1600" spc="-1" strike="noStrike">
-                <a:latin typeface="Courier New"/>
-              </a:rPr>
-              <a:t>System.out.println(argument);</a:t>
-            </a:r>
-            <a:endParaRPr b="0" lang="en-US" sz="1600" spc="-1" strike="noStrike">
-              <a:latin typeface="Arial"/>
-            </a:endParaRPr>
-          </a:p>
-          <a:p>
-            <a:r>
-              <a:rPr b="0" lang="en-US" sz="1600" spc="-1" strike="noStrike">
-                <a:latin typeface="Courier New"/>
-              </a:rPr>
-              <a:t>    </a:t>
-            </a:r>
-            <a:r>
-              <a:rPr b="0" lang="en-US" sz="1600" spc="-1" strike="noStrike">
-                <a:latin typeface="Courier New"/>
-              </a:rPr>
-              <a:t>}</a:t>
-            </a:r>
-            <a:endParaRPr b="0" lang="en-US" sz="1600" spc="-1" strike="noStrike">
-              <a:latin typeface="Arial"/>
-            </a:endParaRPr>
-          </a:p>
-          <a:p>
-            <a:r>
-              <a:rPr b="0" lang="en-US" sz="1600" spc="-1" strike="noStrike">
-                <a:latin typeface="Courier New"/>
-              </a:rPr>
-              <a:t>  </a:t>
-            </a:r>
-            <a:r>
-              <a:rPr b="0" lang="en-US" sz="1600" spc="-1" strike="noStrike">
-                <a:latin typeface="Courier New"/>
-              </a:rPr>
-              <a:t>}</a:t>
-            </a:r>
-            <a:endParaRPr b="0" lang="en-US" sz="1600" spc="-1" strike="noStrike">
-              <a:latin typeface="Arial"/>
-            </a:endParaRPr>
-          </a:p>
-          <a:p>
-            <a:r>
-              <a:rPr b="0" lang="en-US" sz="1600" spc="-1" strike="noStrike">
-                <a:latin typeface="Courier New"/>
-              </a:rPr>
-              <a:t>}</a:t>
-            </a:r>
-            <a:endParaRPr b="0" lang="en-US" sz="1600" spc="-1" strike="noStrike">
-              <a:latin typeface="Arial"/>
-            </a:endParaRPr>
-          </a:p>
-        </p:txBody>
-      </p:sp>
-      <p:sp>
-        <p:nvSpPr>
-          <p:cNvPr id="118" name=""/>
-          <p:cNvSpPr/>
-          <p:nvPr/>
-        </p:nvSpPr>
-        <p:spPr>
-          <a:xfrm>
-            <a:off x="6386760" y="1040400"/>
-            <a:ext cx="2864880" cy="725760"/>
-          </a:xfrm>
-          <a:prstGeom prst="wedgeRectCallout">
-            <a:avLst>
-              <a:gd name="adj1" fmla="val -93606"/>
-              <a:gd name="adj2" fmla="val 61550"/>
-            </a:avLst>
-          </a:prstGeom>
-          <a:solidFill>
-            <a:srgbClr val="ffffd7"/>
-          </a:solidFill>
-          <a:ln w="12600">
-            <a:solidFill>
-              <a:srgbClr val="000000"/>
-            </a:solidFill>
-            <a:round/>
-          </a:ln>
-        </p:spPr>
-        <p:style>
-          <a:lnRef idx="0"/>
-          <a:fillRef idx="0"/>
-          <a:effectRef idx="0"/>
-          <a:fontRef idx="minor"/>
-        </p:style>
-        <p:txBody>
-          <a:bodyPr wrap="none" lIns="96120" rIns="96120" tIns="51120" bIns="51120" anchor="ctr">
-            <a:noAutofit/>
-          </a:bodyPr>
-          <a:p>
-            <a:pPr algn="ctr"/>
-            <a:r>
-              <a:rPr b="0" lang="en-US" sz="1600" spc="-1" strike="noStrike">
-                <a:latin typeface="Arial"/>
-              </a:rPr>
-              <a:t>Items following the program</a:t>
-            </a:r>
-            <a:endParaRPr b="0" lang="en-US" sz="1600" spc="-1" strike="noStrike">
-              <a:latin typeface="Arial"/>
-            </a:endParaRPr>
-          </a:p>
-          <a:p>
-            <a:pPr algn="ctr"/>
-            <a:r>
-              <a:rPr b="0" lang="en-US" sz="1600" spc="-1" strike="noStrike">
-                <a:latin typeface="Arial"/>
-              </a:rPr>
-              <a:t>name on the command line</a:t>
-            </a:r>
-            <a:endParaRPr b="0" lang="en-US" sz="1600" spc="-1" strike="noStrike">
-              <a:latin typeface="Arial"/>
-            </a:endParaRPr>
-          </a:p>
-          <a:p>
-            <a:pPr algn="ctr"/>
-            <a:r>
-              <a:rPr b="0" lang="en-US" sz="1600" spc="-1" strike="noStrike">
-                <a:latin typeface="Arial"/>
-              </a:rPr>
-              <a:t>go into the </a:t>
-            </a:r>
-            <a:r>
-              <a:rPr b="0" lang="en-US" sz="1600" spc="-1" strike="noStrike">
-                <a:latin typeface="Courier New"/>
-              </a:rPr>
-              <a:t>args</a:t>
-            </a:r>
-            <a:r>
-              <a:rPr b="0" lang="en-US" sz="1600" spc="-1" strike="noStrike">
-                <a:latin typeface="Arial"/>
-              </a:rPr>
-              <a:t> array</a:t>
-            </a:r>
-            <a:endParaRPr b="0" lang="en-US" sz="1600" spc="-1" strike="noStrike">
+          <a:bodyPr lIns="0" rIns="0" tIns="0" bIns="0">
+            <a:normAutofit/>
+          </a:bodyPr>
+          <a:p>
+            <a:pPr marL="432000" indent="-324000">
+              <a:spcBef>
+                <a:spcPts val="1417"/>
+              </a:spcBef>
+              <a:buClr>
+                <a:srgbClr val="000000"/>
+              </a:buClr>
+              <a:buSzPct val="45000"/>
+              <a:buFont typeface="Wingdings" charset="2"/>
+              <a:buChar char=""/>
+            </a:pPr>
+            <a:r>
+              <a:rPr b="0" i="1" lang="en-US" sz="3200" spc="-1" strike="noStrike">
+                <a:latin typeface="Courier New"/>
+              </a:rPr>
+              <a:t>Wrapper</a:t>
+            </a:r>
+            <a:r>
+              <a:rPr b="0" lang="en-US" sz="3200" spc="-1" strike="noStrike">
+                <a:latin typeface="Courier New"/>
+              </a:rPr>
+              <a:t>.valueOf</a:t>
+            </a:r>
+            <a:r>
+              <a:rPr b="0" lang="en-US" sz="3200" spc="-1" strike="noStrike">
+                <a:latin typeface="Arial"/>
+              </a:rPr>
+              <a:t> converts </a:t>
+            </a:r>
+            <a:r>
+              <a:rPr b="0" lang="en-US" sz="3200" spc="-1" strike="noStrike">
+                <a:latin typeface="Courier New"/>
+              </a:rPr>
+              <a:t>String</a:t>
+            </a:r>
+            <a:r>
+              <a:rPr b="0" lang="en-US" sz="3200" spc="-1" strike="noStrike">
+                <a:latin typeface="Arial"/>
+              </a:rPr>
+              <a:t> to the corresponding primitive type</a:t>
+            </a:r>
+            <a:endParaRPr b="0" lang="en-US" sz="3200" spc="-1" strike="noStrike">
+              <a:latin typeface="Arial"/>
+            </a:endParaRPr>
+          </a:p>
+          <a:p>
+            <a:pPr marL="432000" indent="-324000">
+              <a:spcBef>
+                <a:spcPts val="1417"/>
+              </a:spcBef>
+              <a:buClr>
+                <a:srgbClr val="000000"/>
+              </a:buClr>
+              <a:buSzPct val="45000"/>
+              <a:buFont typeface="Wingdings" charset="2"/>
+              <a:buChar char=""/>
+            </a:pPr>
+            <a:r>
+              <a:rPr b="0" i="1" lang="en-US" sz="3200" spc="-1" strike="noStrike">
+                <a:latin typeface="Courier New"/>
+              </a:rPr>
+              <a:t>Wrapper</a:t>
+            </a:r>
+            <a:r>
+              <a:rPr b="0" lang="en-US" sz="3200" spc="-1" strike="noStrike">
+                <a:latin typeface="Courier New"/>
+              </a:rPr>
+              <a:t>.toString</a:t>
+            </a:r>
+            <a:r>
+              <a:rPr b="0" lang="en-US" sz="3200" spc="-1" strike="noStrike">
+                <a:latin typeface="Arial"/>
+              </a:rPr>
+              <a:t> converts a primitive type argument to </a:t>
+            </a:r>
+            <a:r>
+              <a:rPr b="0" lang="en-US" sz="3200" spc="-1" strike="noStrike">
+                <a:latin typeface="Courier New"/>
+              </a:rPr>
+              <a:t>String</a:t>
+            </a:r>
+            <a:endParaRPr b="0" lang="en-US" sz="3200" spc="-1" strike="noStrike">
               <a:latin typeface="Arial"/>
             </a:endParaRPr>
           </a:p>
@@ -2851,7 +2967,7 @@
       </p:grpSpPr>
       <p:sp>
         <p:nvSpPr>
-          <p:cNvPr id="119" name=""/>
+          <p:cNvPr id="121" name=""/>
           <p:cNvSpPr txBox="1"/>
           <p:nvPr/>
         </p:nvSpPr>
@@ -2888,7 +3004,7 @@
       </p:sp>
       <p:sp>
         <p:nvSpPr>
-          <p:cNvPr id="120" name=""/>
+          <p:cNvPr id="122" name=""/>
           <p:cNvSpPr txBox="1"/>
           <p:nvPr/>
         </p:nvSpPr>
@@ -3064,125 +3180,23 @@
       </p:sp>
       <p:sp>
         <p:nvSpPr>
-          <p:cNvPr id="121" name=""/>
-          <p:cNvSpPr txBox="1"/>
-          <p:nvPr/>
-        </p:nvSpPr>
-        <p:spPr>
-          <a:xfrm>
-            <a:off x="4208040" y="3755520"/>
-            <a:ext cx="3484800" cy="1398600"/>
-          </a:xfrm>
-          <a:prstGeom prst="rect">
-            <a:avLst/>
-          </a:prstGeom>
-          <a:noFill/>
-          <a:ln w="12600">
-            <a:solidFill>
-              <a:srgbClr val="000000"/>
-            </a:solidFill>
-            <a:prstDash val="dot"/>
-            <a:round/>
-          </a:ln>
-        </p:spPr>
-        <p:txBody>
-          <a:bodyPr lIns="96120" rIns="96120" tIns="51120" bIns="51120">
-            <a:noAutofit/>
-          </a:bodyPr>
-          <a:p>
-            <a:r>
-              <a:rPr b="0" lang="en-US" sz="1800" spc="-1" strike="noStrike">
-                <a:latin typeface="Courier New"/>
-              </a:rPr>
-              <a:t>$ java CmdLine </a:t>
-            </a:r>
-            <a:r>
-              <a:rPr b="0" lang="en-US" sz="1800" spc="-1" strike="noStrike">
-                <a:highlight>
-                  <a:srgbClr val="ffffd7"/>
-                </a:highlight>
-                <a:latin typeface="Courier New"/>
-              </a:rPr>
-              <a:t>10 two 4</a:t>
-            </a:r>
-            <a:endParaRPr b="0" lang="en-US" sz="1800" spc="-1" strike="noStrike">
-              <a:latin typeface="Arial"/>
-            </a:endParaRPr>
-          </a:p>
-          <a:p>
-            <a:r>
-              <a:rPr b="0" lang="en-US" sz="1800" spc="-1" strike="noStrike">
-                <a:solidFill>
-                  <a:srgbClr val="000000"/>
-                </a:solidFill>
-                <a:latin typeface="Courier New"/>
-              </a:rPr>
-              <a:t>You entered 3 arguments.</a:t>
-            </a:r>
-            <a:endParaRPr b="0" lang="en-US" sz="1800" spc="-1" strike="noStrike">
-              <a:latin typeface="Arial"/>
-            </a:endParaRPr>
-          </a:p>
-          <a:p>
-            <a:r>
-              <a:rPr b="0" lang="en-US" sz="1800" spc="-1" strike="noStrike">
-                <a:solidFill>
-                  <a:srgbClr val="000000"/>
-                </a:solidFill>
-                <a:latin typeface="Courier New"/>
-              </a:rPr>
-              <a:t>10</a:t>
-            </a:r>
-            <a:endParaRPr b="0" lang="en-US" sz="1800" spc="-1" strike="noStrike">
-              <a:latin typeface="Arial"/>
-            </a:endParaRPr>
-          </a:p>
-          <a:p>
-            <a:r>
-              <a:rPr b="0" lang="en-US" sz="1800" spc="-1" strike="noStrike">
-                <a:solidFill>
-                  <a:srgbClr val="000000"/>
-                </a:solidFill>
-                <a:latin typeface="Courier New"/>
-              </a:rPr>
-              <a:t>two</a:t>
-            </a:r>
-            <a:endParaRPr b="0" lang="en-US" sz="1800" spc="-1" strike="noStrike">
-              <a:latin typeface="Arial"/>
-            </a:endParaRPr>
-          </a:p>
-          <a:p>
-            <a:r>
-              <a:rPr b="0" lang="en-US" sz="1800" spc="-1" strike="noStrike">
-                <a:solidFill>
-                  <a:srgbClr val="000000"/>
-                </a:solidFill>
-                <a:latin typeface="Courier New"/>
-              </a:rPr>
-              <a:t>4</a:t>
-            </a:r>
-            <a:endParaRPr b="0" lang="en-US" sz="1800" spc="-1" strike="noStrike">
-              <a:latin typeface="Arial"/>
-            </a:endParaRPr>
-          </a:p>
-        </p:txBody>
-      </p:sp>
-      <p:sp>
-        <p:nvSpPr>
-          <p:cNvPr id="122" name=""/>
+          <p:cNvPr id="123" name=""/>
           <p:cNvSpPr/>
           <p:nvPr/>
         </p:nvSpPr>
         <p:spPr>
           <a:xfrm>
-            <a:off x="6171120" y="3225960"/>
-            <a:ext cx="335520" cy="273240"/>
-          </a:xfrm>
-          <a:prstGeom prst="rect">
-            <a:avLst/>
+            <a:off x="6386760" y="1040400"/>
+            <a:ext cx="2864880" cy="725760"/>
+          </a:xfrm>
+          <a:prstGeom prst="wedgeRectCallout">
+            <a:avLst>
+              <a:gd name="adj1" fmla="val -93606"/>
+              <a:gd name="adj2" fmla="val 61550"/>
+            </a:avLst>
           </a:prstGeom>
           <a:solidFill>
-            <a:srgbClr val="ffffff"/>
+            <a:srgbClr val="ffffd7"/>
           </a:solidFill>
           <a:ln w="12600">
             <a:solidFill>
@@ -3204,223 +3218,49 @@
           <a:p>
             <a:pPr algn="ctr"/>
             <a:r>
-              <a:rPr b="0" lang="en-US" sz="2400" spc="-1" strike="noStrike">
-                <a:latin typeface="Arial"/>
-                <a:ea typeface="Arial"/>
-              </a:rPr>
-              <a:t>•</a:t>
-            </a:r>
-            <a:endParaRPr b="0" lang="en-US" sz="2400" spc="-1" strike="noStrike">
-              <a:latin typeface="Arial"/>
-            </a:endParaRPr>
-          </a:p>
-        </p:txBody>
-      </p:sp>
-      <p:sp>
-        <p:nvSpPr>
-          <p:cNvPr id="123" name=""/>
-          <p:cNvSpPr txBox="1"/>
-          <p:nvPr/>
-        </p:nvSpPr>
-        <p:spPr>
-          <a:xfrm>
-            <a:off x="5257800" y="3189960"/>
-            <a:ext cx="913320" cy="349560"/>
-          </a:xfrm>
-          <a:prstGeom prst="rect">
-            <a:avLst/>
-          </a:prstGeom>
-          <a:noFill/>
-          <a:ln w="0">
-            <a:noFill/>
-          </a:ln>
-        </p:spPr>
-        <p:txBody>
-          <a:bodyPr lIns="90000" rIns="90000" tIns="45000" bIns="45000">
-            <a:noAutofit/>
-          </a:bodyPr>
-          <a:p>
-            <a:r>
-              <a:rPr b="0" lang="en-US" sz="1800" spc="-1" strike="noStrike">
+              <a:rPr b="0" lang="en-US" sz="1600" spc="-1" strike="noStrike">
+                <a:latin typeface="Arial"/>
+              </a:rPr>
+              <a:t>Items following the program</a:t>
+            </a:r>
+            <a:endParaRPr b="0" lang="en-US" sz="1600" spc="-1" strike="noStrike">
+              <a:latin typeface="Arial"/>
+            </a:endParaRPr>
+          </a:p>
+          <a:p>
+            <a:pPr algn="ctr"/>
+            <a:r>
+              <a:rPr b="0" lang="en-US" sz="1600" spc="-1" strike="noStrike">
+                <a:latin typeface="Arial"/>
+              </a:rPr>
+              <a:t>name on the command line</a:t>
+            </a:r>
+            <a:endParaRPr b="0" lang="en-US" sz="1600" spc="-1" strike="noStrike">
+              <a:latin typeface="Arial"/>
+            </a:endParaRPr>
+          </a:p>
+          <a:p>
+            <a:pPr algn="ctr"/>
+            <a:r>
+              <a:rPr b="0" lang="en-US" sz="1600" spc="-1" strike="noStrike">
+                <a:latin typeface="Arial"/>
+              </a:rPr>
+              <a:t>go into the </a:t>
+            </a:r>
+            <a:r>
+              <a:rPr b="0" lang="en-US" sz="1600" spc="-1" strike="noStrike">
                 <a:latin typeface="Courier New"/>
               </a:rPr>
               <a:t>args</a:t>
             </a:r>
-            <a:endParaRPr b="0" lang="en-US" sz="1800" spc="-1" strike="noStrike">
-              <a:latin typeface="Arial"/>
-            </a:endParaRPr>
-          </a:p>
-        </p:txBody>
-      </p:sp>
-      <p:sp>
-        <p:nvSpPr>
-          <p:cNvPr id="124" name=""/>
-          <p:cNvSpPr/>
-          <p:nvPr/>
-        </p:nvSpPr>
-        <p:spPr>
-          <a:xfrm>
-            <a:off x="7217640" y="3146760"/>
-            <a:ext cx="839520" cy="421560"/>
-          </a:xfrm>
-          <a:prstGeom prst="rect">
-            <a:avLst/>
-          </a:prstGeom>
-          <a:solidFill>
-            <a:srgbClr val="ffffff"/>
-          </a:solidFill>
-          <a:ln w="12600">
-            <a:solidFill>
-              <a:srgbClr val="000000"/>
-            </a:solidFill>
-            <a:round/>
-          </a:ln>
-        </p:spPr>
-        <p:style>
-          <a:lnRef idx="0"/>
-          <a:fillRef idx="0"/>
-          <a:effectRef idx="0"/>
-          <a:fontRef idx="minor"/>
-        </p:style>
-        <p:txBody>
-          <a:bodyPr wrap="none" lIns="96120" rIns="96120" tIns="51120" bIns="51120" anchor="ctr">
-            <a:noAutofit/>
-          </a:bodyPr>
-          <a:p>
-            <a:pPr algn="ctr"/>
-            <a:r>
-              <a:rPr b="0" lang="en-US" sz="1800" spc="-1" strike="noStrike">
-                <a:latin typeface="Courier New"/>
-              </a:rPr>
-              <a:t>"10"</a:t>
-            </a:r>
-            <a:endParaRPr b="0" lang="en-US" sz="1800" spc="-1" strike="noStrike">
-              <a:latin typeface="Courier New"/>
-            </a:endParaRPr>
-          </a:p>
-        </p:txBody>
-      </p:sp>
-      <p:sp>
-        <p:nvSpPr>
-          <p:cNvPr id="125" name=""/>
-          <p:cNvSpPr/>
-          <p:nvPr/>
-        </p:nvSpPr>
-        <p:spPr>
-          <a:xfrm>
-            <a:off x="6374160" y="3365280"/>
-            <a:ext cx="843480" cy="0"/>
-          </a:xfrm>
-          <a:prstGeom prst="line">
-            <a:avLst/>
-          </a:prstGeom>
-          <a:ln w="12600">
-            <a:solidFill>
-              <a:srgbClr val="000000"/>
-            </a:solidFill>
-            <a:round/>
-            <a:tailEnd len="med" type="triangle" w="med"/>
-          </a:ln>
-        </p:spPr>
-        <p:style>
-          <a:lnRef idx="0"/>
-          <a:fillRef idx="0"/>
-          <a:effectRef idx="0"/>
-          <a:fontRef idx="minor"/>
-        </p:style>
-      </p:sp>
-      <p:sp>
-        <p:nvSpPr>
-          <p:cNvPr id="126" name=""/>
-          <p:cNvSpPr/>
-          <p:nvPr/>
-        </p:nvSpPr>
-        <p:spPr>
-          <a:xfrm>
-            <a:off x="8045640" y="3146760"/>
-            <a:ext cx="839520" cy="421560"/>
-          </a:xfrm>
-          <a:prstGeom prst="rect">
-            <a:avLst/>
-          </a:prstGeom>
-          <a:solidFill>
-            <a:srgbClr val="ffffff"/>
-          </a:solidFill>
-          <a:ln w="12600">
-            <a:solidFill>
-              <a:srgbClr val="000000"/>
-            </a:solidFill>
-            <a:round/>
-          </a:ln>
-        </p:spPr>
-        <p:style>
-          <a:lnRef idx="0"/>
-          <a:fillRef idx="0"/>
-          <a:effectRef idx="0"/>
-          <a:fontRef idx="minor"/>
-        </p:style>
-        <p:txBody>
-          <a:bodyPr wrap="none" lIns="96120" rIns="96120" tIns="51120" bIns="51120" anchor="ctr">
-            <a:noAutofit/>
-          </a:bodyPr>
-          <a:p>
-            <a:pPr algn="ctr"/>
-            <a:r>
-              <a:rPr b="0" lang="en-US" sz="1800" spc="-1" strike="noStrike">
-                <a:latin typeface="Courier New"/>
-              </a:rPr>
-              <a:t>"two"</a:t>
-            </a:r>
-            <a:endParaRPr b="0" lang="en-US" sz="1800" spc="-1" strike="noStrike">
-              <a:latin typeface="Courier New"/>
-            </a:endParaRPr>
-          </a:p>
-        </p:txBody>
-      </p:sp>
-      <p:sp>
-        <p:nvSpPr>
-          <p:cNvPr id="127" name=""/>
-          <p:cNvSpPr/>
-          <p:nvPr/>
-        </p:nvSpPr>
-        <p:spPr>
-          <a:xfrm>
-            <a:off x="8873640" y="3146760"/>
-            <a:ext cx="839520" cy="421560"/>
-          </a:xfrm>
-          <a:prstGeom prst="rect">
-            <a:avLst/>
-          </a:prstGeom>
-          <a:solidFill>
-            <a:srgbClr val="ffffff"/>
-          </a:solidFill>
-          <a:ln w="12600">
-            <a:solidFill>
-              <a:srgbClr val="000000"/>
-            </a:solidFill>
-            <a:round/>
-          </a:ln>
-        </p:spPr>
-        <p:style>
-          <a:lnRef idx="0"/>
-          <a:fillRef idx="0"/>
-          <a:effectRef idx="0"/>
-          <a:fontRef idx="minor"/>
-        </p:style>
-        <p:txBody>
-          <a:bodyPr wrap="none" lIns="96120" rIns="96120" tIns="51120" bIns="51120" anchor="ctr">
-            <a:noAutofit/>
-          </a:bodyPr>
-          <a:p>
-            <a:pPr algn="ctr"/>
-            <a:r>
-              <a:rPr b="0" lang="en-US" sz="1800" spc="-1" strike="noStrike">
-                <a:latin typeface="Courier New"/>
-              </a:rPr>
-              <a:t>"4"</a:t>
-            </a:r>
-            <a:endParaRPr b="0" lang="en-US" sz="1800" spc="-1" strike="noStrike">
-              <a:latin typeface="Courier New"/>
+            <a:r>
+              <a:rPr b="0" lang="en-US" sz="1600" spc="-1" strike="noStrike">
+                <a:latin typeface="Arial"/>
+              </a:rPr>
+              <a:t> array</a:t>
+            </a:r>
+            <a:endParaRPr b="0" lang="en-US" sz="1600" spc="-1" strike="noStrike">
+              <a:latin typeface="Arial"/>
             </a:endParaRPr>
           </a:p>
         </p:txBody>
@@ -3457,7 +3297,7 @@
       </p:grpSpPr>
       <p:sp>
         <p:nvSpPr>
-          <p:cNvPr id="128" name=""/>
+          <p:cNvPr id="124" name=""/>
           <p:cNvSpPr txBox="1"/>
           <p:nvPr/>
         </p:nvSpPr>
@@ -3482,6 +3322,612 @@
             <a:pPr algn="ctr"/>
             <a:r>
               <a:rPr b="0" lang="en-US" sz="4000" spc="-1" strike="noStrike">
+                <a:latin typeface="Arial"/>
+              </a:rPr>
+              <a:t>Command Line Arguments</a:t>
+            </a:r>
+            <a:endParaRPr b="0" lang="en-US" sz="4000" spc="-1" strike="noStrike">
+              <a:latin typeface="Arial"/>
+            </a:endParaRPr>
+          </a:p>
+        </p:txBody>
+      </p:sp>
+      <p:sp>
+        <p:nvSpPr>
+          <p:cNvPr id="125" name=""/>
+          <p:cNvSpPr txBox="1"/>
+          <p:nvPr/>
+        </p:nvSpPr>
+        <p:spPr>
+          <a:xfrm>
+            <a:off x="457200" y="1371600"/>
+            <a:ext cx="6520680" cy="2620800"/>
+          </a:xfrm>
+          <a:prstGeom prst="rect">
+            <a:avLst/>
+          </a:prstGeom>
+          <a:noFill/>
+          <a:ln w="0">
+            <a:noFill/>
+          </a:ln>
+        </p:spPr>
+        <p:txBody>
+          <a:bodyPr lIns="90000" rIns="90000" tIns="45000" bIns="45000">
+            <a:noAutofit/>
+          </a:bodyPr>
+          <a:p>
+            <a:r>
+              <a:rPr b="0" lang="en-US" sz="1600" spc="-1" strike="noStrike">
+                <a:latin typeface="Courier New"/>
+              </a:rPr>
+              <a:t>public class CmdLine {</a:t>
+            </a:r>
+            <a:endParaRPr b="0" lang="en-US" sz="1600" spc="-1" strike="noStrike">
+              <a:latin typeface="Arial"/>
+            </a:endParaRPr>
+          </a:p>
+          <a:p>
+            <a:endParaRPr b="0" lang="en-US" sz="1600" spc="-1" strike="noStrike">
+              <a:latin typeface="Arial"/>
+            </a:endParaRPr>
+          </a:p>
+          <a:p>
+            <a:r>
+              <a:rPr b="0" lang="en-US" sz="1600" spc="-1" strike="noStrike">
+                <a:latin typeface="Courier New"/>
+              </a:rPr>
+              <a:t>  </a:t>
+            </a:r>
+            <a:r>
+              <a:rPr b="0" lang="en-US" sz="1600" spc="-1" strike="noStrike">
+                <a:latin typeface="Courier New"/>
+              </a:rPr>
+              <a:t>public static void main(String [] args) {</a:t>
+            </a:r>
+            <a:endParaRPr b="0" lang="en-US" sz="1600" spc="-1" strike="noStrike">
+              <a:latin typeface="Arial"/>
+            </a:endParaRPr>
+          </a:p>
+          <a:p>
+            <a:r>
+              <a:rPr b="0" lang="en-US" sz="1600" spc="-1" strike="noStrike">
+                <a:latin typeface="Courier New"/>
+              </a:rPr>
+              <a:t>    </a:t>
+            </a:r>
+            <a:r>
+              <a:rPr b="0" lang="en-US" sz="1600" spc="-1" strike="noStrike">
+                <a:latin typeface="Courier New"/>
+              </a:rPr>
+              <a:t>System.out.printf("You entered %d arguments.\n",</a:t>
+            </a:r>
+            <a:endParaRPr b="0" lang="en-US" sz="1600" spc="-1" strike="noStrike">
+              <a:latin typeface="Arial"/>
+            </a:endParaRPr>
+          </a:p>
+          <a:p>
+            <a:r>
+              <a:rPr b="0" lang="en-US" sz="1600" spc="-1" strike="noStrike">
+                <a:latin typeface="Courier New"/>
+              </a:rPr>
+              <a:t>      </a:t>
+            </a:r>
+            <a:r>
+              <a:rPr b="0" lang="en-US" sz="1600" spc="-1" strike="noStrike">
+                <a:latin typeface="Courier New"/>
+              </a:rPr>
+              <a:t>args.length);</a:t>
+            </a:r>
+            <a:endParaRPr b="0" lang="en-US" sz="1600" spc="-1" strike="noStrike">
+              <a:latin typeface="Arial"/>
+            </a:endParaRPr>
+          </a:p>
+          <a:p>
+            <a:endParaRPr b="0" lang="en-US" sz="1600" spc="-1" strike="noStrike">
+              <a:latin typeface="Arial"/>
+            </a:endParaRPr>
+          </a:p>
+          <a:p>
+            <a:r>
+              <a:rPr b="0" lang="en-US" sz="1600" spc="-1" strike="noStrike">
+                <a:latin typeface="Courier New"/>
+              </a:rPr>
+              <a:t>    </a:t>
+            </a:r>
+            <a:r>
+              <a:rPr b="0" lang="en-US" sz="1600" spc="-1" strike="noStrike">
+                <a:latin typeface="Courier New"/>
+              </a:rPr>
+              <a:t>for (String argument: args) {</a:t>
+            </a:r>
+            <a:endParaRPr b="0" lang="en-US" sz="1600" spc="-1" strike="noStrike">
+              <a:latin typeface="Arial"/>
+            </a:endParaRPr>
+          </a:p>
+          <a:p>
+            <a:r>
+              <a:rPr b="0" lang="en-US" sz="1600" spc="-1" strike="noStrike">
+                <a:latin typeface="Courier New"/>
+              </a:rPr>
+              <a:t>      </a:t>
+            </a:r>
+            <a:r>
+              <a:rPr b="0" lang="en-US" sz="1600" spc="-1" strike="noStrike">
+                <a:latin typeface="Courier New"/>
+              </a:rPr>
+              <a:t>System.out.println(argument);</a:t>
+            </a:r>
+            <a:endParaRPr b="0" lang="en-US" sz="1600" spc="-1" strike="noStrike">
+              <a:latin typeface="Arial"/>
+            </a:endParaRPr>
+          </a:p>
+          <a:p>
+            <a:r>
+              <a:rPr b="0" lang="en-US" sz="1600" spc="-1" strike="noStrike">
+                <a:latin typeface="Courier New"/>
+              </a:rPr>
+              <a:t>    </a:t>
+            </a:r>
+            <a:r>
+              <a:rPr b="0" lang="en-US" sz="1600" spc="-1" strike="noStrike">
+                <a:latin typeface="Courier New"/>
+              </a:rPr>
+              <a:t>}</a:t>
+            </a:r>
+            <a:endParaRPr b="0" lang="en-US" sz="1600" spc="-1" strike="noStrike">
+              <a:latin typeface="Arial"/>
+            </a:endParaRPr>
+          </a:p>
+          <a:p>
+            <a:r>
+              <a:rPr b="0" lang="en-US" sz="1600" spc="-1" strike="noStrike">
+                <a:latin typeface="Courier New"/>
+              </a:rPr>
+              <a:t>  </a:t>
+            </a:r>
+            <a:r>
+              <a:rPr b="0" lang="en-US" sz="1600" spc="-1" strike="noStrike">
+                <a:latin typeface="Courier New"/>
+              </a:rPr>
+              <a:t>}</a:t>
+            </a:r>
+            <a:endParaRPr b="0" lang="en-US" sz="1600" spc="-1" strike="noStrike">
+              <a:latin typeface="Arial"/>
+            </a:endParaRPr>
+          </a:p>
+          <a:p>
+            <a:r>
+              <a:rPr b="0" lang="en-US" sz="1600" spc="-1" strike="noStrike">
+                <a:latin typeface="Courier New"/>
+              </a:rPr>
+              <a:t>}</a:t>
+            </a:r>
+            <a:endParaRPr b="0" lang="en-US" sz="1600" spc="-1" strike="noStrike">
+              <a:latin typeface="Arial"/>
+            </a:endParaRPr>
+          </a:p>
+        </p:txBody>
+      </p:sp>
+      <p:sp>
+        <p:nvSpPr>
+          <p:cNvPr id="126" name=""/>
+          <p:cNvSpPr txBox="1"/>
+          <p:nvPr/>
+        </p:nvSpPr>
+        <p:spPr>
+          <a:xfrm>
+            <a:off x="4208040" y="3755520"/>
+            <a:ext cx="3484800" cy="1398600"/>
+          </a:xfrm>
+          <a:prstGeom prst="rect">
+            <a:avLst/>
+          </a:prstGeom>
+          <a:noFill/>
+          <a:ln w="12600">
+            <a:solidFill>
+              <a:srgbClr val="000000"/>
+            </a:solidFill>
+            <a:prstDash val="dot"/>
+            <a:round/>
+          </a:ln>
+        </p:spPr>
+        <p:txBody>
+          <a:bodyPr lIns="96120" rIns="96120" tIns="51120" bIns="51120">
+            <a:noAutofit/>
+          </a:bodyPr>
+          <a:p>
+            <a:r>
+              <a:rPr b="0" lang="en-US" sz="1800" spc="-1" strike="noStrike">
+                <a:latin typeface="Courier New"/>
+              </a:rPr>
+              <a:t>$ java CmdLine </a:t>
+            </a:r>
+            <a:r>
+              <a:rPr b="0" lang="en-US" sz="1800" spc="-1" strike="noStrike">
+                <a:highlight>
+                  <a:srgbClr val="ffffd7"/>
+                </a:highlight>
+                <a:latin typeface="Courier New"/>
+              </a:rPr>
+              <a:t>10 two 4</a:t>
+            </a:r>
+            <a:endParaRPr b="0" lang="en-US" sz="1800" spc="-1" strike="noStrike">
+              <a:latin typeface="Arial"/>
+            </a:endParaRPr>
+          </a:p>
+          <a:p>
+            <a:r>
+              <a:rPr b="0" lang="en-US" sz="1800" spc="-1" strike="noStrike">
+                <a:solidFill>
+                  <a:srgbClr val="000000"/>
+                </a:solidFill>
+                <a:latin typeface="Courier New"/>
+              </a:rPr>
+              <a:t>You entered 3 arguments.</a:t>
+            </a:r>
+            <a:endParaRPr b="0" lang="en-US" sz="1800" spc="-1" strike="noStrike">
+              <a:latin typeface="Arial"/>
+            </a:endParaRPr>
+          </a:p>
+          <a:p>
+            <a:r>
+              <a:rPr b="0" lang="en-US" sz="1800" spc="-1" strike="noStrike">
+                <a:solidFill>
+                  <a:srgbClr val="000000"/>
+                </a:solidFill>
+                <a:latin typeface="Courier New"/>
+              </a:rPr>
+              <a:t>10</a:t>
+            </a:r>
+            <a:endParaRPr b="0" lang="en-US" sz="1800" spc="-1" strike="noStrike">
+              <a:latin typeface="Arial"/>
+            </a:endParaRPr>
+          </a:p>
+          <a:p>
+            <a:r>
+              <a:rPr b="0" lang="en-US" sz="1800" spc="-1" strike="noStrike">
+                <a:solidFill>
+                  <a:srgbClr val="000000"/>
+                </a:solidFill>
+                <a:latin typeface="Courier New"/>
+              </a:rPr>
+              <a:t>two</a:t>
+            </a:r>
+            <a:endParaRPr b="0" lang="en-US" sz="1800" spc="-1" strike="noStrike">
+              <a:latin typeface="Arial"/>
+            </a:endParaRPr>
+          </a:p>
+          <a:p>
+            <a:r>
+              <a:rPr b="0" lang="en-US" sz="1800" spc="-1" strike="noStrike">
+                <a:solidFill>
+                  <a:srgbClr val="000000"/>
+                </a:solidFill>
+                <a:latin typeface="Courier New"/>
+              </a:rPr>
+              <a:t>4</a:t>
+            </a:r>
+            <a:endParaRPr b="0" lang="en-US" sz="1800" spc="-1" strike="noStrike">
+              <a:latin typeface="Arial"/>
+            </a:endParaRPr>
+          </a:p>
+        </p:txBody>
+      </p:sp>
+      <p:sp>
+        <p:nvSpPr>
+          <p:cNvPr id="127" name=""/>
+          <p:cNvSpPr/>
+          <p:nvPr/>
+        </p:nvSpPr>
+        <p:spPr>
+          <a:xfrm>
+            <a:off x="6171120" y="3225960"/>
+            <a:ext cx="335520" cy="273240"/>
+          </a:xfrm>
+          <a:prstGeom prst="rect">
+            <a:avLst/>
+          </a:prstGeom>
+          <a:solidFill>
+            <a:srgbClr val="ffffff"/>
+          </a:solidFill>
+          <a:ln w="12600">
+            <a:solidFill>
+              <a:srgbClr val="000000"/>
+            </a:solidFill>
+            <a:round/>
+          </a:ln>
+        </p:spPr>
+        <p:style>
+          <a:lnRef idx="0"/>
+          <a:fillRef idx="0"/>
+          <a:effectRef idx="0"/>
+          <a:fontRef idx="minor"/>
+        </p:style>
+        <p:txBody>
+          <a:bodyPr wrap="none" lIns="96120" rIns="96120" tIns="51120" bIns="51120" anchor="ctr">
+            <a:noAutofit/>
+          </a:bodyPr>
+          <a:p>
+            <a:pPr algn="ctr"/>
+            <a:r>
+              <a:rPr b="0" lang="en-US" sz="2400" spc="-1" strike="noStrike">
+                <a:latin typeface="Arial"/>
+                <a:ea typeface="Arial"/>
+              </a:rPr>
+              <a:t>•</a:t>
+            </a:r>
+            <a:endParaRPr b="0" lang="en-US" sz="2400" spc="-1" strike="noStrike">
+              <a:latin typeface="Arial"/>
+            </a:endParaRPr>
+          </a:p>
+        </p:txBody>
+      </p:sp>
+      <p:sp>
+        <p:nvSpPr>
+          <p:cNvPr id="128" name=""/>
+          <p:cNvSpPr txBox="1"/>
+          <p:nvPr/>
+        </p:nvSpPr>
+        <p:spPr>
+          <a:xfrm>
+            <a:off x="5257800" y="3189960"/>
+            <a:ext cx="913320" cy="349560"/>
+          </a:xfrm>
+          <a:prstGeom prst="rect">
+            <a:avLst/>
+          </a:prstGeom>
+          <a:noFill/>
+          <a:ln w="0">
+            <a:noFill/>
+          </a:ln>
+        </p:spPr>
+        <p:txBody>
+          <a:bodyPr lIns="90000" rIns="90000" tIns="45000" bIns="45000">
+            <a:noAutofit/>
+          </a:bodyPr>
+          <a:p>
+            <a:r>
+              <a:rPr b="0" lang="en-US" sz="1800" spc="-1" strike="noStrike">
+                <a:latin typeface="Courier New"/>
+              </a:rPr>
+              <a:t>args</a:t>
+            </a:r>
+            <a:endParaRPr b="0" lang="en-US" sz="1800" spc="-1" strike="noStrike">
+              <a:latin typeface="Arial"/>
+            </a:endParaRPr>
+          </a:p>
+        </p:txBody>
+      </p:sp>
+      <p:sp>
+        <p:nvSpPr>
+          <p:cNvPr id="129" name=""/>
+          <p:cNvSpPr/>
+          <p:nvPr/>
+        </p:nvSpPr>
+        <p:spPr>
+          <a:xfrm>
+            <a:off x="7217640" y="3146760"/>
+            <a:ext cx="839520" cy="421560"/>
+          </a:xfrm>
+          <a:prstGeom prst="rect">
+            <a:avLst/>
+          </a:prstGeom>
+          <a:solidFill>
+            <a:srgbClr val="ffffff"/>
+          </a:solidFill>
+          <a:ln w="12600">
+            <a:solidFill>
+              <a:srgbClr val="000000"/>
+            </a:solidFill>
+            <a:round/>
+          </a:ln>
+        </p:spPr>
+        <p:style>
+          <a:lnRef idx="0"/>
+          <a:fillRef idx="0"/>
+          <a:effectRef idx="0"/>
+          <a:fontRef idx="minor"/>
+        </p:style>
+        <p:txBody>
+          <a:bodyPr wrap="none" lIns="96120" rIns="96120" tIns="51120" bIns="51120" anchor="ctr">
+            <a:noAutofit/>
+          </a:bodyPr>
+          <a:p>
+            <a:pPr algn="ctr"/>
+            <a:r>
+              <a:rPr b="0" lang="en-US" sz="1800" spc="-1" strike="noStrike">
+                <a:latin typeface="Courier New"/>
+              </a:rPr>
+              <a:t>"10"</a:t>
+            </a:r>
+            <a:endParaRPr b="0" lang="en-US" sz="1800" spc="-1" strike="noStrike">
+              <a:latin typeface="Courier New"/>
+            </a:endParaRPr>
+          </a:p>
+        </p:txBody>
+      </p:sp>
+      <p:sp>
+        <p:nvSpPr>
+          <p:cNvPr id="130" name=""/>
+          <p:cNvSpPr/>
+          <p:nvPr/>
+        </p:nvSpPr>
+        <p:spPr>
+          <a:xfrm>
+            <a:off x="6374160" y="3365280"/>
+            <a:ext cx="843480" cy="0"/>
+          </a:xfrm>
+          <a:prstGeom prst="line">
+            <a:avLst/>
+          </a:prstGeom>
+          <a:ln w="12600">
+            <a:solidFill>
+              <a:srgbClr val="000000"/>
+            </a:solidFill>
+            <a:round/>
+            <a:tailEnd len="med" type="triangle" w="med"/>
+          </a:ln>
+        </p:spPr>
+        <p:style>
+          <a:lnRef idx="0"/>
+          <a:fillRef idx="0"/>
+          <a:effectRef idx="0"/>
+          <a:fontRef idx="minor"/>
+        </p:style>
+      </p:sp>
+      <p:sp>
+        <p:nvSpPr>
+          <p:cNvPr id="131" name=""/>
+          <p:cNvSpPr/>
+          <p:nvPr/>
+        </p:nvSpPr>
+        <p:spPr>
+          <a:xfrm>
+            <a:off x="8045640" y="3146760"/>
+            <a:ext cx="839520" cy="421560"/>
+          </a:xfrm>
+          <a:prstGeom prst="rect">
+            <a:avLst/>
+          </a:prstGeom>
+          <a:solidFill>
+            <a:srgbClr val="ffffff"/>
+          </a:solidFill>
+          <a:ln w="12600">
+            <a:solidFill>
+              <a:srgbClr val="000000"/>
+            </a:solidFill>
+            <a:round/>
+          </a:ln>
+        </p:spPr>
+        <p:style>
+          <a:lnRef idx="0"/>
+          <a:fillRef idx="0"/>
+          <a:effectRef idx="0"/>
+          <a:fontRef idx="minor"/>
+        </p:style>
+        <p:txBody>
+          <a:bodyPr wrap="none" lIns="96120" rIns="96120" tIns="51120" bIns="51120" anchor="ctr">
+            <a:noAutofit/>
+          </a:bodyPr>
+          <a:p>
+            <a:pPr algn="ctr"/>
+            <a:r>
+              <a:rPr b="0" lang="en-US" sz="1800" spc="-1" strike="noStrike">
+                <a:latin typeface="Courier New"/>
+              </a:rPr>
+              <a:t>"two"</a:t>
+            </a:r>
+            <a:endParaRPr b="0" lang="en-US" sz="1800" spc="-1" strike="noStrike">
+              <a:latin typeface="Courier New"/>
+            </a:endParaRPr>
+          </a:p>
+        </p:txBody>
+      </p:sp>
+      <p:sp>
+        <p:nvSpPr>
+          <p:cNvPr id="132" name=""/>
+          <p:cNvSpPr/>
+          <p:nvPr/>
+        </p:nvSpPr>
+        <p:spPr>
+          <a:xfrm>
+            <a:off x="8873640" y="3146760"/>
+            <a:ext cx="839520" cy="421560"/>
+          </a:xfrm>
+          <a:prstGeom prst="rect">
+            <a:avLst/>
+          </a:prstGeom>
+          <a:solidFill>
+            <a:srgbClr val="ffffff"/>
+          </a:solidFill>
+          <a:ln w="12600">
+            <a:solidFill>
+              <a:srgbClr val="000000"/>
+            </a:solidFill>
+            <a:round/>
+          </a:ln>
+        </p:spPr>
+        <p:style>
+          <a:lnRef idx="0"/>
+          <a:fillRef idx="0"/>
+          <a:effectRef idx="0"/>
+          <a:fontRef idx="minor"/>
+        </p:style>
+        <p:txBody>
+          <a:bodyPr wrap="none" lIns="96120" rIns="96120" tIns="51120" bIns="51120" anchor="ctr">
+            <a:noAutofit/>
+          </a:bodyPr>
+          <a:p>
+            <a:pPr algn="ctr"/>
+            <a:r>
+              <a:rPr b="0" lang="en-US" sz="1800" spc="-1" strike="noStrike">
+                <a:latin typeface="Courier New"/>
+              </a:rPr>
+              <a:t>"4"</a:t>
+            </a:r>
+            <a:endParaRPr b="0" lang="en-US" sz="1800" spc="-1" strike="noStrike">
+              <a:latin typeface="Courier New"/>
+            </a:endParaRPr>
+          </a:p>
+        </p:txBody>
+      </p:sp>
+    </p:spTree>
+  </p:cSld>
+  <mc:AlternateContent>
+    <mc:Choice Requires="p14">
+      <p:transition spd="slow" p14:dur="2000"/>
+    </mc:Choice>
+    <mc:Fallback>
+      <p:transition spd="slow"/>
+    </mc:Fallback>
+  </mc:AlternateContent>
+</p:sld>
+</file>
+
+<file path=ppt/slides/slide15.xml><?xml version="1.0" encoding="utf-8"?>
+<p:sld xmlns:a="http://schemas.openxmlformats.org/drawingml/2006/main" xmlns:p="http://schemas.openxmlformats.org/presentationml/2006/main" xmlns:r="http://schemas.openxmlformats.org/officeDocument/2006/relationships" xmlns:p14="http://schemas.microsoft.com/office/powerpoint/2010/main" xmlns:p15="http://schemas.microsoft.com/office/powerpoint/2012/main" xmlns:mc="http://schemas.openxmlformats.org/markup-compatibility/2006">
+  <p:cSld>
+    <p:spTree>
+      <p:nvGrpSpPr>
+        <p:cNvPr id="1" name=""/>
+        <p:cNvGrpSpPr/>
+        <p:nvPr/>
+      </p:nvGrpSpPr>
+      <p:grpSpPr>
+        <a:xfrm>
+          <a:off x="0" y="0"/>
+          <a:ext cx="0" cy="0"/>
+          <a:chOff x="0" y="0"/>
+          <a:chExt cx="0" cy="0"/>
+        </a:xfrm>
+      </p:grpSpPr>
+      <p:sp>
+        <p:nvSpPr>
+          <p:cNvPr id="133" name=""/>
+          <p:cNvSpPr txBox="1"/>
+          <p:nvPr/>
+        </p:nvSpPr>
+        <p:spPr>
+          <a:xfrm>
+            <a:off x="504000" y="226080"/>
+            <a:ext cx="9071640" cy="946440"/>
+          </a:xfrm>
+          <a:prstGeom prst="rect">
+            <a:avLst/>
+          </a:prstGeom>
+          <a:noFill/>
+          <a:ln w="0">
+            <a:noFill/>
+          </a:ln>
+        </p:spPr>
+        <p:txBody>
+          <a:bodyPr lIns="0" rIns="0" tIns="0" bIns="0" anchor="ctr">
+            <a:noAutofit/>
+          </a:bodyPr>
+          <a:p>
+            <a:pPr algn="ctr"/>
+            <a:r>
+              <a:rPr b="0" lang="en-US" sz="4000" spc="-1" strike="noStrike">
                 <a:latin typeface="Courier New"/>
               </a:rPr>
               <a:t>BigInteger</a:t>
@@ -3494,7 +3940,7 @@
       </p:sp>
       <p:sp>
         <p:nvSpPr>
-          <p:cNvPr id="129" name=""/>
+          <p:cNvPr id="134" name=""/>
           <p:cNvSpPr txBox="1"/>
           <p:nvPr/>
         </p:nvSpPr>
@@ -3701,7 +4147,7 @@
               <a:rPr b="0" lang="en-US" sz="4000" spc="-1" strike="noStrike">
                 <a:latin typeface="Arial"/>
               </a:rPr>
-              <a:t>Primitive Values</a:t>
+              <a:t>What is an Object?</a:t>
             </a:r>
             <a:endParaRPr b="0" lang="en-US" sz="4000" spc="-1" strike="noStrike">
               <a:latin typeface="Arial"/>
@@ -3717,8 +4163,8 @@
         </p:nvSpPr>
         <p:spPr>
           <a:xfrm>
-            <a:off x="1007280" y="1452240"/>
-            <a:ext cx="3335400" cy="984600"/>
+            <a:off x="1645200" y="1587600"/>
+            <a:ext cx="6449040" cy="602280"/>
           </a:xfrm>
           <a:prstGeom prst="rect">
             <a:avLst/>
@@ -3733,48 +4179,82 @@
             <a:noAutofit/>
           </a:bodyPr>
           <a:p>
-            <a:pPr>
-              <a:lnSpc>
-                <a:spcPct val="115000"/>
-              </a:lnSpc>
-            </a:pPr>
             <a:r>
               <a:rPr b="0" lang="en-US" sz="1800" spc="-1" strike="noStrike">
-                <a:latin typeface="Courier New"/>
-              </a:rPr>
-              <a:t>int age = 23;</a:t>
+                <a:latin typeface="Arial"/>
+              </a:rPr>
+              <a:t>An </a:t>
+            </a:r>
+            <a:r>
+              <a:rPr b="0" i="1" lang="en-US" sz="1800" spc="-1" strike="noStrike">
+                <a:latin typeface="Arial"/>
+              </a:rPr>
+              <a:t>object</a:t>
+            </a:r>
+            <a:r>
+              <a:rPr b="0" lang="en-US" sz="1800" spc="-1" strike="noStrike">
+                <a:latin typeface="Arial"/>
+              </a:rPr>
+              <a:t> is a collection of data that provides a set of </a:t>
+            </a:r>
+            <a:r>
+              <a:rPr b="0" i="1" lang="en-US" sz="1800" spc="-1" strike="noStrike">
+                <a:latin typeface="Arial"/>
+              </a:rPr>
+              <a:t>methods</a:t>
+            </a:r>
+            <a:r>
+              <a:rPr b="0" lang="en-US" sz="1800" spc="-1" strike="noStrike">
+                <a:latin typeface="Arial"/>
+              </a:rPr>
+              <a:t> that manipulate that data.</a:t>
             </a:r>
             <a:endParaRPr b="0" lang="en-US" sz="1800" spc="-1" strike="noStrike">
               <a:latin typeface="Arial"/>
             </a:endParaRPr>
           </a:p>
-          <a:p>
-            <a:pPr>
-              <a:lnSpc>
-                <a:spcPct val="115000"/>
-              </a:lnSpc>
-            </a:pPr>
+        </p:txBody>
+      </p:sp>
+      <p:sp>
+        <p:nvSpPr>
+          <p:cNvPr id="45" name=""/>
+          <p:cNvSpPr txBox="1"/>
+          <p:nvPr/>
+        </p:nvSpPr>
+        <p:spPr>
+          <a:xfrm>
+            <a:off x="3194280" y="3021120"/>
+            <a:ext cx="3061080" cy="608760"/>
+          </a:xfrm>
+          <a:prstGeom prst="rect">
+            <a:avLst/>
+          </a:prstGeom>
+          <a:noFill/>
+          <a:ln w="0">
+            <a:noFill/>
+          </a:ln>
+        </p:spPr>
+        <p:txBody>
+          <a:bodyPr lIns="90000" rIns="90000" tIns="45000" bIns="45000">
+            <a:noAutofit/>
+          </a:bodyPr>
+          <a:p>
             <a:r>
               <a:rPr b="0" lang="en-US" sz="1800" spc="-1" strike="noStrike">
                 <a:latin typeface="Courier New"/>
               </a:rPr>
-              <a:t>double price = 3.45;</a:t>
+              <a:t>String str = "Java";</a:t>
             </a:r>
             <a:endParaRPr b="0" lang="en-US" sz="1800" spc="-1" strike="noStrike">
               <a:latin typeface="Arial"/>
             </a:endParaRPr>
           </a:p>
           <a:p>
-            <a:pPr>
-              <a:lnSpc>
-                <a:spcPct val="115000"/>
-              </a:lnSpc>
-            </a:pPr>
             <a:r>
               <a:rPr b="0" lang="en-US" sz="1800" spc="-1" strike="noStrike">
                 <a:latin typeface="Courier New"/>
               </a:rPr>
-              <a:t>boolean isValid = true;</a:t>
+              <a:t>int n = str.length();</a:t>
             </a:r>
             <a:endParaRPr b="0" lang="en-US" sz="1800" spc="-1" strike="noStrike">
               <a:latin typeface="Arial"/>
@@ -3784,20 +4264,23 @@
       </p:sp>
       <p:sp>
         <p:nvSpPr>
-          <p:cNvPr id="45" name=""/>
+          <p:cNvPr id="46" name=""/>
           <p:cNvSpPr/>
           <p:nvPr/>
         </p:nvSpPr>
         <p:spPr>
           <a:xfrm>
-            <a:off x="6472440" y="1483560"/>
-            <a:ext cx="960120" cy="421560"/>
-          </a:xfrm>
-          <a:prstGeom prst="rect">
-            <a:avLst/>
+            <a:off x="1870200" y="3941640"/>
+            <a:ext cx="2076840" cy="459360"/>
+          </a:xfrm>
+          <a:prstGeom prst="wedgeRectCallout">
+            <a:avLst>
+              <a:gd name="adj1" fmla="val 79060"/>
+              <a:gd name="adj2" fmla="val -122587"/>
+            </a:avLst>
           </a:prstGeom>
           <a:solidFill>
-            <a:srgbClr val="ffffff"/>
+            <a:srgbClr val="ffffd7"/>
           </a:solidFill>
           <a:ln w="12600">
             <a:solidFill>
@@ -3819,48 +4302,12 @@
           <a:p>
             <a:pPr algn="ctr"/>
             <a:r>
-              <a:rPr b="0" lang="en-US" sz="1800" spc="-1" strike="noStrike">
-                <a:latin typeface="Arial"/>
-              </a:rPr>
-              <a:t>23</a:t>
-            </a:r>
-            <a:endParaRPr b="0" lang="en-US" sz="1800" spc="-1" strike="noStrike">
-              <a:latin typeface="Arial"/>
-            </a:endParaRPr>
-          </a:p>
-        </p:txBody>
-      </p:sp>
-      <p:sp>
-        <p:nvSpPr>
-          <p:cNvPr id="46" name=""/>
-          <p:cNvSpPr txBox="1"/>
-          <p:nvPr/>
-        </p:nvSpPr>
-        <p:spPr>
-          <a:xfrm>
-            <a:off x="5699520" y="1534680"/>
-            <a:ext cx="640080" cy="349560"/>
-          </a:xfrm>
-          <a:prstGeom prst="rect">
-            <a:avLst/>
-          </a:prstGeom>
-          <a:noFill/>
-          <a:ln w="0">
-            <a:noFill/>
-          </a:ln>
-        </p:spPr>
-        <p:txBody>
-          <a:bodyPr lIns="90000" rIns="90000" tIns="45000" bIns="45000">
-            <a:noAutofit/>
-          </a:bodyPr>
-          <a:p>
-            <a:r>
-              <a:rPr b="0" lang="en-US" sz="1800" spc="-1" strike="noStrike">
-                <a:latin typeface="Courier New"/>
-              </a:rPr>
-              <a:t>age</a:t>
-            </a:r>
-            <a:endParaRPr b="0" lang="en-US" sz="1800" spc="-1" strike="noStrike">
+              <a:rPr b="0" lang="en-US" sz="1600" spc="-1" strike="noStrike">
+                <a:latin typeface="Arial"/>
+              </a:rPr>
+              <a:t>The object</a:t>
+            </a:r>
+            <a:endParaRPr b="0" lang="en-US" sz="1600" spc="-1" strike="noStrike">
               <a:latin typeface="Arial"/>
             </a:endParaRPr>
           </a:p>
@@ -3874,14 +4321,17 @@
         </p:nvSpPr>
         <p:spPr>
           <a:xfrm>
-            <a:off x="6472440" y="2311200"/>
-            <a:ext cx="960120" cy="421560"/>
-          </a:xfrm>
-          <a:prstGeom prst="rect">
-            <a:avLst/>
+            <a:off x="5154840" y="4063320"/>
+            <a:ext cx="2076840" cy="459360"/>
+          </a:xfrm>
+          <a:prstGeom prst="wedgeRectCallout">
+            <a:avLst>
+              <a:gd name="adj1" fmla="val -39708"/>
+              <a:gd name="adj2" fmla="val -144828"/>
+            </a:avLst>
           </a:prstGeom>
           <a:solidFill>
-            <a:srgbClr val="ffffff"/>
+            <a:srgbClr val="ffffd7"/>
           </a:solidFill>
           <a:ln w="12600">
             <a:solidFill>
@@ -3903,168 +4353,12 @@
           <a:p>
             <a:pPr algn="ctr"/>
             <a:r>
-              <a:rPr b="0" lang="en-US" sz="1800" spc="-1" strike="noStrike">
-                <a:latin typeface="Arial"/>
-              </a:rPr>
-              <a:t>3.45</a:t>
-            </a:r>
-            <a:endParaRPr b="0" lang="en-US" sz="1800" spc="-1" strike="noStrike">
-              <a:latin typeface="Arial"/>
-            </a:endParaRPr>
-          </a:p>
-        </p:txBody>
-      </p:sp>
-      <p:sp>
-        <p:nvSpPr>
-          <p:cNvPr id="48" name=""/>
-          <p:cNvSpPr txBox="1"/>
-          <p:nvPr/>
-        </p:nvSpPr>
-        <p:spPr>
-          <a:xfrm>
-            <a:off x="5449680" y="2362320"/>
-            <a:ext cx="908640" cy="349560"/>
-          </a:xfrm>
-          <a:prstGeom prst="rect">
-            <a:avLst/>
-          </a:prstGeom>
-          <a:noFill/>
-          <a:ln w="0">
-            <a:noFill/>
-          </a:ln>
-        </p:spPr>
-        <p:txBody>
-          <a:bodyPr lIns="90000" rIns="90000" tIns="45000" bIns="45000">
-            <a:noAutofit/>
-          </a:bodyPr>
-          <a:p>
-            <a:r>
-              <a:rPr b="0" lang="en-US" sz="1800" spc="-1" strike="noStrike">
-                <a:latin typeface="Courier New"/>
-              </a:rPr>
-              <a:t>price</a:t>
-            </a:r>
-            <a:endParaRPr b="0" lang="en-US" sz="1800" spc="-1" strike="noStrike">
-              <a:latin typeface="Arial"/>
-            </a:endParaRPr>
-          </a:p>
-        </p:txBody>
-      </p:sp>
-      <p:sp>
-        <p:nvSpPr>
-          <p:cNvPr id="49" name=""/>
-          <p:cNvSpPr/>
-          <p:nvPr/>
-        </p:nvSpPr>
-        <p:spPr>
-          <a:xfrm>
-            <a:off x="6472440" y="3029400"/>
-            <a:ext cx="960120" cy="421560"/>
-          </a:xfrm>
-          <a:prstGeom prst="rect">
-            <a:avLst/>
-          </a:prstGeom>
-          <a:solidFill>
-            <a:srgbClr val="ffffff"/>
-          </a:solidFill>
-          <a:ln w="12600">
-            <a:solidFill>
-              <a:srgbClr val="000000"/>
-            </a:solidFill>
-            <a:round/>
-          </a:ln>
-        </p:spPr>
-        <p:style>
-          <a:lnRef idx="0"/>
-          <a:fillRef idx="0"/>
-          <a:effectRef idx="0"/>
-          <a:fontRef idx="minor"/>
-        </p:style>
-        <p:txBody>
-          <a:bodyPr wrap="none" lIns="96120" rIns="96120" tIns="51120" bIns="51120" anchor="ctr">
-            <a:noAutofit/>
-          </a:bodyPr>
-          <a:p>
-            <a:pPr algn="ctr"/>
-            <a:r>
-              <a:rPr b="0" lang="en-US" sz="1800" spc="-1" strike="noStrike">
-                <a:latin typeface="Courier New"/>
-              </a:rPr>
-              <a:t>true</a:t>
-            </a:r>
-            <a:endParaRPr b="0" lang="en-US" sz="1800" spc="-1" strike="noStrike">
-              <a:latin typeface="Courier New"/>
-            </a:endParaRPr>
-          </a:p>
-        </p:txBody>
-      </p:sp>
-      <p:sp>
-        <p:nvSpPr>
-          <p:cNvPr id="50" name=""/>
-          <p:cNvSpPr txBox="1"/>
-          <p:nvPr/>
-        </p:nvSpPr>
-        <p:spPr>
-          <a:xfrm>
-            <a:off x="5191920" y="3080520"/>
-            <a:ext cx="1244520" cy="349560"/>
-          </a:xfrm>
-          <a:prstGeom prst="rect">
-            <a:avLst/>
-          </a:prstGeom>
-          <a:noFill/>
-          <a:ln w="0">
-            <a:noFill/>
-          </a:ln>
-        </p:spPr>
-        <p:txBody>
-          <a:bodyPr lIns="90000" rIns="90000" tIns="45000" bIns="45000">
-            <a:noAutofit/>
-          </a:bodyPr>
-          <a:p>
-            <a:r>
-              <a:rPr b="0" lang="en-US" sz="1800" spc="-1" strike="noStrike">
-                <a:latin typeface="Courier New"/>
-              </a:rPr>
-              <a:t>isValid</a:t>
-            </a:r>
-            <a:endParaRPr b="0" lang="en-US" sz="1800" spc="-1" strike="noStrike">
-              <a:latin typeface="Arial"/>
-            </a:endParaRPr>
-          </a:p>
-        </p:txBody>
-      </p:sp>
-      <p:sp>
-        <p:nvSpPr>
-          <p:cNvPr id="51" name=""/>
-          <p:cNvSpPr txBox="1"/>
-          <p:nvPr/>
-        </p:nvSpPr>
-        <p:spPr>
-          <a:xfrm>
-            <a:off x="2802960" y="4122720"/>
-            <a:ext cx="4064040" cy="346320"/>
-          </a:xfrm>
-          <a:prstGeom prst="rect">
-            <a:avLst/>
-          </a:prstGeom>
-          <a:noFill/>
-          <a:ln w="0">
-            <a:noFill/>
-          </a:ln>
-        </p:spPr>
-        <p:txBody>
-          <a:bodyPr lIns="90000" rIns="90000" tIns="45000" bIns="45000">
-            <a:noAutofit/>
-          </a:bodyPr>
-          <a:p>
-            <a:r>
-              <a:rPr b="0" i="1" lang="en-US" sz="1800" spc="-1" strike="noStrike">
-                <a:latin typeface="Arial"/>
-              </a:rPr>
-              <a:t>Memory is reserved to store the value.</a:t>
-            </a:r>
-            <a:endParaRPr b="0" lang="en-US" sz="1800" spc="-1" strike="noStrike">
+              <a:rPr b="0" lang="en-US" sz="1600" spc="-1" strike="noStrike">
+                <a:latin typeface="Arial"/>
+              </a:rPr>
+              <a:t>The method</a:t>
+            </a:r>
+            <a:endParaRPr b="0" lang="en-US" sz="1600" spc="-1" strike="noStrike">
               <a:latin typeface="Arial"/>
             </a:endParaRPr>
           </a:p>
@@ -4102,7 +4396,7 @@
       </p:grpSpPr>
       <p:sp>
         <p:nvSpPr>
-          <p:cNvPr id="52" name=""/>
+          <p:cNvPr id="48" name=""/>
           <p:cNvSpPr txBox="1"/>
           <p:nvPr/>
         </p:nvSpPr>
@@ -4129,7 +4423,7 @@
               <a:rPr b="0" lang="en-US" sz="4000" spc="-1" strike="noStrike">
                 <a:latin typeface="Arial"/>
               </a:rPr>
-              <a:t>Reference Values</a:t>
+              <a:t>Primitive Values</a:t>
             </a:r>
             <a:endParaRPr b="0" lang="en-US" sz="4000" spc="-1" strike="noStrike">
               <a:latin typeface="Arial"/>
@@ -4139,14 +4433,14 @@
       </p:sp>
       <p:sp>
         <p:nvSpPr>
-          <p:cNvPr id="53" name=""/>
+          <p:cNvPr id="49" name=""/>
           <p:cNvSpPr txBox="1"/>
           <p:nvPr/>
         </p:nvSpPr>
         <p:spPr>
           <a:xfrm>
             <a:off x="1007280" y="1452240"/>
-            <a:ext cx="3472560" cy="867960"/>
+            <a:ext cx="3335400" cy="984600"/>
           </a:xfrm>
           <a:prstGeom prst="rect">
             <a:avLst/>
@@ -4170,7 +4464,7 @@
               <a:rPr b="0" lang="en-US" sz="1800" spc="-1" strike="noStrike">
                 <a:latin typeface="Courier New"/>
               </a:rPr>
-              <a:t>int [] data = {1, 2, 3};</a:t>
+              <a:t>int age = 23;</a:t>
             </a:r>
             <a:endParaRPr b="0" lang="en-US" sz="1800" spc="-1" strike="noStrike">
               <a:latin typeface="Arial"/>
@@ -4186,24 +4480,40 @@
               <a:rPr b="0" lang="en-US" sz="1800" spc="-1" strike="noStrike">
                 <a:latin typeface="Courier New"/>
               </a:rPr>
-              <a:t>String word = "Java";</a:t>
+              <a:t>double price = 3.45;</a:t>
             </a:r>
             <a:endParaRPr b="0" lang="en-US" sz="1800" spc="-1" strike="noStrike">
               <a:latin typeface="Arial"/>
             </a:endParaRPr>
           </a:p>
-        </p:txBody>
-      </p:sp>
-      <p:sp>
-        <p:nvSpPr>
-          <p:cNvPr id="54" name=""/>
+          <a:p>
+            <a:pPr>
+              <a:lnSpc>
+                <a:spcPct val="115000"/>
+              </a:lnSpc>
+            </a:pPr>
+            <a:r>
+              <a:rPr b="0" lang="en-US" sz="1800" spc="-1" strike="noStrike">
+                <a:latin typeface="Courier New"/>
+              </a:rPr>
+              <a:t>boolean isValid = true;</a:t>
+            </a:r>
+            <a:endParaRPr b="0" lang="en-US" sz="1800" spc="-1" strike="noStrike">
+              <a:latin typeface="Arial"/>
+            </a:endParaRPr>
+          </a:p>
+        </p:txBody>
+      </p:sp>
+      <p:sp>
+        <p:nvSpPr>
+          <p:cNvPr id="50" name=""/>
           <p:cNvSpPr/>
           <p:nvPr/>
         </p:nvSpPr>
         <p:spPr>
           <a:xfrm>
-            <a:off x="6339600" y="1570680"/>
-            <a:ext cx="335520" cy="273240"/>
+            <a:off x="6472440" y="1483560"/>
+            <a:ext cx="960120" cy="421560"/>
           </a:xfrm>
           <a:prstGeom prst="rect">
             <a:avLst/>
@@ -4231,28 +4541,27 @@
           <a:p>
             <a:pPr algn="ctr"/>
             <a:r>
-              <a:rPr b="0" lang="en-US" sz="2400" spc="-1" strike="noStrike">
-                <a:latin typeface="Arial"/>
-                <a:ea typeface="Arial"/>
-              </a:rPr>
-              <a:t>•</a:t>
-            </a:r>
-            <a:endParaRPr b="0" lang="en-US" sz="2400" spc="-1" strike="noStrike">
-              <a:latin typeface="Arial"/>
-            </a:endParaRPr>
-          </a:p>
-        </p:txBody>
-      </p:sp>
-      <p:sp>
-        <p:nvSpPr>
-          <p:cNvPr id="55" name=""/>
+              <a:rPr b="0" lang="en-US" sz="1800" spc="-1" strike="noStrike">
+                <a:latin typeface="Arial"/>
+              </a:rPr>
+              <a:t>23</a:t>
+            </a:r>
+            <a:endParaRPr b="0" lang="en-US" sz="1800" spc="-1" strike="noStrike">
+              <a:latin typeface="Arial"/>
+            </a:endParaRPr>
+          </a:p>
+        </p:txBody>
+      </p:sp>
+      <p:sp>
+        <p:nvSpPr>
+          <p:cNvPr id="51" name=""/>
           <p:cNvSpPr txBox="1"/>
           <p:nvPr/>
         </p:nvSpPr>
         <p:spPr>
           <a:xfrm>
-            <a:off x="5426280" y="1534680"/>
-            <a:ext cx="913320" cy="349560"/>
+            <a:off x="5699520" y="1534680"/>
+            <a:ext cx="640080" cy="349560"/>
           </a:xfrm>
           <a:prstGeom prst="rect">
             <a:avLst/>
@@ -4271,7 +4580,7 @@
               <a:rPr b="0" lang="en-US" sz="1800" spc="-1" strike="noStrike">
                 <a:latin typeface="Courier New"/>
               </a:rPr>
-              <a:t>data</a:t>
+              <a:t>age</a:t>
             </a:r>
             <a:endParaRPr b="0" lang="en-US" sz="1800" spc="-1" strike="noStrike">
               <a:latin typeface="Arial"/>
@@ -4281,103 +4590,14 @@
       </p:sp>
       <p:sp>
         <p:nvSpPr>
-          <p:cNvPr id="56" name=""/>
-          <p:cNvSpPr txBox="1"/>
-          <p:nvPr/>
-        </p:nvSpPr>
-        <p:spPr>
-          <a:xfrm>
-            <a:off x="5449680" y="2362320"/>
-            <a:ext cx="908640" cy="349560"/>
-          </a:xfrm>
-          <a:prstGeom prst="rect">
-            <a:avLst/>
-          </a:prstGeom>
-          <a:noFill/>
-          <a:ln w="0">
-            <a:noFill/>
-          </a:ln>
-        </p:spPr>
-        <p:txBody>
-          <a:bodyPr lIns="90000" rIns="90000" tIns="45000" bIns="45000">
-            <a:noAutofit/>
-          </a:bodyPr>
-          <a:p>
-            <a:r>
-              <a:rPr b="0" lang="en-US" sz="1800" spc="-1" strike="noStrike">
-                <a:latin typeface="Courier New"/>
-              </a:rPr>
-              <a:t>word</a:t>
-            </a:r>
-            <a:endParaRPr b="0" lang="en-US" sz="1800" spc="-1" strike="noStrike">
-              <a:latin typeface="Arial"/>
-            </a:endParaRPr>
-          </a:p>
-        </p:txBody>
-      </p:sp>
-      <p:sp>
-        <p:nvSpPr>
-          <p:cNvPr id="57" name=""/>
-          <p:cNvSpPr txBox="1"/>
-          <p:nvPr/>
-        </p:nvSpPr>
-        <p:spPr>
-          <a:xfrm>
-            <a:off x="2369880" y="4122720"/>
-            <a:ext cx="5340240" cy="397800"/>
-          </a:xfrm>
-          <a:prstGeom prst="rect">
-            <a:avLst/>
-          </a:prstGeom>
-          <a:noFill/>
-          <a:ln w="0">
-            <a:noFill/>
-          </a:ln>
-        </p:spPr>
-        <p:txBody>
-          <a:bodyPr lIns="90000" rIns="90000" tIns="45000" bIns="45000">
-            <a:noAutofit/>
-          </a:bodyPr>
-          <a:p>
-            <a:pPr>
-              <a:lnSpc>
-                <a:spcPct val="100000"/>
-              </a:lnSpc>
-            </a:pPr>
-            <a:r>
-              <a:rPr b="0" i="1" lang="en-US" sz="1800" spc="-1" strike="noStrike">
-                <a:latin typeface="Arial"/>
-              </a:rPr>
-              <a:t>Arrays and Objects store a </a:t>
-            </a:r>
-            <a:r>
-              <a:rPr b="1" lang="en-US" sz="1800" spc="-1" strike="noStrike">
-                <a:latin typeface="Arial"/>
-              </a:rPr>
-              <a:t>reference</a:t>
-            </a:r>
-            <a:r>
-              <a:rPr b="0" i="1" lang="en-US" sz="1800" spc="-1" strike="noStrike">
-                <a:latin typeface="Arial"/>
-              </a:rPr>
-              <a:t> to the value.</a:t>
-            </a:r>
-            <a:endParaRPr b="0" lang="en-US" sz="1800" spc="-1" strike="noStrike">
-              <a:latin typeface="Arial"/>
-            </a:endParaRPr>
-          </a:p>
-        </p:txBody>
-      </p:sp>
-      <p:sp>
-        <p:nvSpPr>
-          <p:cNvPr id="58" name=""/>
+          <p:cNvPr id="52" name=""/>
           <p:cNvSpPr/>
           <p:nvPr/>
         </p:nvSpPr>
         <p:spPr>
           <a:xfrm>
-            <a:off x="7386120" y="1491480"/>
-            <a:ext cx="554040" cy="421560"/>
+            <a:off x="6472440" y="2311200"/>
+            <a:ext cx="960120" cy="421560"/>
           </a:xfrm>
           <a:prstGeom prst="rect">
             <a:avLst/>
@@ -4408,7 +4628,7 @@
               <a:rPr b="0" lang="en-US" sz="1800" spc="-1" strike="noStrike">
                 <a:latin typeface="Arial"/>
               </a:rPr>
-              <a:t>1</a:t>
+              <a:t>3.45</a:t>
             </a:r>
             <a:endParaRPr b="0" lang="en-US" sz="1800" spc="-1" strike="noStrike">
               <a:latin typeface="Arial"/>
@@ -4418,14 +4638,50 @@
       </p:sp>
       <p:sp>
         <p:nvSpPr>
-          <p:cNvPr id="59" name=""/>
+          <p:cNvPr id="53" name=""/>
+          <p:cNvSpPr txBox="1"/>
+          <p:nvPr/>
+        </p:nvSpPr>
+        <p:spPr>
+          <a:xfrm>
+            <a:off x="5449680" y="2362320"/>
+            <a:ext cx="908640" cy="349560"/>
+          </a:xfrm>
+          <a:prstGeom prst="rect">
+            <a:avLst/>
+          </a:prstGeom>
+          <a:noFill/>
+          <a:ln w="0">
+            <a:noFill/>
+          </a:ln>
+        </p:spPr>
+        <p:txBody>
+          <a:bodyPr lIns="90000" rIns="90000" tIns="45000" bIns="45000">
+            <a:noAutofit/>
+          </a:bodyPr>
+          <a:p>
+            <a:r>
+              <a:rPr b="0" lang="en-US" sz="1800" spc="-1" strike="noStrike">
+                <a:latin typeface="Courier New"/>
+              </a:rPr>
+              <a:t>price</a:t>
+            </a:r>
+            <a:endParaRPr b="0" lang="en-US" sz="1800" spc="-1" strike="noStrike">
+              <a:latin typeface="Arial"/>
+            </a:endParaRPr>
+          </a:p>
+        </p:txBody>
+      </p:sp>
+      <p:sp>
+        <p:nvSpPr>
+          <p:cNvPr id="54" name=""/>
           <p:cNvSpPr/>
           <p:nvPr/>
         </p:nvSpPr>
         <p:spPr>
           <a:xfrm>
-            <a:off x="7926120" y="1491480"/>
-            <a:ext cx="554040" cy="421560"/>
+            <a:off x="6472440" y="3029400"/>
+            <a:ext cx="960120" cy="421560"/>
           </a:xfrm>
           <a:prstGeom prst="rect">
             <a:avLst/>
@@ -4454,183 +4710,9 @@
             <a:pPr algn="ctr"/>
             <a:r>
               <a:rPr b="0" lang="en-US" sz="1800" spc="-1" strike="noStrike">
-                <a:latin typeface="Arial"/>
-              </a:rPr>
-              <a:t>2</a:t>
-            </a:r>
-            <a:endParaRPr b="0" lang="en-US" sz="1800" spc="-1" strike="noStrike">
-              <a:latin typeface="Arial"/>
-            </a:endParaRPr>
-          </a:p>
-        </p:txBody>
-      </p:sp>
-      <p:sp>
-        <p:nvSpPr>
-          <p:cNvPr id="60" name=""/>
-          <p:cNvSpPr/>
-          <p:nvPr/>
-        </p:nvSpPr>
-        <p:spPr>
-          <a:xfrm>
-            <a:off x="8466120" y="1491480"/>
-            <a:ext cx="554040" cy="421560"/>
-          </a:xfrm>
-          <a:prstGeom prst="rect">
-            <a:avLst/>
-          </a:prstGeom>
-          <a:solidFill>
-            <a:srgbClr val="ffffff"/>
-          </a:solidFill>
-          <a:ln w="12600">
-            <a:solidFill>
-              <a:srgbClr val="000000"/>
-            </a:solidFill>
-            <a:round/>
-          </a:ln>
-        </p:spPr>
-        <p:style>
-          <a:lnRef idx="0"/>
-          <a:fillRef idx="0"/>
-          <a:effectRef idx="0"/>
-          <a:fontRef idx="minor"/>
-        </p:style>
-        <p:txBody>
-          <a:bodyPr wrap="none" lIns="96120" rIns="96120" tIns="51120" bIns="51120" anchor="ctr">
-            <a:noAutofit/>
-          </a:bodyPr>
-          <a:p>
-            <a:pPr algn="ctr"/>
-            <a:r>
-              <a:rPr b="0" lang="en-US" sz="1800" spc="-1" strike="noStrike">
-                <a:latin typeface="Arial"/>
-              </a:rPr>
-              <a:t>3</a:t>
-            </a:r>
-            <a:endParaRPr b="0" lang="en-US" sz="1800" spc="-1" strike="noStrike">
-              <a:latin typeface="Arial"/>
-            </a:endParaRPr>
-          </a:p>
-        </p:txBody>
-      </p:sp>
-      <p:sp>
-        <p:nvSpPr>
-          <p:cNvPr id="61" name=""/>
-          <p:cNvSpPr/>
-          <p:nvPr/>
-        </p:nvSpPr>
-        <p:spPr>
-          <a:xfrm>
-            <a:off x="6542640" y="1710000"/>
-            <a:ext cx="843480" cy="0"/>
-          </a:xfrm>
-          <a:prstGeom prst="line">
-            <a:avLst/>
-          </a:prstGeom>
-          <a:ln w="12600">
-            <a:solidFill>
-              <a:srgbClr val="000000"/>
-            </a:solidFill>
-            <a:round/>
-            <a:tailEnd len="med" type="triangle" w="med"/>
-          </a:ln>
-        </p:spPr>
-        <p:style>
-          <a:lnRef idx="0"/>
-          <a:fillRef idx="0"/>
-          <a:effectRef idx="0"/>
-          <a:fontRef idx="minor"/>
-        </p:style>
-      </p:sp>
-      <p:sp>
-        <p:nvSpPr>
-          <p:cNvPr id="62" name=""/>
-          <p:cNvSpPr/>
-          <p:nvPr/>
-        </p:nvSpPr>
-        <p:spPr>
-          <a:xfrm>
-            <a:off x="6358320" y="2369520"/>
-            <a:ext cx="335520" cy="273240"/>
-          </a:xfrm>
-          <a:prstGeom prst="rect">
-            <a:avLst/>
-          </a:prstGeom>
-          <a:solidFill>
-            <a:srgbClr val="ffffff"/>
-          </a:solidFill>
-          <a:ln w="12600">
-            <a:solidFill>
-              <a:srgbClr val="000000"/>
-            </a:solidFill>
-            <a:round/>
-          </a:ln>
-        </p:spPr>
-        <p:style>
-          <a:lnRef idx="0"/>
-          <a:fillRef idx="0"/>
-          <a:effectRef idx="0"/>
-          <a:fontRef idx="minor"/>
-        </p:style>
-        <p:txBody>
-          <a:bodyPr wrap="none" lIns="96120" rIns="96120" tIns="51120" bIns="51120" anchor="ctr">
-            <a:noAutofit/>
-          </a:bodyPr>
-          <a:p>
-            <a:pPr algn="ctr"/>
-            <a:r>
-              <a:rPr b="0" lang="en-US" sz="2400" spc="-1" strike="noStrike">
-                <a:latin typeface="Arial"/>
-                <a:ea typeface="Arial"/>
-              </a:rPr>
-              <a:t>•</a:t>
-            </a:r>
-            <a:endParaRPr b="0" lang="en-US" sz="2400" spc="-1" strike="noStrike">
-              <a:latin typeface="Arial"/>
-            </a:endParaRPr>
-          </a:p>
-        </p:txBody>
-      </p:sp>
-      <p:sp>
-        <p:nvSpPr>
-          <p:cNvPr id="63" name=""/>
-          <p:cNvSpPr/>
-          <p:nvPr/>
-        </p:nvSpPr>
-        <p:spPr>
-          <a:xfrm>
-            <a:off x="7404840" y="2290320"/>
-            <a:ext cx="910080" cy="421560"/>
-          </a:xfrm>
-          <a:prstGeom prst="rect">
-            <a:avLst/>
-          </a:prstGeom>
-          <a:solidFill>
-            <a:srgbClr val="ffffff"/>
-          </a:solidFill>
-          <a:ln w="12600">
-            <a:solidFill>
-              <a:srgbClr val="000000"/>
-            </a:solidFill>
-            <a:round/>
-          </a:ln>
-        </p:spPr>
-        <p:style>
-          <a:lnRef idx="0"/>
-          <a:fillRef idx="0"/>
-          <a:effectRef idx="0"/>
-          <a:fontRef idx="minor"/>
-        </p:style>
-        <p:txBody>
-          <a:bodyPr wrap="none" lIns="96120" rIns="96120" tIns="51120" bIns="51120" anchor="ctr">
-            <a:noAutofit/>
-          </a:bodyPr>
-          <a:p>
-            <a:pPr algn="ctr"/>
-            <a:r>
-              <a:rPr b="0" lang="en-US" sz="1800" spc="-1" strike="noStrike">
-                <a:latin typeface="Courier New"/>
-              </a:rPr>
-              <a:t>"Java"</a:t>
+                <a:latin typeface="Courier New"/>
+              </a:rPr>
+              <a:t>true</a:t>
             </a:r>
             <a:endParaRPr b="0" lang="en-US" sz="1800" spc="-1" strike="noStrike">
               <a:latin typeface="Courier New"/>
@@ -4640,32 +4722,75 @@
       </p:sp>
       <p:sp>
         <p:nvSpPr>
-          <p:cNvPr id="64" name=""/>
-          <p:cNvSpPr/>
-          <p:nvPr/>
-        </p:nvSpPr>
-        <p:spPr>
-          <a:xfrm>
-            <a:off x="6561360" y="2508840"/>
-            <a:ext cx="843480" cy="0"/>
-          </a:xfrm>
-          <a:prstGeom prst="line">
-            <a:avLst/>
-          </a:prstGeom>
-          <a:ln w="12600">
-            <a:solidFill>
-              <a:srgbClr val="000000"/>
-            </a:solidFill>
-            <a:round/>
-            <a:tailEnd len="med" type="triangle" w="med"/>
-          </a:ln>
-        </p:spPr>
-        <p:style>
-          <a:lnRef idx="0"/>
-          <a:fillRef idx="0"/>
-          <a:effectRef idx="0"/>
-          <a:fontRef idx="minor"/>
-        </p:style>
+          <p:cNvPr id="55" name=""/>
+          <p:cNvSpPr txBox="1"/>
+          <p:nvPr/>
+        </p:nvSpPr>
+        <p:spPr>
+          <a:xfrm>
+            <a:off x="5191920" y="3080520"/>
+            <a:ext cx="1244520" cy="349560"/>
+          </a:xfrm>
+          <a:prstGeom prst="rect">
+            <a:avLst/>
+          </a:prstGeom>
+          <a:noFill/>
+          <a:ln w="0">
+            <a:noFill/>
+          </a:ln>
+        </p:spPr>
+        <p:txBody>
+          <a:bodyPr lIns="90000" rIns="90000" tIns="45000" bIns="45000">
+            <a:noAutofit/>
+          </a:bodyPr>
+          <a:p>
+            <a:r>
+              <a:rPr b="0" lang="en-US" sz="1800" spc="-1" strike="noStrike">
+                <a:latin typeface="Courier New"/>
+              </a:rPr>
+              <a:t>isValid</a:t>
+            </a:r>
+            <a:endParaRPr b="0" lang="en-US" sz="1800" spc="-1" strike="noStrike">
+              <a:latin typeface="Arial"/>
+            </a:endParaRPr>
+          </a:p>
+        </p:txBody>
+      </p:sp>
+      <p:sp>
+        <p:nvSpPr>
+          <p:cNvPr id="56" name=""/>
+          <p:cNvSpPr txBox="1"/>
+          <p:nvPr/>
+        </p:nvSpPr>
+        <p:spPr>
+          <a:xfrm>
+            <a:off x="2802960" y="4122720"/>
+            <a:ext cx="4064040" cy="346320"/>
+          </a:xfrm>
+          <a:prstGeom prst="rect">
+            <a:avLst/>
+          </a:prstGeom>
+          <a:noFill/>
+          <a:ln w="0">
+            <a:noFill/>
+          </a:ln>
+        </p:spPr>
+        <p:txBody>
+          <a:bodyPr lIns="90000" rIns="90000" tIns="45000" bIns="45000">
+            <a:noAutofit/>
+          </a:bodyPr>
+          <a:p>
+            <a:r>
+              <a:rPr b="0" i="1" lang="en-US" sz="1800" spc="-1" strike="noStrike">
+                <a:latin typeface="Arial"/>
+              </a:rPr>
+              <a:t>Memory is reserved to store the value.</a:t>
+            </a:r>
+            <a:endParaRPr b="0" lang="en-US" sz="1800" spc="-1" strike="noStrike">
+              <a:latin typeface="Arial"/>
+            </a:endParaRPr>
+          </a:p>
+        </p:txBody>
       </p:sp>
     </p:spTree>
   </p:cSld>
@@ -4699,7 +4824,7 @@
       </p:grpSpPr>
       <p:sp>
         <p:nvSpPr>
-          <p:cNvPr id="65" name=""/>
+          <p:cNvPr id="57" name=""/>
           <p:cNvSpPr txBox="1"/>
           <p:nvPr/>
         </p:nvSpPr>
@@ -4726,19 +4851,7 @@
               <a:rPr b="0" lang="en-US" sz="4000" spc="-1" strike="noStrike">
                 <a:latin typeface="Arial"/>
               </a:rPr>
-              <a:t>The </a:t>
-            </a:r>
-            <a:r>
-              <a:rPr b="0" lang="en-US" sz="4000" spc="-1" strike="noStrike">
-                <a:latin typeface="Courier New"/>
-              </a:rPr>
-              <a:t>null</a:t>
-            </a:r>
-            <a:r>
-              <a:rPr b="0" lang="en-US" sz="4000" spc="-1" strike="noStrike">
-                <a:latin typeface="Arial"/>
-              </a:rPr>
-              <a:t> Value</a:t>
+              <a:t>Reference Values</a:t>
             </a:r>
             <a:endParaRPr b="0" lang="en-US" sz="4000" spc="-1" strike="noStrike">
               <a:latin typeface="Arial"/>
@@ -4748,14 +4861,14 @@
       </p:sp>
       <p:sp>
         <p:nvSpPr>
-          <p:cNvPr id="66" name=""/>
+          <p:cNvPr id="58" name=""/>
           <p:cNvSpPr txBox="1"/>
           <p:nvPr/>
         </p:nvSpPr>
         <p:spPr>
           <a:xfrm>
             <a:off x="1007280" y="1452240"/>
-            <a:ext cx="3335400" cy="867960"/>
+            <a:ext cx="3472560" cy="867960"/>
           </a:xfrm>
           <a:prstGeom prst="rect">
             <a:avLst/>
@@ -4779,7 +4892,7 @@
               <a:rPr b="0" lang="en-US" sz="1800" spc="-1" strike="noStrike">
                 <a:latin typeface="Courier New"/>
               </a:rPr>
-              <a:t>int [] data = null;</a:t>
+              <a:t>int [] data = {1, 2, 3};</a:t>
             </a:r>
             <a:endParaRPr b="0" lang="en-US" sz="1800" spc="-1" strike="noStrike">
               <a:latin typeface="Arial"/>
@@ -4795,7 +4908,7 @@
               <a:rPr b="0" lang="en-US" sz="1800" spc="-1" strike="noStrike">
                 <a:latin typeface="Courier New"/>
               </a:rPr>
-              <a:t>String unused = null;</a:t>
+              <a:t>String word = "Java";</a:t>
             </a:r>
             <a:endParaRPr b="0" lang="en-US" sz="1800" spc="-1" strike="noStrike">
               <a:latin typeface="Arial"/>
@@ -4805,7 +4918,7 @@
       </p:sp>
       <p:sp>
         <p:nvSpPr>
-          <p:cNvPr id="67" name=""/>
+          <p:cNvPr id="59" name=""/>
           <p:cNvSpPr/>
           <p:nvPr/>
         </p:nvSpPr>
@@ -4833,16 +4946,34 @@
           <a:effectRef idx="0"/>
           <a:fontRef idx="minor"/>
         </p:style>
-      </p:sp>
-      <p:sp>
-        <p:nvSpPr>
-          <p:cNvPr id="68" name=""/>
+        <p:txBody>
+          <a:bodyPr wrap="none" lIns="96120" rIns="96120" tIns="51120" bIns="51120" anchor="ctr">
+            <a:noAutofit/>
+          </a:bodyPr>
+          <a:p>
+            <a:pPr algn="ctr"/>
+            <a:r>
+              <a:rPr b="0" lang="en-US" sz="2400" spc="-1" strike="noStrike">
+                <a:latin typeface="Arial"/>
+                <a:ea typeface="Arial"/>
+              </a:rPr>
+              <a:t>•</a:t>
+            </a:r>
+            <a:endParaRPr b="0" lang="en-US" sz="2400" spc="-1" strike="noStrike">
+              <a:latin typeface="Arial"/>
+            </a:endParaRPr>
+          </a:p>
+        </p:txBody>
+      </p:sp>
+      <p:sp>
+        <p:nvSpPr>
+          <p:cNvPr id="60" name=""/>
           <p:cNvSpPr txBox="1"/>
           <p:nvPr/>
         </p:nvSpPr>
         <p:spPr>
           <a:xfrm>
-            <a:off x="5301360" y="1534680"/>
+            <a:off x="5426280" y="1534680"/>
             <a:ext cx="913320" cy="349560"/>
           </a:xfrm>
           <a:prstGeom prst="rect">
@@ -4858,7 +4989,6 @@
             <a:noAutofit/>
           </a:bodyPr>
           <a:p>
-            <a:pPr algn="r"/>
             <a:r>
               <a:rPr b="0" lang="en-US" sz="1800" spc="-1" strike="noStrike">
                 <a:latin typeface="Courier New"/>
@@ -4873,14 +5003,14 @@
       </p:sp>
       <p:sp>
         <p:nvSpPr>
-          <p:cNvPr id="69" name=""/>
+          <p:cNvPr id="61" name=""/>
           <p:cNvSpPr txBox="1"/>
           <p:nvPr/>
         </p:nvSpPr>
         <p:spPr>
           <a:xfrm>
-            <a:off x="5230800" y="2362320"/>
-            <a:ext cx="1030680" cy="349560"/>
+            <a:off x="5449680" y="2362320"/>
+            <a:ext cx="908640" cy="349560"/>
           </a:xfrm>
           <a:prstGeom prst="rect">
             <a:avLst/>
@@ -4895,12 +5025,11 @@
             <a:noAutofit/>
           </a:bodyPr>
           <a:p>
-            <a:pPr algn="r"/>
             <a:r>
               <a:rPr b="0" lang="en-US" sz="1800" spc="-1" strike="noStrike">
                 <a:latin typeface="Courier New"/>
               </a:rPr>
-              <a:t>unused</a:t>
+              <a:t>word</a:t>
             </a:r>
             <a:endParaRPr b="0" lang="en-US" sz="1800" spc="-1" strike="noStrike">
               <a:latin typeface="Arial"/>
@@ -4910,14 +5039,67 @@
       </p:sp>
       <p:sp>
         <p:nvSpPr>
-          <p:cNvPr id="70" name=""/>
+          <p:cNvPr id="62" name=""/>
+          <p:cNvSpPr txBox="1"/>
+          <p:nvPr/>
+        </p:nvSpPr>
+        <p:spPr>
+          <a:xfrm>
+            <a:off x="2369880" y="4122720"/>
+            <a:ext cx="5340240" cy="397800"/>
+          </a:xfrm>
+          <a:prstGeom prst="rect">
+            <a:avLst/>
+          </a:prstGeom>
+          <a:noFill/>
+          <a:ln w="0">
+            <a:noFill/>
+          </a:ln>
+        </p:spPr>
+        <p:txBody>
+          <a:bodyPr lIns="90000" rIns="90000" tIns="45000" bIns="45000">
+            <a:noAutofit/>
+          </a:bodyPr>
+          <a:p>
+            <a:pPr>
+              <a:lnSpc>
+                <a:spcPct val="100000"/>
+              </a:lnSpc>
+            </a:pPr>
+            <a:r>
+              <a:rPr b="0" i="1" lang="en-US" sz="1800" spc="-1" strike="noStrike">
+                <a:latin typeface="Arial"/>
+              </a:rPr>
+              <a:t>Arrays and Objects store a </a:t>
+            </a:r>
+            <a:r>
+              <a:rPr b="1" lang="en-US" sz="1800" spc="-1" strike="noStrike">
+                <a:latin typeface="Arial"/>
+              </a:rPr>
+              <a:t>reference</a:t>
+            </a:r>
+            <a:r>
+              <a:rPr b="0" i="1" lang="en-US" sz="1800" spc="-1" strike="noStrike">
+                <a:latin typeface="Arial"/>
+              </a:rPr>
+              <a:t> to the value.</a:t>
+            </a:r>
+            <a:endParaRPr b="0" lang="en-US" sz="1800" spc="-1" strike="noStrike">
+              <a:latin typeface="Arial"/>
+            </a:endParaRPr>
+          </a:p>
+        </p:txBody>
+      </p:sp>
+      <p:sp>
+        <p:nvSpPr>
+          <p:cNvPr id="63" name=""/>
           <p:cNvSpPr/>
           <p:nvPr/>
         </p:nvSpPr>
         <p:spPr>
           <a:xfrm>
-            <a:off x="6358320" y="2369520"/>
-            <a:ext cx="335520" cy="273240"/>
+            <a:off x="7386120" y="1491480"/>
+            <a:ext cx="554040" cy="421560"/>
           </a:xfrm>
           <a:prstGeom prst="rect">
             <a:avLst/>
@@ -4938,10 +5120,550 @@
           <a:effectRef idx="0"/>
           <a:fontRef idx="minor"/>
         </p:style>
+        <p:txBody>
+          <a:bodyPr wrap="none" lIns="96120" rIns="96120" tIns="51120" bIns="51120" anchor="ctr">
+            <a:noAutofit/>
+          </a:bodyPr>
+          <a:p>
+            <a:pPr algn="ctr"/>
+            <a:r>
+              <a:rPr b="0" lang="en-US" sz="1800" spc="-1" strike="noStrike">
+                <a:latin typeface="Arial"/>
+              </a:rPr>
+              <a:t>1</a:t>
+            </a:r>
+            <a:endParaRPr b="0" lang="en-US" sz="1800" spc="-1" strike="noStrike">
+              <a:latin typeface="Arial"/>
+            </a:endParaRPr>
+          </a:p>
+        </p:txBody>
+      </p:sp>
+      <p:sp>
+        <p:nvSpPr>
+          <p:cNvPr id="64" name=""/>
+          <p:cNvSpPr/>
+          <p:nvPr/>
+        </p:nvSpPr>
+        <p:spPr>
+          <a:xfrm>
+            <a:off x="7926120" y="1491480"/>
+            <a:ext cx="554040" cy="421560"/>
+          </a:xfrm>
+          <a:prstGeom prst="rect">
+            <a:avLst/>
+          </a:prstGeom>
+          <a:solidFill>
+            <a:srgbClr val="ffffff"/>
+          </a:solidFill>
+          <a:ln w="12600">
+            <a:solidFill>
+              <a:srgbClr val="000000"/>
+            </a:solidFill>
+            <a:round/>
+          </a:ln>
+        </p:spPr>
+        <p:style>
+          <a:lnRef idx="0"/>
+          <a:fillRef idx="0"/>
+          <a:effectRef idx="0"/>
+          <a:fontRef idx="minor"/>
+        </p:style>
+        <p:txBody>
+          <a:bodyPr wrap="none" lIns="96120" rIns="96120" tIns="51120" bIns="51120" anchor="ctr">
+            <a:noAutofit/>
+          </a:bodyPr>
+          <a:p>
+            <a:pPr algn="ctr"/>
+            <a:r>
+              <a:rPr b="0" lang="en-US" sz="1800" spc="-1" strike="noStrike">
+                <a:latin typeface="Arial"/>
+              </a:rPr>
+              <a:t>2</a:t>
+            </a:r>
+            <a:endParaRPr b="0" lang="en-US" sz="1800" spc="-1" strike="noStrike">
+              <a:latin typeface="Arial"/>
+            </a:endParaRPr>
+          </a:p>
+        </p:txBody>
+      </p:sp>
+      <p:sp>
+        <p:nvSpPr>
+          <p:cNvPr id="65" name=""/>
+          <p:cNvSpPr/>
+          <p:nvPr/>
+        </p:nvSpPr>
+        <p:spPr>
+          <a:xfrm>
+            <a:off x="8466120" y="1491480"/>
+            <a:ext cx="554040" cy="421560"/>
+          </a:xfrm>
+          <a:prstGeom prst="rect">
+            <a:avLst/>
+          </a:prstGeom>
+          <a:solidFill>
+            <a:srgbClr val="ffffff"/>
+          </a:solidFill>
+          <a:ln w="12600">
+            <a:solidFill>
+              <a:srgbClr val="000000"/>
+            </a:solidFill>
+            <a:round/>
+          </a:ln>
+        </p:spPr>
+        <p:style>
+          <a:lnRef idx="0"/>
+          <a:fillRef idx="0"/>
+          <a:effectRef idx="0"/>
+          <a:fontRef idx="minor"/>
+        </p:style>
+        <p:txBody>
+          <a:bodyPr wrap="none" lIns="96120" rIns="96120" tIns="51120" bIns="51120" anchor="ctr">
+            <a:noAutofit/>
+          </a:bodyPr>
+          <a:p>
+            <a:pPr algn="ctr"/>
+            <a:r>
+              <a:rPr b="0" lang="en-US" sz="1800" spc="-1" strike="noStrike">
+                <a:latin typeface="Arial"/>
+              </a:rPr>
+              <a:t>3</a:t>
+            </a:r>
+            <a:endParaRPr b="0" lang="en-US" sz="1800" spc="-1" strike="noStrike">
+              <a:latin typeface="Arial"/>
+            </a:endParaRPr>
+          </a:p>
+        </p:txBody>
+      </p:sp>
+      <p:sp>
+        <p:nvSpPr>
+          <p:cNvPr id="66" name=""/>
+          <p:cNvSpPr/>
+          <p:nvPr/>
+        </p:nvSpPr>
+        <p:spPr>
+          <a:xfrm>
+            <a:off x="6542640" y="1710000"/>
+            <a:ext cx="843480" cy="0"/>
+          </a:xfrm>
+          <a:prstGeom prst="line">
+            <a:avLst/>
+          </a:prstGeom>
+          <a:ln w="12600">
+            <a:solidFill>
+              <a:srgbClr val="000000"/>
+            </a:solidFill>
+            <a:round/>
+            <a:tailEnd len="med" type="triangle" w="med"/>
+          </a:ln>
+        </p:spPr>
+        <p:style>
+          <a:lnRef idx="0"/>
+          <a:fillRef idx="0"/>
+          <a:effectRef idx="0"/>
+          <a:fontRef idx="minor"/>
+        </p:style>
+      </p:sp>
+      <p:sp>
+        <p:nvSpPr>
+          <p:cNvPr id="67" name=""/>
+          <p:cNvSpPr/>
+          <p:nvPr/>
+        </p:nvSpPr>
+        <p:spPr>
+          <a:xfrm>
+            <a:off x="6358320" y="2369520"/>
+            <a:ext cx="335520" cy="273240"/>
+          </a:xfrm>
+          <a:prstGeom prst="rect">
+            <a:avLst/>
+          </a:prstGeom>
+          <a:solidFill>
+            <a:srgbClr val="ffffff"/>
+          </a:solidFill>
+          <a:ln w="12600">
+            <a:solidFill>
+              <a:srgbClr val="000000"/>
+            </a:solidFill>
+            <a:round/>
+          </a:ln>
+        </p:spPr>
+        <p:style>
+          <a:lnRef idx="0"/>
+          <a:fillRef idx="0"/>
+          <a:effectRef idx="0"/>
+          <a:fontRef idx="minor"/>
+        </p:style>
+        <p:txBody>
+          <a:bodyPr wrap="none" lIns="96120" rIns="96120" tIns="51120" bIns="51120" anchor="ctr">
+            <a:noAutofit/>
+          </a:bodyPr>
+          <a:p>
+            <a:pPr algn="ctr"/>
+            <a:r>
+              <a:rPr b="0" lang="en-US" sz="2400" spc="-1" strike="noStrike">
+                <a:latin typeface="Arial"/>
+                <a:ea typeface="Arial"/>
+              </a:rPr>
+              <a:t>•</a:t>
+            </a:r>
+            <a:endParaRPr b="0" lang="en-US" sz="2400" spc="-1" strike="noStrike">
+              <a:latin typeface="Arial"/>
+            </a:endParaRPr>
+          </a:p>
+        </p:txBody>
+      </p:sp>
+      <p:sp>
+        <p:nvSpPr>
+          <p:cNvPr id="68" name=""/>
+          <p:cNvSpPr/>
+          <p:nvPr/>
+        </p:nvSpPr>
+        <p:spPr>
+          <a:xfrm>
+            <a:off x="7404840" y="2290320"/>
+            <a:ext cx="910080" cy="421560"/>
+          </a:xfrm>
+          <a:prstGeom prst="rect">
+            <a:avLst/>
+          </a:prstGeom>
+          <a:solidFill>
+            <a:srgbClr val="ffffff"/>
+          </a:solidFill>
+          <a:ln w="12600">
+            <a:solidFill>
+              <a:srgbClr val="000000"/>
+            </a:solidFill>
+            <a:round/>
+          </a:ln>
+        </p:spPr>
+        <p:style>
+          <a:lnRef idx="0"/>
+          <a:fillRef idx="0"/>
+          <a:effectRef idx="0"/>
+          <a:fontRef idx="minor"/>
+        </p:style>
+        <p:txBody>
+          <a:bodyPr wrap="none" lIns="96120" rIns="96120" tIns="51120" bIns="51120" anchor="ctr">
+            <a:noAutofit/>
+          </a:bodyPr>
+          <a:p>
+            <a:pPr algn="ctr"/>
+            <a:r>
+              <a:rPr b="0" lang="en-US" sz="1800" spc="-1" strike="noStrike">
+                <a:latin typeface="Courier New"/>
+              </a:rPr>
+              <a:t>"Java"</a:t>
+            </a:r>
+            <a:endParaRPr b="0" lang="en-US" sz="1800" spc="-1" strike="noStrike">
+              <a:latin typeface="Courier New"/>
+            </a:endParaRPr>
+          </a:p>
+        </p:txBody>
+      </p:sp>
+      <p:sp>
+        <p:nvSpPr>
+          <p:cNvPr id="69" name=""/>
+          <p:cNvSpPr/>
+          <p:nvPr/>
+        </p:nvSpPr>
+        <p:spPr>
+          <a:xfrm>
+            <a:off x="6561360" y="2508840"/>
+            <a:ext cx="843480" cy="0"/>
+          </a:xfrm>
+          <a:prstGeom prst="line">
+            <a:avLst/>
+          </a:prstGeom>
+          <a:ln w="12600">
+            <a:solidFill>
+              <a:srgbClr val="000000"/>
+            </a:solidFill>
+            <a:round/>
+            <a:tailEnd len="med" type="triangle" w="med"/>
+          </a:ln>
+        </p:spPr>
+        <p:style>
+          <a:lnRef idx="0"/>
+          <a:fillRef idx="0"/>
+          <a:effectRef idx="0"/>
+          <a:fontRef idx="minor"/>
+        </p:style>
+      </p:sp>
+    </p:spTree>
+  </p:cSld>
+  <mc:AlternateContent>
+    <mc:Choice Requires="p14">
+      <p:transition spd="slow" p14:dur="2000"/>
+    </mc:Choice>
+    <mc:Fallback>
+      <p:transition spd="slow"/>
+    </mc:Fallback>
+  </mc:AlternateContent>
+</p:sld>
+</file>
+
+<file path=ppt/slides/slide5.xml><?xml version="1.0" encoding="utf-8"?>
+<p:sld xmlns:a="http://schemas.openxmlformats.org/drawingml/2006/main" xmlns:p="http://schemas.openxmlformats.org/presentationml/2006/main" xmlns:r="http://schemas.openxmlformats.org/officeDocument/2006/relationships" xmlns:p14="http://schemas.microsoft.com/office/powerpoint/2010/main" xmlns:p15="http://schemas.microsoft.com/office/powerpoint/2012/main" xmlns:mc="http://schemas.openxmlformats.org/markup-compatibility/2006">
+  <p:cSld>
+    <p:spTree>
+      <p:nvGrpSpPr>
+        <p:cNvPr id="1" name=""/>
+        <p:cNvGrpSpPr/>
+        <p:nvPr/>
+      </p:nvGrpSpPr>
+      <p:grpSpPr>
+        <a:xfrm>
+          <a:off x="0" y="0"/>
+          <a:ext cx="0" cy="0"/>
+          <a:chOff x="0" y="0"/>
+          <a:chExt cx="0" cy="0"/>
+        </a:xfrm>
+      </p:grpSpPr>
+      <p:sp>
+        <p:nvSpPr>
+          <p:cNvPr id="70" name=""/>
+          <p:cNvSpPr txBox="1"/>
+          <p:nvPr/>
+        </p:nvSpPr>
+        <p:spPr>
+          <a:xfrm>
+            <a:off x="504000" y="226080"/>
+            <a:ext cx="9071640" cy="946440"/>
+          </a:xfrm>
+          <a:prstGeom prst="rect">
+            <a:avLst/>
+          </a:prstGeom>
+          <a:noFill/>
+          <a:ln w="0">
+            <a:noFill/>
+          </a:ln>
+        </p:spPr>
+        <p:txBody>
+          <a:bodyPr lIns="0" rIns="0" tIns="0" bIns="0" anchor="ctr">
+            <a:noAutofit/>
+          </a:bodyPr>
+          <a:p>
+            <a:pPr algn="ctr"/>
+            <a:r>
+              <a:rPr b="0" lang="en-US" sz="4000" spc="-1" strike="noStrike">
+                <a:latin typeface="Arial"/>
+              </a:rPr>
+              <a:t>The </a:t>
+            </a:r>
+            <a:r>
+              <a:rPr b="0" lang="en-US" sz="4000" spc="-1" strike="noStrike">
+                <a:latin typeface="Courier New"/>
+              </a:rPr>
+              <a:t>null</a:t>
+            </a:r>
+            <a:r>
+              <a:rPr b="0" lang="en-US" sz="4000" spc="-1" strike="noStrike">
+                <a:latin typeface="Arial"/>
+              </a:rPr>
+              <a:t> Value</a:t>
+            </a:r>
+            <a:endParaRPr b="0" lang="en-US" sz="4000" spc="-1" strike="noStrike">
+              <a:latin typeface="Arial"/>
+            </a:endParaRPr>
+          </a:p>
+        </p:txBody>
       </p:sp>
       <p:sp>
         <p:nvSpPr>
           <p:cNvPr id="71" name=""/>
+          <p:cNvSpPr txBox="1"/>
+          <p:nvPr/>
+        </p:nvSpPr>
+        <p:spPr>
+          <a:xfrm>
+            <a:off x="1007280" y="1452240"/>
+            <a:ext cx="3335400" cy="867960"/>
+          </a:xfrm>
+          <a:prstGeom prst="rect">
+            <a:avLst/>
+          </a:prstGeom>
+          <a:noFill/>
+          <a:ln w="0">
+            <a:noFill/>
+          </a:ln>
+        </p:spPr>
+        <p:txBody>
+          <a:bodyPr lIns="90000" rIns="90000" tIns="45000" bIns="45000">
+            <a:noAutofit/>
+          </a:bodyPr>
+          <a:p>
+            <a:pPr>
+              <a:lnSpc>
+                <a:spcPct val="115000"/>
+              </a:lnSpc>
+            </a:pPr>
+            <a:r>
+              <a:rPr b="0" lang="en-US" sz="1800" spc="-1" strike="noStrike">
+                <a:latin typeface="Courier New"/>
+              </a:rPr>
+              <a:t>int [] data = null;</a:t>
+            </a:r>
+            <a:endParaRPr b="0" lang="en-US" sz="1800" spc="-1" strike="noStrike">
+              <a:latin typeface="Arial"/>
+            </a:endParaRPr>
+          </a:p>
+          <a:p>
+            <a:pPr>
+              <a:lnSpc>
+                <a:spcPct val="115000"/>
+              </a:lnSpc>
+            </a:pPr>
+            <a:r>
+              <a:rPr b="0" lang="en-US" sz="1800" spc="-1" strike="noStrike">
+                <a:latin typeface="Courier New"/>
+              </a:rPr>
+              <a:t>String unused = null;</a:t>
+            </a:r>
+            <a:endParaRPr b="0" lang="en-US" sz="1800" spc="-1" strike="noStrike">
+              <a:latin typeface="Arial"/>
+            </a:endParaRPr>
+          </a:p>
+        </p:txBody>
+      </p:sp>
+      <p:sp>
+        <p:nvSpPr>
+          <p:cNvPr id="72" name=""/>
+          <p:cNvSpPr/>
+          <p:nvPr/>
+        </p:nvSpPr>
+        <p:spPr>
+          <a:xfrm>
+            <a:off x="6339600" y="1570680"/>
+            <a:ext cx="335520" cy="273240"/>
+          </a:xfrm>
+          <a:prstGeom prst="rect">
+            <a:avLst/>
+          </a:prstGeom>
+          <a:solidFill>
+            <a:srgbClr val="ffffff"/>
+          </a:solidFill>
+          <a:ln w="12600">
+            <a:solidFill>
+              <a:srgbClr val="000000"/>
+            </a:solidFill>
+            <a:round/>
+          </a:ln>
+        </p:spPr>
+        <p:style>
+          <a:lnRef idx="0"/>
+          <a:fillRef idx="0"/>
+          <a:effectRef idx="0"/>
+          <a:fontRef idx="minor"/>
+        </p:style>
+      </p:sp>
+      <p:sp>
+        <p:nvSpPr>
+          <p:cNvPr id="73" name=""/>
+          <p:cNvSpPr txBox="1"/>
+          <p:nvPr/>
+        </p:nvSpPr>
+        <p:spPr>
+          <a:xfrm>
+            <a:off x="5301360" y="1534680"/>
+            <a:ext cx="913320" cy="349560"/>
+          </a:xfrm>
+          <a:prstGeom prst="rect">
+            <a:avLst/>
+          </a:prstGeom>
+          <a:noFill/>
+          <a:ln w="0">
+            <a:noFill/>
+          </a:ln>
+        </p:spPr>
+        <p:txBody>
+          <a:bodyPr lIns="90000" rIns="90000" tIns="45000" bIns="45000">
+            <a:noAutofit/>
+          </a:bodyPr>
+          <a:p>
+            <a:pPr algn="r"/>
+            <a:r>
+              <a:rPr b="0" lang="en-US" sz="1800" spc="-1" strike="noStrike">
+                <a:latin typeface="Courier New"/>
+              </a:rPr>
+              <a:t>data</a:t>
+            </a:r>
+            <a:endParaRPr b="0" lang="en-US" sz="1800" spc="-1" strike="noStrike">
+              <a:latin typeface="Arial"/>
+            </a:endParaRPr>
+          </a:p>
+        </p:txBody>
+      </p:sp>
+      <p:sp>
+        <p:nvSpPr>
+          <p:cNvPr id="74" name=""/>
+          <p:cNvSpPr txBox="1"/>
+          <p:nvPr/>
+        </p:nvSpPr>
+        <p:spPr>
+          <a:xfrm>
+            <a:off x="5230800" y="2362320"/>
+            <a:ext cx="1030680" cy="349560"/>
+          </a:xfrm>
+          <a:prstGeom prst="rect">
+            <a:avLst/>
+          </a:prstGeom>
+          <a:noFill/>
+          <a:ln w="0">
+            <a:noFill/>
+          </a:ln>
+        </p:spPr>
+        <p:txBody>
+          <a:bodyPr lIns="90000" rIns="90000" tIns="45000" bIns="45000">
+            <a:noAutofit/>
+          </a:bodyPr>
+          <a:p>
+            <a:pPr algn="r"/>
+            <a:r>
+              <a:rPr b="0" lang="en-US" sz="1800" spc="-1" strike="noStrike">
+                <a:latin typeface="Courier New"/>
+              </a:rPr>
+              <a:t>unused</a:t>
+            </a:r>
+            <a:endParaRPr b="0" lang="en-US" sz="1800" spc="-1" strike="noStrike">
+              <a:latin typeface="Arial"/>
+            </a:endParaRPr>
+          </a:p>
+        </p:txBody>
+      </p:sp>
+      <p:sp>
+        <p:nvSpPr>
+          <p:cNvPr id="75" name=""/>
+          <p:cNvSpPr/>
+          <p:nvPr/>
+        </p:nvSpPr>
+        <p:spPr>
+          <a:xfrm>
+            <a:off x="6358320" y="2369520"/>
+            <a:ext cx="335520" cy="273240"/>
+          </a:xfrm>
+          <a:prstGeom prst="rect">
+            <a:avLst/>
+          </a:prstGeom>
+          <a:solidFill>
+            <a:srgbClr val="ffffff"/>
+          </a:solidFill>
+          <a:ln w="12600">
+            <a:solidFill>
+              <a:srgbClr val="000000"/>
+            </a:solidFill>
+            <a:round/>
+          </a:ln>
+        </p:spPr>
+        <p:style>
+          <a:lnRef idx="0"/>
+          <a:fillRef idx="0"/>
+          <a:effectRef idx="0"/>
+          <a:fontRef idx="minor"/>
+        </p:style>
+      </p:sp>
+      <p:sp>
+        <p:nvSpPr>
+          <p:cNvPr id="76" name=""/>
           <p:cNvSpPr/>
           <p:nvPr/>
         </p:nvSpPr>
@@ -5016,7 +5738,7 @@
       </p:sp>
       <p:sp>
         <p:nvSpPr>
-          <p:cNvPr id="72" name=""/>
+          <p:cNvPr id="77" name=""/>
           <p:cNvSpPr/>
           <p:nvPr/>
         </p:nvSpPr>
@@ -5091,7 +5813,7 @@
       </p:sp>
       <p:sp>
         <p:nvSpPr>
-          <p:cNvPr id="73" name=""/>
+          <p:cNvPr id="78" name=""/>
           <p:cNvSpPr txBox="1"/>
           <p:nvPr/>
         </p:nvSpPr>
@@ -5132,7 +5854,7 @@
       </p:sp>
       <p:sp>
         <p:nvSpPr>
-          <p:cNvPr id="74" name=""/>
+          <p:cNvPr id="79" name=""/>
           <p:cNvSpPr txBox="1"/>
           <p:nvPr/>
         </p:nvSpPr>
@@ -5169,7 +5891,7 @@
       </p:sp>
       <p:sp>
         <p:nvSpPr>
-          <p:cNvPr id="75" name=""/>
+          <p:cNvPr id="80" name=""/>
           <p:cNvSpPr/>
           <p:nvPr/>
         </p:nvSpPr>
@@ -5218,7 +5940,7 @@
       </p:sp>
       <p:sp>
         <p:nvSpPr>
-          <p:cNvPr id="76" name=""/>
+          <p:cNvPr id="81" name=""/>
           <p:cNvSpPr/>
           <p:nvPr/>
         </p:nvSpPr>
@@ -5266,7 +5988,7 @@
       </p:sp>
       <p:sp>
         <p:nvSpPr>
-          <p:cNvPr id="77" name=""/>
+          <p:cNvPr id="82" name=""/>
           <p:cNvSpPr/>
           <p:nvPr/>
         </p:nvSpPr>
@@ -5302,7 +6024,7 @@
       </p:sp>
       <p:sp>
         <p:nvSpPr>
-          <p:cNvPr id="78" name=""/>
+          <p:cNvPr id="83" name=""/>
           <p:cNvSpPr/>
           <p:nvPr/>
         </p:nvSpPr>
@@ -5365,7 +6087,7 @@
       </p:sp>
       <p:sp>
         <p:nvSpPr>
-          <p:cNvPr id="79" name=""/>
+          <p:cNvPr id="84" name=""/>
           <p:cNvSpPr/>
           <p:nvPr/>
         </p:nvSpPr>
@@ -5476,7 +6198,7 @@
                                           </p:stCondLst>
                                         </p:cTn>
                                         <p:tgtEl>
-                                          <p:spTgt spid="66"/>
+                                          <p:spTgt spid="71"/>
                                         </p:tgtEl>
                                         <p:attrNameLst>
                                           <p:attrName>style.visibility</p:attrName>
@@ -5503,7 +6225,7 @@
                                           </p:stCondLst>
                                         </p:cTn>
                                         <p:tgtEl>
-                                          <p:spTgt spid="67"/>
+                                          <p:spTgt spid="72"/>
                                         </p:tgtEl>
                                         <p:attrNameLst>
                                           <p:attrName>style.visibility</p:attrName>
@@ -5530,7 +6252,7 @@
                                           </p:stCondLst>
                                         </p:cTn>
                                         <p:tgtEl>
-                                          <p:spTgt spid="68"/>
+                                          <p:spTgt spid="73"/>
                                         </p:tgtEl>
                                         <p:attrNameLst>
                                           <p:attrName>style.visibility</p:attrName>
@@ -5557,7 +6279,7 @@
                                           </p:stCondLst>
                                         </p:cTn>
                                         <p:tgtEl>
-                                          <p:spTgt spid="69"/>
+                                          <p:spTgt spid="74"/>
                                         </p:tgtEl>
                                         <p:attrNameLst>
                                           <p:attrName>style.visibility</p:attrName>
@@ -5584,7 +6306,7 @@
                                           </p:stCondLst>
                                         </p:cTn>
                                         <p:tgtEl>
-                                          <p:spTgt spid="70"/>
+                                          <p:spTgt spid="75"/>
                                         </p:tgtEl>
                                         <p:attrNameLst>
                                           <p:attrName>style.visibility</p:attrName>
@@ -5629,7 +6351,7 @@
                                           </p:stCondLst>
                                         </p:cTn>
                                         <p:tgtEl>
-                                          <p:spTgt spid="71"/>
+                                          <p:spTgt spid="76"/>
                                         </p:tgtEl>
                                         <p:attrNameLst>
                                           <p:attrName>style.visibility</p:attrName>
@@ -5674,7 +6396,7 @@
                                           </p:stCondLst>
                                         </p:cTn>
                                         <p:tgtEl>
-                                          <p:spTgt spid="72"/>
+                                          <p:spTgt spid="77"/>
                                         </p:tgtEl>
                                         <p:attrNameLst>
                                           <p:attrName>style.visibility</p:attrName>
@@ -5719,7 +6441,7 @@
                                           </p:stCondLst>
                                         </p:cTn>
                                         <p:tgtEl>
-                                          <p:spTgt spid="73">
+                                          <p:spTgt spid="78">
                                             <p:txEl>
                                               <p:pRg st="0" end="0"/>
                                             </p:txEl>
@@ -5750,7 +6472,7 @@
                                           </p:stCondLst>
                                         </p:cTn>
                                         <p:tgtEl>
-                                          <p:spTgt spid="79"/>
+                                          <p:spTgt spid="84"/>
                                         </p:tgtEl>
                                         <p:attrNameLst>
                                           <p:attrName>style.visibility</p:attrName>
@@ -5795,7 +6517,7 @@
                                           </p:stCondLst>
                                         </p:cTn>
                                         <p:tgtEl>
-                                          <p:spTgt spid="74"/>
+                                          <p:spTgt spid="79"/>
                                         </p:tgtEl>
                                         <p:attrNameLst>
                                           <p:attrName>style.visibility</p:attrName>
@@ -5822,7 +6544,7 @@
                                           </p:stCondLst>
                                         </p:cTn>
                                         <p:tgtEl>
-                                          <p:spTgt spid="75"/>
+                                          <p:spTgt spid="80"/>
                                         </p:tgtEl>
                                         <p:attrNameLst>
                                           <p:attrName>style.visibility</p:attrName>
@@ -5849,7 +6571,7 @@
                                           </p:stCondLst>
                                         </p:cTn>
                                         <p:tgtEl>
-                                          <p:spTgt spid="76"/>
+                                          <p:spTgt spid="81"/>
                                         </p:tgtEl>
                                         <p:attrNameLst>
                                           <p:attrName>style.visibility</p:attrName>
@@ -5876,7 +6598,7 @@
                                           </p:stCondLst>
                                         </p:cTn>
                                         <p:tgtEl>
-                                          <p:spTgt spid="77"/>
+                                          <p:spTgt spid="82"/>
                                         </p:tgtEl>
                                         <p:attrNameLst>
                                           <p:attrName>style.visibility</p:attrName>
@@ -5903,7 +6625,7 @@
                                           </p:stCondLst>
                                         </p:cTn>
                                         <p:tgtEl>
-                                          <p:spTgt spid="78"/>
+                                          <p:spTgt spid="83"/>
                                         </p:tgtEl>
                                         <p:attrNameLst>
                                           <p:attrName>style.visibility</p:attrName>
@@ -5947,301 +6669,6 @@
 </p:sld>
 </file>
 
-<file path=ppt/slides/slide5.xml><?xml version="1.0" encoding="utf-8"?>
-<p:sld xmlns:a="http://schemas.openxmlformats.org/drawingml/2006/main" xmlns:p="http://schemas.openxmlformats.org/presentationml/2006/main" xmlns:r="http://schemas.openxmlformats.org/officeDocument/2006/relationships" xmlns:p14="http://schemas.microsoft.com/office/powerpoint/2010/main" xmlns:p15="http://schemas.microsoft.com/office/powerpoint/2012/main" xmlns:mc="http://schemas.openxmlformats.org/markup-compatibility/2006">
-  <p:cSld>
-    <p:spTree>
-      <p:nvGrpSpPr>
-        <p:cNvPr id="1" name=""/>
-        <p:cNvGrpSpPr/>
-        <p:nvPr/>
-      </p:nvGrpSpPr>
-      <p:grpSpPr>
-        <a:xfrm>
-          <a:off x="0" y="0"/>
-          <a:ext cx="0" cy="0"/>
-          <a:chOff x="0" y="0"/>
-          <a:chExt cx="0" cy="0"/>
-        </a:xfrm>
-      </p:grpSpPr>
-      <p:sp>
-        <p:nvSpPr>
-          <p:cNvPr id="80" name=""/>
-          <p:cNvSpPr txBox="1"/>
-          <p:nvPr/>
-        </p:nvSpPr>
-        <p:spPr>
-          <a:xfrm>
-            <a:off x="504000" y="226080"/>
-            <a:ext cx="9071640" cy="946440"/>
-          </a:xfrm>
-          <a:prstGeom prst="rect">
-            <a:avLst/>
-          </a:prstGeom>
-          <a:noFill/>
-          <a:ln w="0">
-            <a:noFill/>
-          </a:ln>
-        </p:spPr>
-        <p:txBody>
-          <a:bodyPr lIns="0" rIns="0" tIns="0" bIns="0" anchor="ctr">
-            <a:noAutofit/>
-          </a:bodyPr>
-          <a:p>
-            <a:pPr algn="ctr"/>
-            <a:r>
-              <a:rPr b="0" lang="en-US" sz="4000" spc="-1" strike="noStrike">
-                <a:latin typeface="Courier New"/>
-              </a:rPr>
-              <a:t>String</a:t>
-            </a:r>
-            <a:r>
-              <a:rPr b="0" lang="en-US" sz="4000" spc="-1" strike="noStrike">
-                <a:latin typeface="Arial"/>
-              </a:rPr>
-              <a:t>s are Immutable</a:t>
-            </a:r>
-            <a:endParaRPr b="0" lang="en-US" sz="4000" spc="-1" strike="noStrike">
-              <a:latin typeface="Arial"/>
-            </a:endParaRPr>
-          </a:p>
-        </p:txBody>
-      </p:sp>
-      <p:sp>
-        <p:nvSpPr>
-          <p:cNvPr id="81" name=""/>
-          <p:cNvSpPr txBox="1"/>
-          <p:nvPr/>
-        </p:nvSpPr>
-        <p:spPr>
-          <a:xfrm>
-            <a:off x="1007280" y="1452240"/>
-            <a:ext cx="3746880" cy="867960"/>
-          </a:xfrm>
-          <a:prstGeom prst="rect">
-            <a:avLst/>
-          </a:prstGeom>
-          <a:noFill/>
-          <a:ln w="0">
-            <a:noFill/>
-          </a:ln>
-        </p:spPr>
-        <p:txBody>
-          <a:bodyPr lIns="90000" rIns="90000" tIns="45000" bIns="45000">
-            <a:noAutofit/>
-          </a:bodyPr>
-          <a:p>
-            <a:pPr>
-              <a:lnSpc>
-                <a:spcPct val="115000"/>
-              </a:lnSpc>
-            </a:pPr>
-            <a:r>
-              <a:rPr b="0" lang="en-US" sz="1800" spc="-1" strike="noStrike">
-                <a:highlight>
-                  <a:srgbClr val="ffff00"/>
-                </a:highlight>
-                <a:latin typeface="Courier New"/>
-              </a:rPr>
-              <a:t>String word = "Java";</a:t>
-            </a:r>
-            <a:endParaRPr b="0" lang="en-US" sz="1800" spc="-1" strike="noStrike">
-              <a:latin typeface="Arial"/>
-            </a:endParaRPr>
-          </a:p>
-          <a:p>
-            <a:pPr>
-              <a:lnSpc>
-                <a:spcPct val="115000"/>
-              </a:lnSpc>
-            </a:pPr>
-            <a:r>
-              <a:rPr b="0" lang="en-US" sz="1800" spc="-1" strike="noStrike">
-                <a:latin typeface="Courier New"/>
-              </a:rPr>
-              <a:t>word = word.toUpperCase();</a:t>
-            </a:r>
-            <a:endParaRPr b="0" lang="en-US" sz="1800" spc="-1" strike="noStrike">
-              <a:latin typeface="Arial"/>
-            </a:endParaRPr>
-          </a:p>
-        </p:txBody>
-      </p:sp>
-      <p:sp>
-        <p:nvSpPr>
-          <p:cNvPr id="82" name=""/>
-          <p:cNvSpPr txBox="1"/>
-          <p:nvPr/>
-        </p:nvSpPr>
-        <p:spPr>
-          <a:xfrm>
-            <a:off x="4067640" y="2844000"/>
-            <a:ext cx="908640" cy="349560"/>
-          </a:xfrm>
-          <a:prstGeom prst="rect">
-            <a:avLst/>
-          </a:prstGeom>
-          <a:noFill/>
-          <a:ln w="0">
-            <a:noFill/>
-          </a:ln>
-        </p:spPr>
-        <p:txBody>
-          <a:bodyPr lIns="90000" rIns="90000" tIns="45000" bIns="45000">
-            <a:noAutofit/>
-          </a:bodyPr>
-          <a:p>
-            <a:r>
-              <a:rPr b="0" lang="en-US" sz="1800" spc="-1" strike="noStrike">
-                <a:latin typeface="Courier New"/>
-              </a:rPr>
-              <a:t>word</a:t>
-            </a:r>
-            <a:endParaRPr b="0" lang="en-US" sz="1800" spc="-1" strike="noStrike">
-              <a:latin typeface="Arial"/>
-            </a:endParaRPr>
-          </a:p>
-        </p:txBody>
-      </p:sp>
-      <p:sp>
-        <p:nvSpPr>
-          <p:cNvPr id="83" name=""/>
-          <p:cNvSpPr/>
-          <p:nvPr/>
-        </p:nvSpPr>
-        <p:spPr>
-          <a:xfrm>
-            <a:off x="4976280" y="2851200"/>
-            <a:ext cx="335520" cy="273240"/>
-          </a:xfrm>
-          <a:prstGeom prst="rect">
-            <a:avLst/>
-          </a:prstGeom>
-          <a:solidFill>
-            <a:srgbClr val="ffffff"/>
-          </a:solidFill>
-          <a:ln w="12600">
-            <a:solidFill>
-              <a:srgbClr val="000000"/>
-            </a:solidFill>
-            <a:round/>
-          </a:ln>
-        </p:spPr>
-        <p:style>
-          <a:lnRef idx="0"/>
-          <a:fillRef idx="0"/>
-          <a:effectRef idx="0"/>
-          <a:fontRef idx="minor"/>
-        </p:style>
-        <p:txBody>
-          <a:bodyPr wrap="none" lIns="96120" rIns="96120" tIns="51120" bIns="51120" anchor="ctr">
-            <a:noAutofit/>
-          </a:bodyPr>
-          <a:p>
-            <a:pPr algn="ctr"/>
-            <a:r>
-              <a:rPr b="0" lang="en-US" sz="2400" spc="-1" strike="noStrike">
-                <a:latin typeface="Arial"/>
-                <a:ea typeface="Arial"/>
-              </a:rPr>
-              <a:t>•</a:t>
-            </a:r>
-            <a:endParaRPr b="0" lang="en-US" sz="2400" spc="-1" strike="noStrike">
-              <a:latin typeface="Arial"/>
-            </a:endParaRPr>
-          </a:p>
-        </p:txBody>
-      </p:sp>
-      <p:sp>
-        <p:nvSpPr>
-          <p:cNvPr id="84" name=""/>
-          <p:cNvSpPr/>
-          <p:nvPr/>
-        </p:nvSpPr>
-        <p:spPr>
-          <a:xfrm>
-            <a:off x="6022800" y="2772000"/>
-            <a:ext cx="910080" cy="421560"/>
-          </a:xfrm>
-          <a:prstGeom prst="rect">
-            <a:avLst/>
-          </a:prstGeom>
-          <a:solidFill>
-            <a:srgbClr val="ffffff"/>
-          </a:solidFill>
-          <a:ln w="12600">
-            <a:solidFill>
-              <a:srgbClr val="000000"/>
-            </a:solidFill>
-            <a:round/>
-          </a:ln>
-        </p:spPr>
-        <p:style>
-          <a:lnRef idx="0"/>
-          <a:fillRef idx="0"/>
-          <a:effectRef idx="0"/>
-          <a:fontRef idx="minor"/>
-        </p:style>
-        <p:txBody>
-          <a:bodyPr wrap="none" lIns="96120" rIns="96120" tIns="51120" bIns="51120" anchor="ctr">
-            <a:noAutofit/>
-          </a:bodyPr>
-          <a:p>
-            <a:pPr algn="ctr"/>
-            <a:r>
-              <a:rPr b="0" lang="en-US" sz="1800" spc="-1" strike="noStrike">
-                <a:latin typeface="Courier New"/>
-              </a:rPr>
-              <a:t>"Java"</a:t>
-            </a:r>
-            <a:endParaRPr b="0" lang="en-US" sz="1800" spc="-1" strike="noStrike">
-              <a:latin typeface="Courier New"/>
-            </a:endParaRPr>
-          </a:p>
-        </p:txBody>
-      </p:sp>
-      <p:sp>
-        <p:nvSpPr>
-          <p:cNvPr id="85" name=""/>
-          <p:cNvSpPr/>
-          <p:nvPr/>
-        </p:nvSpPr>
-        <p:spPr>
-          <a:xfrm>
-            <a:off x="5179320" y="2990520"/>
-            <a:ext cx="843480" cy="0"/>
-          </a:xfrm>
-          <a:prstGeom prst="line">
-            <a:avLst/>
-          </a:prstGeom>
-          <a:ln w="12600">
-            <a:solidFill>
-              <a:srgbClr val="000000"/>
-            </a:solidFill>
-            <a:round/>
-            <a:tailEnd len="med" type="triangle" w="med"/>
-          </a:ln>
-        </p:spPr>
-        <p:style>
-          <a:lnRef idx="0"/>
-          <a:fillRef idx="0"/>
-          <a:effectRef idx="0"/>
-          <a:fontRef idx="minor"/>
-        </p:style>
-      </p:sp>
-    </p:spTree>
-  </p:cSld>
-  <mc:AlternateContent>
-    <mc:Choice Requires="p14">
-      <p:transition spd="slow" p14:dur="2000"/>
-    </mc:Choice>
-    <mc:Fallback>
-      <p:transition spd="slow"/>
-    </mc:Fallback>
-  </mc:AlternateContent>
-</p:sld>
-</file>
-
 <file path=ppt/slides/slide6.xml><?xml version="1.0" encoding="utf-8"?>
 <p:sld xmlns:a="http://schemas.openxmlformats.org/drawingml/2006/main" xmlns:p="http://schemas.openxmlformats.org/presentationml/2006/main" xmlns:r="http://schemas.openxmlformats.org/officeDocument/2006/relationships" xmlns:p14="http://schemas.microsoft.com/office/powerpoint/2010/main" xmlns:p15="http://schemas.microsoft.com/office/powerpoint/2012/main" xmlns:mc="http://schemas.openxmlformats.org/markup-compatibility/2006">
   <p:cSld>
@@ -6261,7 +6688,7 @@
       </p:grpSpPr>
       <p:sp>
         <p:nvSpPr>
-          <p:cNvPr id="86" name=""/>
+          <p:cNvPr id="85" name=""/>
           <p:cNvSpPr txBox="1"/>
           <p:nvPr/>
         </p:nvSpPr>
@@ -6304,7 +6731,7 @@
       </p:sp>
       <p:sp>
         <p:nvSpPr>
-          <p:cNvPr id="87" name=""/>
+          <p:cNvPr id="86" name=""/>
           <p:cNvSpPr txBox="1"/>
           <p:nvPr/>
         </p:nvSpPr>
@@ -6334,7 +6761,7 @@
             <a:r>
               <a:rPr b="0" lang="en-US" sz="1800" spc="-1" strike="noStrike">
                 <a:highlight>
-                  <a:srgbClr val="ffffff"/>
+                  <a:srgbClr val="ffff00"/>
                 </a:highlight>
                 <a:latin typeface="Courier New"/>
               </a:rPr>
@@ -6352,30 +6779,9 @@
             </a:pPr>
             <a:r>
               <a:rPr b="0" lang="en-US" sz="1800" spc="-1" strike="noStrike">
-                <a:highlight>
-                  <a:srgbClr val="ffffff"/>
-                </a:highlight>
-                <a:latin typeface="Courier New"/>
-              </a:rPr>
-              <a:t>word = </a:t>
-            </a:r>
-            <a:r>
-              <a:rPr b="0" lang="en-US" sz="1800" spc="-1" strike="noStrike">
-                <a:highlight>
-                  <a:srgbClr val="ffff00"/>
-                </a:highlight>
-                <a:latin typeface="Courier New"/>
-              </a:rPr>
-              <a:t>word.toUpperCase()</a:t>
-            </a:r>
-            <a:r>
-              <a:rPr b="0" lang="en-US" sz="1800" spc="-1" strike="noStrike">
-                <a:highlight>
-                  <a:srgbClr val="ffffff"/>
-                </a:highlight>
-                <a:latin typeface="Courier New"/>
-              </a:rPr>
-              <a:t>;</a:t>
+                <a:latin typeface="Courier New"/>
+              </a:rPr>
+              <a:t>word = word.toUpperCase();</a:t>
             </a:r>
             <a:endParaRPr b="0" lang="en-US" sz="1800" spc="-1" strike="noStrike">
               <a:latin typeface="Arial"/>
@@ -6385,13 +6791,13 @@
       </p:sp>
       <p:sp>
         <p:nvSpPr>
-          <p:cNvPr id="88" name=""/>
+          <p:cNvPr id="87" name=""/>
           <p:cNvSpPr txBox="1"/>
           <p:nvPr/>
         </p:nvSpPr>
         <p:spPr>
           <a:xfrm>
-            <a:off x="4071240" y="2844000"/>
+            <a:off x="4067640" y="2844000"/>
             <a:ext cx="908640" cy="349560"/>
           </a:xfrm>
           <a:prstGeom prst="rect">
@@ -6421,13 +6827,13 @@
       </p:sp>
       <p:sp>
         <p:nvSpPr>
-          <p:cNvPr id="89" name=""/>
+          <p:cNvPr id="88" name=""/>
           <p:cNvSpPr/>
           <p:nvPr/>
         </p:nvSpPr>
         <p:spPr>
           <a:xfrm>
-            <a:off x="4979880" y="2851200"/>
+            <a:off x="4976280" y="2851200"/>
             <a:ext cx="335520" cy="273240"/>
           </a:xfrm>
           <a:prstGeom prst="rect">
@@ -6470,13 +6876,13 @@
       </p:sp>
       <p:sp>
         <p:nvSpPr>
-          <p:cNvPr id="90" name=""/>
+          <p:cNvPr id="89" name=""/>
           <p:cNvSpPr/>
           <p:nvPr/>
         </p:nvSpPr>
         <p:spPr>
           <a:xfrm>
-            <a:off x="6026400" y="2772000"/>
+            <a:off x="6022800" y="2772000"/>
             <a:ext cx="910080" cy="421560"/>
           </a:xfrm>
           <a:prstGeom prst="rect">
@@ -6518,13 +6924,13 @@
       </p:sp>
       <p:sp>
         <p:nvSpPr>
-          <p:cNvPr id="91" name=""/>
+          <p:cNvPr id="90" name=""/>
           <p:cNvSpPr/>
           <p:nvPr/>
         </p:nvSpPr>
         <p:spPr>
           <a:xfrm>
-            <a:off x="5182920" y="2990520"/>
+            <a:off x="5179320" y="2990520"/>
             <a:ext cx="843480" cy="0"/>
           </a:xfrm>
           <a:prstGeom prst="line">
@@ -6544,129 +6950,6 @@
           <a:effectRef idx="0"/>
           <a:fontRef idx="minor"/>
         </p:style>
-      </p:sp>
-      <p:sp>
-        <p:nvSpPr>
-          <p:cNvPr id="92" name=""/>
-          <p:cNvSpPr/>
-          <p:nvPr/>
-        </p:nvSpPr>
-        <p:spPr>
-          <a:xfrm>
-            <a:off x="6013800" y="3529440"/>
-            <a:ext cx="910080" cy="421560"/>
-          </a:xfrm>
-          <a:prstGeom prst="rect">
-            <a:avLst/>
-          </a:prstGeom>
-          <a:solidFill>
-            <a:srgbClr val="ffff00"/>
-          </a:solidFill>
-          <a:ln w="12600">
-            <a:solidFill>
-              <a:srgbClr val="000000"/>
-            </a:solidFill>
-            <a:round/>
-          </a:ln>
-        </p:spPr>
-        <p:style>
-          <a:lnRef idx="0"/>
-          <a:fillRef idx="0"/>
-          <a:effectRef idx="0"/>
-          <a:fontRef idx="minor"/>
-        </p:style>
-        <p:txBody>
-          <a:bodyPr wrap="none" lIns="96120" rIns="96120" tIns="51120" bIns="51120" anchor="ctr">
-            <a:noAutofit/>
-          </a:bodyPr>
-          <a:p>
-            <a:pPr algn="ctr"/>
-            <a:r>
-              <a:rPr b="0" lang="en-US" sz="1800" spc="-1" strike="noStrike">
-                <a:latin typeface="Courier New"/>
-              </a:rPr>
-              <a:t>"JAVA"</a:t>
-            </a:r>
-            <a:endParaRPr b="0" lang="en-US" sz="1800" spc="-1" strike="noStrike">
-              <a:latin typeface="Courier New"/>
-            </a:endParaRPr>
-          </a:p>
-        </p:txBody>
-      </p:sp>
-      <p:sp>
-        <p:nvSpPr>
-          <p:cNvPr id="93" name=""/>
-          <p:cNvSpPr/>
-          <p:nvPr/>
-        </p:nvSpPr>
-        <p:spPr>
-          <a:xfrm>
-            <a:off x="3693960" y="3584160"/>
-            <a:ext cx="1639440" cy="459360"/>
-          </a:xfrm>
-          <a:prstGeom prst="wedgeRectCallout">
-            <a:avLst>
-              <a:gd name="adj1" fmla="val 80865"/>
-              <a:gd name="adj2" fmla="val -34810"/>
-            </a:avLst>
-          </a:prstGeom>
-          <a:solidFill>
-            <a:srgbClr val="ffffd7"/>
-          </a:solidFill>
-          <a:ln w="12600">
-            <a:solidFill>
-              <a:srgbClr val="000000"/>
-            </a:solidFill>
-            <a:round/>
-          </a:ln>
-        </p:spPr>
-        <p:style>
-          <a:lnRef idx="0"/>
-          <a:fillRef idx="0"/>
-          <a:effectRef idx="0"/>
-          <a:fontRef idx="minor"/>
-        </p:style>
-        <p:txBody>
-          <a:bodyPr wrap="none" lIns="96120" rIns="96120" tIns="51120" bIns="51120" anchor="ctr">
-            <a:noAutofit/>
-          </a:bodyPr>
-          <a:p>
-            <a:pPr algn="ctr"/>
-            <a:r>
-              <a:rPr b="0" lang="en-US" sz="1600" spc="-1" strike="noStrike">
-                <a:latin typeface="Arial"/>
-              </a:rPr>
-              <a:t>This creates a</a:t>
-            </a:r>
-            <a:endParaRPr b="0" lang="en-US" sz="1600" spc="-1" strike="noStrike">
-              <a:latin typeface="Arial"/>
-            </a:endParaRPr>
-          </a:p>
-          <a:p>
-            <a:pPr algn="ctr"/>
-            <a:r>
-              <a:rPr b="0" lang="en-US" sz="1600" spc="-1" strike="noStrike">
-                <a:latin typeface="Arial"/>
-              </a:rPr>
-              <a:t>new </a:t>
-            </a:r>
-            <a:r>
-              <a:rPr b="0" lang="en-US" sz="1600" spc="-1" strike="noStrike">
-                <a:latin typeface="Courier New"/>
-              </a:rPr>
-              <a:t>String</a:t>
-            </a:r>
-            <a:r>
-              <a:rPr b="0" lang="en-US" sz="1600" spc="-1" strike="noStrike">
-                <a:latin typeface="Arial"/>
-              </a:rPr>
-              <a:t>...</a:t>
-            </a:r>
-            <a:endParaRPr b="0" lang="en-US" sz="1600" spc="-1" strike="noStrike">
-              <a:latin typeface="Arial"/>
-            </a:endParaRPr>
-          </a:p>
-        </p:txBody>
       </p:sp>
     </p:spTree>
   </p:cSld>
@@ -6700,7 +6983,7 @@
       </p:grpSpPr>
       <p:sp>
         <p:nvSpPr>
-          <p:cNvPr id="94" name=""/>
+          <p:cNvPr id="91" name=""/>
           <p:cNvSpPr txBox="1"/>
           <p:nvPr/>
         </p:nvSpPr>
@@ -6743,7 +7026,7 @@
       </p:sp>
       <p:sp>
         <p:nvSpPr>
-          <p:cNvPr id="95" name=""/>
+          <p:cNvPr id="92" name=""/>
           <p:cNvSpPr txBox="1"/>
           <p:nvPr/>
         </p:nvSpPr>
@@ -6772,6 +7055,9 @@
             </a:pPr>
             <a:r>
               <a:rPr b="0" lang="en-US" sz="1800" spc="-1" strike="noStrike">
+                <a:highlight>
+                  <a:srgbClr val="ffffff"/>
+                </a:highlight>
                 <a:latin typeface="Courier New"/>
               </a:rPr>
               <a:t>String word = "Java";</a:t>
@@ -6789,17 +7075,20 @@
             <a:r>
               <a:rPr b="0" lang="en-US" sz="1800" spc="-1" strike="noStrike">
                 <a:highlight>
+                  <a:srgbClr val="ffffff"/>
+                </a:highlight>
+                <a:latin typeface="Courier New"/>
+              </a:rPr>
+              <a:t>word = </a:t>
+            </a:r>
+            <a:r>
+              <a:rPr b="0" lang="en-US" sz="1800" spc="-1" strike="noStrike">
+                <a:highlight>
                   <a:srgbClr val="ffff00"/>
                 </a:highlight>
                 <a:latin typeface="Courier New"/>
               </a:rPr>
-              <a:t>word</a:t>
-            </a:r>
-            <a:r>
-              <a:rPr b="0" lang="en-US" sz="1800" spc="-1" strike="noStrike">
-                <a:latin typeface="Courier New"/>
-              </a:rPr>
-              <a:t> = </a:t>
+              <a:t>word.toUpperCase()</a:t>
             </a:r>
             <a:r>
               <a:rPr b="0" lang="en-US" sz="1800" spc="-1" strike="noStrike">
@@ -6808,10 +7097,143 @@
                 </a:highlight>
                 <a:latin typeface="Courier New"/>
               </a:rPr>
-              <a:t>word.toUpperCase();</a:t>
+              <a:t>;</a:t>
             </a:r>
             <a:endParaRPr b="0" lang="en-US" sz="1800" spc="-1" strike="noStrike">
               <a:latin typeface="Arial"/>
+            </a:endParaRPr>
+          </a:p>
+        </p:txBody>
+      </p:sp>
+      <p:sp>
+        <p:nvSpPr>
+          <p:cNvPr id="93" name=""/>
+          <p:cNvSpPr txBox="1"/>
+          <p:nvPr/>
+        </p:nvSpPr>
+        <p:spPr>
+          <a:xfrm>
+            <a:off x="4071240" y="2844000"/>
+            <a:ext cx="908640" cy="349560"/>
+          </a:xfrm>
+          <a:prstGeom prst="rect">
+            <a:avLst/>
+          </a:prstGeom>
+          <a:noFill/>
+          <a:ln w="0">
+            <a:noFill/>
+          </a:ln>
+        </p:spPr>
+        <p:txBody>
+          <a:bodyPr lIns="90000" rIns="90000" tIns="45000" bIns="45000">
+            <a:noAutofit/>
+          </a:bodyPr>
+          <a:p>
+            <a:r>
+              <a:rPr b="0" lang="en-US" sz="1800" spc="-1" strike="noStrike">
+                <a:latin typeface="Courier New"/>
+              </a:rPr>
+              <a:t>word</a:t>
+            </a:r>
+            <a:endParaRPr b="0" lang="en-US" sz="1800" spc="-1" strike="noStrike">
+              <a:latin typeface="Arial"/>
+            </a:endParaRPr>
+          </a:p>
+        </p:txBody>
+      </p:sp>
+      <p:sp>
+        <p:nvSpPr>
+          <p:cNvPr id="94" name=""/>
+          <p:cNvSpPr/>
+          <p:nvPr/>
+        </p:nvSpPr>
+        <p:spPr>
+          <a:xfrm>
+            <a:off x="4979880" y="2851200"/>
+            <a:ext cx="335520" cy="273240"/>
+          </a:xfrm>
+          <a:prstGeom prst="rect">
+            <a:avLst/>
+          </a:prstGeom>
+          <a:solidFill>
+            <a:srgbClr val="ffffff"/>
+          </a:solidFill>
+          <a:ln w="12600">
+            <a:solidFill>
+              <a:srgbClr val="000000"/>
+            </a:solidFill>
+            <a:round/>
+          </a:ln>
+        </p:spPr>
+        <p:style>
+          <a:lnRef idx="0"/>
+          <a:fillRef idx="0"/>
+          <a:effectRef idx="0"/>
+          <a:fontRef idx="minor"/>
+        </p:style>
+        <p:txBody>
+          <a:bodyPr wrap="none" lIns="96120" rIns="96120" tIns="51120" bIns="51120" anchor="ctr">
+            <a:noAutofit/>
+          </a:bodyPr>
+          <a:p>
+            <a:pPr algn="ctr"/>
+            <a:r>
+              <a:rPr b="0" lang="en-US" sz="2400" spc="-1" strike="noStrike">
+                <a:latin typeface="Arial"/>
+                <a:ea typeface="Arial"/>
+              </a:rPr>
+              <a:t>•</a:t>
+            </a:r>
+            <a:endParaRPr b="0" lang="en-US" sz="2400" spc="-1" strike="noStrike">
+              <a:latin typeface="Arial"/>
+            </a:endParaRPr>
+          </a:p>
+        </p:txBody>
+      </p:sp>
+      <p:sp>
+        <p:nvSpPr>
+          <p:cNvPr id="95" name=""/>
+          <p:cNvSpPr/>
+          <p:nvPr/>
+        </p:nvSpPr>
+        <p:spPr>
+          <a:xfrm>
+            <a:off x="6026400" y="2772000"/>
+            <a:ext cx="910080" cy="421560"/>
+          </a:xfrm>
+          <a:prstGeom prst="rect">
+            <a:avLst/>
+          </a:prstGeom>
+          <a:solidFill>
+            <a:srgbClr val="ffffff"/>
+          </a:solidFill>
+          <a:ln w="12600">
+            <a:solidFill>
+              <a:srgbClr val="000000"/>
+            </a:solidFill>
+            <a:round/>
+          </a:ln>
+        </p:spPr>
+        <p:style>
+          <a:lnRef idx="0"/>
+          <a:fillRef idx="0"/>
+          <a:effectRef idx="0"/>
+          <a:fontRef idx="minor"/>
+        </p:style>
+        <p:txBody>
+          <a:bodyPr wrap="none" lIns="96120" rIns="96120" tIns="51120" bIns="51120" anchor="ctr">
+            <a:noAutofit/>
+          </a:bodyPr>
+          <a:p>
+            <a:pPr algn="ctr"/>
+            <a:r>
+              <a:rPr b="0" lang="en-US" sz="1800" spc="-1" strike="noStrike">
+                <a:latin typeface="Courier New"/>
+              </a:rPr>
+              <a:t>"Java"</a:t>
+            </a:r>
+            <a:endParaRPr b="0" lang="en-US" sz="1800" spc="-1" strike="noStrike">
+              <a:latin typeface="Courier New"/>
             </a:endParaRPr>
           </a:p>
         </p:txBody>
@@ -6824,13 +7246,90 @@
         </p:nvSpPr>
         <p:spPr>
           <a:xfrm>
-            <a:off x="1850400" y="2397600"/>
+            <a:off x="5182920" y="2990520"/>
+            <a:ext cx="843480" cy="0"/>
+          </a:xfrm>
+          <a:prstGeom prst="line">
+            <a:avLst/>
+          </a:prstGeom>
+          <a:ln w="12600">
+            <a:solidFill>
+              <a:srgbClr val="000000"/>
+            </a:solidFill>
+            <a:round/>
+            <a:tailEnd len="med" type="triangle" w="med"/>
+          </a:ln>
+        </p:spPr>
+        <p:style>
+          <a:lnRef idx="0"/>
+          <a:fillRef idx="0"/>
+          <a:effectRef idx="0"/>
+          <a:fontRef idx="minor"/>
+        </p:style>
+      </p:sp>
+      <p:sp>
+        <p:nvSpPr>
+          <p:cNvPr id="97" name=""/>
+          <p:cNvSpPr/>
+          <p:nvPr/>
+        </p:nvSpPr>
+        <p:spPr>
+          <a:xfrm>
+            <a:off x="6013800" y="3529440"/>
+            <a:ext cx="910080" cy="421560"/>
+          </a:xfrm>
+          <a:prstGeom prst="rect">
+            <a:avLst/>
+          </a:prstGeom>
+          <a:solidFill>
+            <a:srgbClr val="ffff00"/>
+          </a:solidFill>
+          <a:ln w="12600">
+            <a:solidFill>
+              <a:srgbClr val="000000"/>
+            </a:solidFill>
+            <a:round/>
+          </a:ln>
+        </p:spPr>
+        <p:style>
+          <a:lnRef idx="0"/>
+          <a:fillRef idx="0"/>
+          <a:effectRef idx="0"/>
+          <a:fontRef idx="minor"/>
+        </p:style>
+        <p:txBody>
+          <a:bodyPr wrap="none" lIns="96120" rIns="96120" tIns="51120" bIns="51120" anchor="ctr">
+            <a:noAutofit/>
+          </a:bodyPr>
+          <a:p>
+            <a:pPr algn="ctr"/>
+            <a:r>
+              <a:rPr b="0" lang="en-US" sz="1800" spc="-1" strike="noStrike">
+                <a:latin typeface="Courier New"/>
+              </a:rPr>
+              <a:t>"JAVA"</a:t>
+            </a:r>
+            <a:endParaRPr b="0" lang="en-US" sz="1800" spc="-1" strike="noStrike">
+              <a:latin typeface="Courier New"/>
+            </a:endParaRPr>
+          </a:p>
+        </p:txBody>
+      </p:sp>
+      <p:sp>
+        <p:nvSpPr>
+          <p:cNvPr id="98" name=""/>
+          <p:cNvSpPr/>
+          <p:nvPr/>
+        </p:nvSpPr>
+        <p:spPr>
+          <a:xfrm>
+            <a:off x="3693960" y="3584160"/>
             <a:ext cx="1639440" cy="459360"/>
           </a:xfrm>
           <a:prstGeom prst="wedgeRectCallout">
             <a:avLst>
-              <a:gd name="adj1" fmla="val -77615"/>
-              <a:gd name="adj2" fmla="val -112958"/>
+              <a:gd name="adj1" fmla="val 80865"/>
+              <a:gd name="adj2" fmla="val -34810"/>
             </a:avLst>
           </a:prstGeom>
           <a:solidFill>
@@ -6859,7 +7358,7 @@
               <a:rPr b="0" lang="en-US" sz="1600" spc="-1" strike="noStrike">
                 <a:latin typeface="Arial"/>
               </a:rPr>
-              <a:t>And reassigns</a:t>
+              <a:t>This creates a</a:t>
             </a:r>
             <a:endParaRPr b="0" lang="en-US" sz="1600" spc="-1" strike="noStrike">
               <a:latin typeface="Arial"/>
@@ -6871,335 +7370,19 @@
               <a:rPr b="0" lang="en-US" sz="1600" spc="-1" strike="noStrike">
                 <a:latin typeface="Arial"/>
               </a:rPr>
-              <a:t>the </a:t>
-            </a:r>
-            <a:r>
-              <a:rPr b="1" i="1" lang="en-US" sz="1600" spc="-1" strike="noStrike">
-                <a:latin typeface="Arial"/>
-              </a:rPr>
-              <a:t>reference</a:t>
-            </a:r>
-            <a:r>
-              <a:rPr b="0" i="1" lang="en-US" sz="1600" spc="-1" strike="noStrike">
-                <a:latin typeface="Arial"/>
-              </a:rPr>
-              <a:t>.</a:t>
-            </a:r>
-            <a:endParaRPr b="0" lang="en-US" sz="1600" spc="-1" strike="noStrike">
-              <a:latin typeface="Arial"/>
-            </a:endParaRPr>
-          </a:p>
-        </p:txBody>
-      </p:sp>
-      <p:sp>
-        <p:nvSpPr>
-          <p:cNvPr id="97" name=""/>
-          <p:cNvSpPr txBox="1"/>
-          <p:nvPr/>
-        </p:nvSpPr>
-        <p:spPr>
-          <a:xfrm>
-            <a:off x="4074840" y="2844000"/>
-            <a:ext cx="908640" cy="349560"/>
-          </a:xfrm>
-          <a:prstGeom prst="rect">
-            <a:avLst/>
-          </a:prstGeom>
-          <a:noFill/>
-          <a:ln w="0">
-            <a:noFill/>
-          </a:ln>
-        </p:spPr>
-        <p:txBody>
-          <a:bodyPr lIns="90000" rIns="90000" tIns="45000" bIns="45000">
-            <a:noAutofit/>
-          </a:bodyPr>
-          <a:p>
-            <a:r>
-              <a:rPr b="0" lang="en-US" sz="1800" spc="-1" strike="noStrike">
-                <a:latin typeface="Courier New"/>
-              </a:rPr>
-              <a:t>word</a:t>
-            </a:r>
-            <a:endParaRPr b="0" lang="en-US" sz="1800" spc="-1" strike="noStrike">
-              <a:latin typeface="Arial"/>
-            </a:endParaRPr>
-          </a:p>
-        </p:txBody>
-      </p:sp>
-      <p:sp>
-        <p:nvSpPr>
-          <p:cNvPr id="98" name=""/>
-          <p:cNvSpPr/>
-          <p:nvPr/>
-        </p:nvSpPr>
-        <p:spPr>
-          <a:xfrm>
-            <a:off x="4983480" y="2851200"/>
-            <a:ext cx="335520" cy="273240"/>
-          </a:xfrm>
-          <a:prstGeom prst="rect">
-            <a:avLst/>
-          </a:prstGeom>
-          <a:solidFill>
-            <a:srgbClr val="ffffff"/>
-          </a:solidFill>
-          <a:ln w="12600">
-            <a:solidFill>
-              <a:srgbClr val="000000"/>
-            </a:solidFill>
-            <a:round/>
-          </a:ln>
-        </p:spPr>
-        <p:style>
-          <a:lnRef idx="0"/>
-          <a:fillRef idx="0"/>
-          <a:effectRef idx="0"/>
-          <a:fontRef idx="minor"/>
-        </p:style>
-        <p:txBody>
-          <a:bodyPr wrap="none" lIns="96120" rIns="96120" tIns="51120" bIns="51120" anchor="ctr">
-            <a:noAutofit/>
-          </a:bodyPr>
-          <a:p>
-            <a:pPr algn="ctr"/>
-            <a:r>
-              <a:rPr b="0" lang="en-US" sz="2400" spc="-1" strike="noStrike">
-                <a:latin typeface="Arial"/>
-                <a:ea typeface="Arial"/>
-              </a:rPr>
-              <a:t>•</a:t>
-            </a:r>
-            <a:endParaRPr b="0" lang="en-US" sz="2400" spc="-1" strike="noStrike">
-              <a:latin typeface="Arial"/>
-            </a:endParaRPr>
-          </a:p>
-        </p:txBody>
-      </p:sp>
-      <p:sp>
-        <p:nvSpPr>
-          <p:cNvPr id="99" name=""/>
-          <p:cNvSpPr/>
-          <p:nvPr/>
-        </p:nvSpPr>
-        <p:spPr>
-          <a:xfrm>
-            <a:off x="6030000" y="2772000"/>
-            <a:ext cx="910080" cy="421560"/>
-          </a:xfrm>
-          <a:prstGeom prst="rect">
-            <a:avLst/>
-          </a:prstGeom>
-          <a:solidFill>
-            <a:srgbClr val="ffffff"/>
-          </a:solidFill>
-          <a:ln w="12600">
-            <a:solidFill>
-              <a:srgbClr val="999999"/>
-            </a:solidFill>
-            <a:round/>
-          </a:ln>
-        </p:spPr>
-        <p:style>
-          <a:lnRef idx="0"/>
-          <a:fillRef idx="0"/>
-          <a:effectRef idx="0"/>
-          <a:fontRef idx="minor"/>
-        </p:style>
-        <p:txBody>
-          <a:bodyPr wrap="none" lIns="96120" rIns="96120" tIns="51120" bIns="51120" anchor="ctr">
-            <a:noAutofit/>
-          </a:bodyPr>
-          <a:p>
-            <a:pPr algn="ctr"/>
-            <a:r>
-              <a:rPr b="0" lang="en-US" sz="1800" spc="-1" strike="noStrike">
-                <a:solidFill>
-                  <a:srgbClr val="999999"/>
-                </a:solidFill>
-                <a:latin typeface="Courier New"/>
-              </a:rPr>
-              <a:t>"Java"</a:t>
-            </a:r>
-            <a:endParaRPr b="0" lang="en-US" sz="1800" spc="-1" strike="noStrike">
-              <a:solidFill>
-                <a:srgbClr val="999999"/>
-              </a:solidFill>
-              <a:latin typeface="Courier New"/>
-            </a:endParaRPr>
-          </a:p>
-        </p:txBody>
-      </p:sp>
-      <p:sp>
-        <p:nvSpPr>
-          <p:cNvPr id="100" name=""/>
-          <p:cNvSpPr/>
-          <p:nvPr/>
-        </p:nvSpPr>
-        <p:spPr>
-          <a:xfrm>
-            <a:off x="5186520" y="2990520"/>
-            <a:ext cx="830880" cy="765000"/>
-          </a:xfrm>
-          <a:prstGeom prst="line">
-            <a:avLst/>
-          </a:prstGeom>
-          <a:ln w="12600">
-            <a:solidFill>
-              <a:srgbClr val="000000"/>
-            </a:solidFill>
-            <a:round/>
-            <a:tailEnd len="med" type="triangle" w="med"/>
-          </a:ln>
-        </p:spPr>
-        <p:style>
-          <a:lnRef idx="0"/>
-          <a:fillRef idx="0"/>
-          <a:effectRef idx="0"/>
-          <a:fontRef idx="minor"/>
-        </p:style>
-      </p:sp>
-      <p:sp>
-        <p:nvSpPr>
-          <p:cNvPr id="101" name=""/>
-          <p:cNvSpPr/>
-          <p:nvPr/>
-        </p:nvSpPr>
-        <p:spPr>
-          <a:xfrm>
-            <a:off x="6017400" y="3529440"/>
-            <a:ext cx="910080" cy="421560"/>
-          </a:xfrm>
-          <a:prstGeom prst="rect">
-            <a:avLst/>
-          </a:prstGeom>
-          <a:solidFill>
-            <a:srgbClr val="ffff00"/>
-          </a:solidFill>
-          <a:ln w="12600">
-            <a:solidFill>
-              <a:srgbClr val="000000"/>
-            </a:solidFill>
-            <a:round/>
-          </a:ln>
-        </p:spPr>
-        <p:style>
-          <a:lnRef idx="0"/>
-          <a:fillRef idx="0"/>
-          <a:effectRef idx="0"/>
-          <a:fontRef idx="minor"/>
-        </p:style>
-        <p:txBody>
-          <a:bodyPr wrap="none" lIns="96120" rIns="96120" tIns="51120" bIns="51120" anchor="ctr">
-            <a:noAutofit/>
-          </a:bodyPr>
-          <a:p>
-            <a:pPr algn="ctr"/>
-            <a:r>
-              <a:rPr b="0" lang="en-US" sz="1800" spc="-1" strike="noStrike">
-                <a:latin typeface="Courier New"/>
-              </a:rPr>
-              <a:t>"JAVA"</a:t>
-            </a:r>
-            <a:endParaRPr b="0" lang="en-US" sz="1800" spc="-1" strike="noStrike">
-              <a:latin typeface="Courier New"/>
-            </a:endParaRPr>
-          </a:p>
-        </p:txBody>
-      </p:sp>
-      <p:sp>
-        <p:nvSpPr>
-          <p:cNvPr id="102" name=""/>
-          <p:cNvSpPr/>
-          <p:nvPr/>
-        </p:nvSpPr>
-        <p:spPr>
-          <a:xfrm>
-            <a:off x="7104600" y="1941120"/>
-            <a:ext cx="2600280" cy="459360"/>
-          </a:xfrm>
-          <a:prstGeom prst="wedgeRectCallout">
-            <a:avLst>
-              <a:gd name="adj1" fmla="val -61986"/>
-              <a:gd name="adj2" fmla="val 120476"/>
-            </a:avLst>
-          </a:prstGeom>
-          <a:solidFill>
-            <a:srgbClr val="ffffd7"/>
-          </a:solidFill>
-          <a:ln w="12600">
-            <a:solidFill>
-              <a:srgbClr val="000000"/>
-            </a:solidFill>
-            <a:round/>
-          </a:ln>
-        </p:spPr>
-        <p:style>
-          <a:lnRef idx="0"/>
-          <a:fillRef idx="0"/>
-          <a:effectRef idx="0"/>
-          <a:fontRef idx="minor"/>
-        </p:style>
-        <p:txBody>
-          <a:bodyPr wrap="none" lIns="96120" rIns="96120" tIns="51120" bIns="51120" anchor="ctr">
-            <a:noAutofit/>
-          </a:bodyPr>
-          <a:p>
-            <a:pPr algn="ctr"/>
+              <a:t>new </a:t>
+            </a:r>
             <a:r>
               <a:rPr b="0" lang="en-US" sz="1600" spc="-1" strike="noStrike">
-                <a:latin typeface="Arial"/>
-              </a:rPr>
-              <a:t>The original String itself</a:t>
-            </a:r>
-            <a:endParaRPr b="0" lang="en-US" sz="1600" spc="-1" strike="noStrike">
-              <a:latin typeface="Arial"/>
-            </a:endParaRPr>
-          </a:p>
-          <a:p>
-            <a:pPr algn="ctr"/>
+                <a:latin typeface="Courier New"/>
+              </a:rPr>
+              <a:t>String</a:t>
+            </a:r>
             <a:r>
               <a:rPr b="0" lang="en-US" sz="1600" spc="-1" strike="noStrike">
                 <a:latin typeface="Arial"/>
               </a:rPr>
-              <a:t>has not been changed.</a:t>
-            </a:r>
-            <a:endParaRPr b="0" lang="en-US" sz="1600" spc="-1" strike="noStrike">
-              <a:latin typeface="Arial"/>
-            </a:endParaRPr>
-          </a:p>
-        </p:txBody>
-      </p:sp>
-      <p:sp>
-        <p:nvSpPr>
-          <p:cNvPr id="103" name=""/>
-          <p:cNvSpPr txBox="1"/>
-          <p:nvPr/>
-        </p:nvSpPr>
-        <p:spPr>
-          <a:xfrm>
-            <a:off x="1381680" y="4325400"/>
-            <a:ext cx="7578000" cy="541800"/>
-          </a:xfrm>
-          <a:prstGeom prst="rect">
-            <a:avLst/>
-          </a:prstGeom>
-          <a:noFill/>
-          <a:ln w="0">
-            <a:noFill/>
-          </a:ln>
-        </p:spPr>
-        <p:txBody>
-          <a:bodyPr lIns="90000" rIns="90000" tIns="45000" bIns="45000">
-            <a:noAutofit/>
-          </a:bodyPr>
-          <a:p>
-            <a:pPr algn="ctr"/>
-            <a:r>
-              <a:rPr b="0" i="1" lang="en-US" sz="1600" spc="-1" strike="noStrike">
-                <a:latin typeface="Arial"/>
-              </a:rPr>
-              <a:t>This allows two variables to reference the same string without one accidentally corrupting the other.</a:t>
+              <a:t>...</a:t>
             </a:r>
             <a:endParaRPr b="0" lang="en-US" sz="1600" spc="-1" strike="noStrike">
               <a:latin typeface="Arial"/>
@@ -7239,7 +7422,7 @@
       </p:grpSpPr>
       <p:sp>
         <p:nvSpPr>
-          <p:cNvPr id="104" name=""/>
+          <p:cNvPr id="99" name=""/>
           <p:cNvSpPr txBox="1"/>
           <p:nvPr/>
         </p:nvSpPr>
@@ -7264,6 +7447,545 @@
             <a:pPr algn="ctr"/>
             <a:r>
               <a:rPr b="0" lang="en-US" sz="4000" spc="-1" strike="noStrike">
+                <a:latin typeface="Courier New"/>
+              </a:rPr>
+              <a:t>String</a:t>
+            </a:r>
+            <a:r>
+              <a:rPr b="0" lang="en-US" sz="4000" spc="-1" strike="noStrike">
+                <a:latin typeface="Arial"/>
+              </a:rPr>
+              <a:t>s are Immutable</a:t>
+            </a:r>
+            <a:endParaRPr b="0" lang="en-US" sz="4000" spc="-1" strike="noStrike">
+              <a:latin typeface="Arial"/>
+            </a:endParaRPr>
+          </a:p>
+        </p:txBody>
+      </p:sp>
+      <p:sp>
+        <p:nvSpPr>
+          <p:cNvPr id="100" name=""/>
+          <p:cNvSpPr txBox="1"/>
+          <p:nvPr/>
+        </p:nvSpPr>
+        <p:spPr>
+          <a:xfrm>
+            <a:off x="1007280" y="1452240"/>
+            <a:ext cx="3746880" cy="867960"/>
+          </a:xfrm>
+          <a:prstGeom prst="rect">
+            <a:avLst/>
+          </a:prstGeom>
+          <a:noFill/>
+          <a:ln w="0">
+            <a:noFill/>
+          </a:ln>
+        </p:spPr>
+        <p:txBody>
+          <a:bodyPr lIns="90000" rIns="90000" tIns="45000" bIns="45000">
+            <a:noAutofit/>
+          </a:bodyPr>
+          <a:p>
+            <a:pPr>
+              <a:lnSpc>
+                <a:spcPct val="115000"/>
+              </a:lnSpc>
+            </a:pPr>
+            <a:r>
+              <a:rPr b="0" lang="en-US" sz="1800" spc="-1" strike="noStrike">
+                <a:latin typeface="Courier New"/>
+              </a:rPr>
+              <a:t>String word = "Java";</a:t>
+            </a:r>
+            <a:endParaRPr b="0" lang="en-US" sz="1800" spc="-1" strike="noStrike">
+              <a:latin typeface="Arial"/>
+            </a:endParaRPr>
+          </a:p>
+          <a:p>
+            <a:pPr>
+              <a:lnSpc>
+                <a:spcPct val="115000"/>
+              </a:lnSpc>
+            </a:pPr>
+            <a:r>
+              <a:rPr b="0" lang="en-US" sz="1800" spc="-1" strike="noStrike">
+                <a:highlight>
+                  <a:srgbClr val="ffff00"/>
+                </a:highlight>
+                <a:latin typeface="Courier New"/>
+              </a:rPr>
+              <a:t>word</a:t>
+            </a:r>
+            <a:r>
+              <a:rPr b="0" lang="en-US" sz="1800" spc="-1" strike="noStrike">
+                <a:latin typeface="Courier New"/>
+              </a:rPr>
+              <a:t> = </a:t>
+            </a:r>
+            <a:r>
+              <a:rPr b="0" lang="en-US" sz="1800" spc="-1" strike="noStrike">
+                <a:highlight>
+                  <a:srgbClr val="ffffff"/>
+                </a:highlight>
+                <a:latin typeface="Courier New"/>
+              </a:rPr>
+              <a:t>word.toUpperCase();</a:t>
+            </a:r>
+            <a:endParaRPr b="0" lang="en-US" sz="1800" spc="-1" strike="noStrike">
+              <a:latin typeface="Arial"/>
+            </a:endParaRPr>
+          </a:p>
+        </p:txBody>
+      </p:sp>
+      <p:sp>
+        <p:nvSpPr>
+          <p:cNvPr id="101" name=""/>
+          <p:cNvSpPr/>
+          <p:nvPr/>
+        </p:nvSpPr>
+        <p:spPr>
+          <a:xfrm>
+            <a:off x="1850400" y="2397600"/>
+            <a:ext cx="1639440" cy="459360"/>
+          </a:xfrm>
+          <a:prstGeom prst="wedgeRectCallout">
+            <a:avLst>
+              <a:gd name="adj1" fmla="val -77615"/>
+              <a:gd name="adj2" fmla="val -112958"/>
+            </a:avLst>
+          </a:prstGeom>
+          <a:solidFill>
+            <a:srgbClr val="ffffd7"/>
+          </a:solidFill>
+          <a:ln w="12600">
+            <a:solidFill>
+              <a:srgbClr val="000000"/>
+            </a:solidFill>
+            <a:round/>
+          </a:ln>
+        </p:spPr>
+        <p:style>
+          <a:lnRef idx="0"/>
+          <a:fillRef idx="0"/>
+          <a:effectRef idx="0"/>
+          <a:fontRef idx="minor"/>
+        </p:style>
+        <p:txBody>
+          <a:bodyPr wrap="none" lIns="96120" rIns="96120" tIns="51120" bIns="51120" anchor="ctr">
+            <a:noAutofit/>
+          </a:bodyPr>
+          <a:p>
+            <a:pPr algn="ctr"/>
+            <a:r>
+              <a:rPr b="0" lang="en-US" sz="1600" spc="-1" strike="noStrike">
+                <a:latin typeface="Arial"/>
+              </a:rPr>
+              <a:t>And reassigns</a:t>
+            </a:r>
+            <a:endParaRPr b="0" lang="en-US" sz="1600" spc="-1" strike="noStrike">
+              <a:latin typeface="Arial"/>
+            </a:endParaRPr>
+          </a:p>
+          <a:p>
+            <a:pPr algn="ctr"/>
+            <a:r>
+              <a:rPr b="0" lang="en-US" sz="1600" spc="-1" strike="noStrike">
+                <a:latin typeface="Arial"/>
+              </a:rPr>
+              <a:t>the </a:t>
+            </a:r>
+            <a:r>
+              <a:rPr b="1" i="1" lang="en-US" sz="1600" spc="-1" strike="noStrike">
+                <a:latin typeface="Arial"/>
+              </a:rPr>
+              <a:t>reference</a:t>
+            </a:r>
+            <a:r>
+              <a:rPr b="0" i="1" lang="en-US" sz="1600" spc="-1" strike="noStrike">
+                <a:latin typeface="Arial"/>
+              </a:rPr>
+              <a:t>.</a:t>
+            </a:r>
+            <a:endParaRPr b="0" lang="en-US" sz="1600" spc="-1" strike="noStrike">
+              <a:latin typeface="Arial"/>
+            </a:endParaRPr>
+          </a:p>
+        </p:txBody>
+      </p:sp>
+      <p:sp>
+        <p:nvSpPr>
+          <p:cNvPr id="102" name=""/>
+          <p:cNvSpPr txBox="1"/>
+          <p:nvPr/>
+        </p:nvSpPr>
+        <p:spPr>
+          <a:xfrm>
+            <a:off x="4074840" y="2844000"/>
+            <a:ext cx="908640" cy="349560"/>
+          </a:xfrm>
+          <a:prstGeom prst="rect">
+            <a:avLst/>
+          </a:prstGeom>
+          <a:noFill/>
+          <a:ln w="0">
+            <a:noFill/>
+          </a:ln>
+        </p:spPr>
+        <p:txBody>
+          <a:bodyPr lIns="90000" rIns="90000" tIns="45000" bIns="45000">
+            <a:noAutofit/>
+          </a:bodyPr>
+          <a:p>
+            <a:r>
+              <a:rPr b="0" lang="en-US" sz="1800" spc="-1" strike="noStrike">
+                <a:latin typeface="Courier New"/>
+              </a:rPr>
+              <a:t>word</a:t>
+            </a:r>
+            <a:endParaRPr b="0" lang="en-US" sz="1800" spc="-1" strike="noStrike">
+              <a:latin typeface="Arial"/>
+            </a:endParaRPr>
+          </a:p>
+        </p:txBody>
+      </p:sp>
+      <p:sp>
+        <p:nvSpPr>
+          <p:cNvPr id="103" name=""/>
+          <p:cNvSpPr/>
+          <p:nvPr/>
+        </p:nvSpPr>
+        <p:spPr>
+          <a:xfrm>
+            <a:off x="4983480" y="2851200"/>
+            <a:ext cx="335520" cy="273240"/>
+          </a:xfrm>
+          <a:prstGeom prst="rect">
+            <a:avLst/>
+          </a:prstGeom>
+          <a:solidFill>
+            <a:srgbClr val="ffffff"/>
+          </a:solidFill>
+          <a:ln w="12600">
+            <a:solidFill>
+              <a:srgbClr val="000000"/>
+            </a:solidFill>
+            <a:round/>
+          </a:ln>
+        </p:spPr>
+        <p:style>
+          <a:lnRef idx="0"/>
+          <a:fillRef idx="0"/>
+          <a:effectRef idx="0"/>
+          <a:fontRef idx="minor"/>
+        </p:style>
+        <p:txBody>
+          <a:bodyPr wrap="none" lIns="96120" rIns="96120" tIns="51120" bIns="51120" anchor="ctr">
+            <a:noAutofit/>
+          </a:bodyPr>
+          <a:p>
+            <a:pPr algn="ctr"/>
+            <a:r>
+              <a:rPr b="0" lang="en-US" sz="2400" spc="-1" strike="noStrike">
+                <a:latin typeface="Arial"/>
+                <a:ea typeface="Arial"/>
+              </a:rPr>
+              <a:t>•</a:t>
+            </a:r>
+            <a:endParaRPr b="0" lang="en-US" sz="2400" spc="-1" strike="noStrike">
+              <a:latin typeface="Arial"/>
+            </a:endParaRPr>
+          </a:p>
+        </p:txBody>
+      </p:sp>
+      <p:sp>
+        <p:nvSpPr>
+          <p:cNvPr id="104" name=""/>
+          <p:cNvSpPr/>
+          <p:nvPr/>
+        </p:nvSpPr>
+        <p:spPr>
+          <a:xfrm>
+            <a:off x="6030000" y="2772000"/>
+            <a:ext cx="910080" cy="421560"/>
+          </a:xfrm>
+          <a:prstGeom prst="rect">
+            <a:avLst/>
+          </a:prstGeom>
+          <a:solidFill>
+            <a:srgbClr val="ffffff"/>
+          </a:solidFill>
+          <a:ln w="12600">
+            <a:solidFill>
+              <a:srgbClr val="999999"/>
+            </a:solidFill>
+            <a:round/>
+          </a:ln>
+        </p:spPr>
+        <p:style>
+          <a:lnRef idx="0"/>
+          <a:fillRef idx="0"/>
+          <a:effectRef idx="0"/>
+          <a:fontRef idx="minor"/>
+        </p:style>
+        <p:txBody>
+          <a:bodyPr wrap="none" lIns="96120" rIns="96120" tIns="51120" bIns="51120" anchor="ctr">
+            <a:noAutofit/>
+          </a:bodyPr>
+          <a:p>
+            <a:pPr algn="ctr"/>
+            <a:r>
+              <a:rPr b="0" lang="en-US" sz="1800" spc="-1" strike="noStrike">
+                <a:solidFill>
+                  <a:srgbClr val="999999"/>
+                </a:solidFill>
+                <a:latin typeface="Courier New"/>
+              </a:rPr>
+              <a:t>"Java"</a:t>
+            </a:r>
+            <a:endParaRPr b="0" lang="en-US" sz="1800" spc="-1" strike="noStrike">
+              <a:solidFill>
+                <a:srgbClr val="999999"/>
+              </a:solidFill>
+              <a:latin typeface="Courier New"/>
+            </a:endParaRPr>
+          </a:p>
+        </p:txBody>
+      </p:sp>
+      <p:sp>
+        <p:nvSpPr>
+          <p:cNvPr id="105" name=""/>
+          <p:cNvSpPr/>
+          <p:nvPr/>
+        </p:nvSpPr>
+        <p:spPr>
+          <a:xfrm>
+            <a:off x="5186520" y="2990520"/>
+            <a:ext cx="830880" cy="765000"/>
+          </a:xfrm>
+          <a:prstGeom prst="line">
+            <a:avLst/>
+          </a:prstGeom>
+          <a:ln w="12600">
+            <a:solidFill>
+              <a:srgbClr val="000000"/>
+            </a:solidFill>
+            <a:round/>
+            <a:tailEnd len="med" type="triangle" w="med"/>
+          </a:ln>
+        </p:spPr>
+        <p:style>
+          <a:lnRef idx="0"/>
+          <a:fillRef idx="0"/>
+          <a:effectRef idx="0"/>
+          <a:fontRef idx="minor"/>
+        </p:style>
+      </p:sp>
+      <p:sp>
+        <p:nvSpPr>
+          <p:cNvPr id="106" name=""/>
+          <p:cNvSpPr/>
+          <p:nvPr/>
+        </p:nvSpPr>
+        <p:spPr>
+          <a:xfrm>
+            <a:off x="6017400" y="3529440"/>
+            <a:ext cx="910080" cy="421560"/>
+          </a:xfrm>
+          <a:prstGeom prst="rect">
+            <a:avLst/>
+          </a:prstGeom>
+          <a:solidFill>
+            <a:srgbClr val="ffff00"/>
+          </a:solidFill>
+          <a:ln w="12600">
+            <a:solidFill>
+              <a:srgbClr val="000000"/>
+            </a:solidFill>
+            <a:round/>
+          </a:ln>
+        </p:spPr>
+        <p:style>
+          <a:lnRef idx="0"/>
+          <a:fillRef idx="0"/>
+          <a:effectRef idx="0"/>
+          <a:fontRef idx="minor"/>
+        </p:style>
+        <p:txBody>
+          <a:bodyPr wrap="none" lIns="96120" rIns="96120" tIns="51120" bIns="51120" anchor="ctr">
+            <a:noAutofit/>
+          </a:bodyPr>
+          <a:p>
+            <a:pPr algn="ctr"/>
+            <a:r>
+              <a:rPr b="0" lang="en-US" sz="1800" spc="-1" strike="noStrike">
+                <a:latin typeface="Courier New"/>
+              </a:rPr>
+              <a:t>"JAVA"</a:t>
+            </a:r>
+            <a:endParaRPr b="0" lang="en-US" sz="1800" spc="-1" strike="noStrike">
+              <a:latin typeface="Courier New"/>
+            </a:endParaRPr>
+          </a:p>
+        </p:txBody>
+      </p:sp>
+      <p:sp>
+        <p:nvSpPr>
+          <p:cNvPr id="107" name=""/>
+          <p:cNvSpPr/>
+          <p:nvPr/>
+        </p:nvSpPr>
+        <p:spPr>
+          <a:xfrm>
+            <a:off x="7104600" y="1941120"/>
+            <a:ext cx="2600280" cy="459360"/>
+          </a:xfrm>
+          <a:prstGeom prst="wedgeRectCallout">
+            <a:avLst>
+              <a:gd name="adj1" fmla="val -61986"/>
+              <a:gd name="adj2" fmla="val 120476"/>
+            </a:avLst>
+          </a:prstGeom>
+          <a:solidFill>
+            <a:srgbClr val="ffffd7"/>
+          </a:solidFill>
+          <a:ln w="12600">
+            <a:solidFill>
+              <a:srgbClr val="000000"/>
+            </a:solidFill>
+            <a:round/>
+          </a:ln>
+        </p:spPr>
+        <p:style>
+          <a:lnRef idx="0"/>
+          <a:fillRef idx="0"/>
+          <a:effectRef idx="0"/>
+          <a:fontRef idx="minor"/>
+        </p:style>
+        <p:txBody>
+          <a:bodyPr wrap="none" lIns="96120" rIns="96120" tIns="51120" bIns="51120" anchor="ctr">
+            <a:noAutofit/>
+          </a:bodyPr>
+          <a:p>
+            <a:pPr algn="ctr"/>
+            <a:r>
+              <a:rPr b="0" lang="en-US" sz="1600" spc="-1" strike="noStrike">
+                <a:latin typeface="Arial"/>
+              </a:rPr>
+              <a:t>The original String itself</a:t>
+            </a:r>
+            <a:endParaRPr b="0" lang="en-US" sz="1600" spc="-1" strike="noStrike">
+              <a:latin typeface="Arial"/>
+            </a:endParaRPr>
+          </a:p>
+          <a:p>
+            <a:pPr algn="ctr"/>
+            <a:r>
+              <a:rPr b="0" lang="en-US" sz="1600" spc="-1" strike="noStrike">
+                <a:latin typeface="Arial"/>
+              </a:rPr>
+              <a:t>has not been changed.</a:t>
+            </a:r>
+            <a:endParaRPr b="0" lang="en-US" sz="1600" spc="-1" strike="noStrike">
+              <a:latin typeface="Arial"/>
+            </a:endParaRPr>
+          </a:p>
+        </p:txBody>
+      </p:sp>
+      <p:sp>
+        <p:nvSpPr>
+          <p:cNvPr id="108" name=""/>
+          <p:cNvSpPr txBox="1"/>
+          <p:nvPr/>
+        </p:nvSpPr>
+        <p:spPr>
+          <a:xfrm>
+            <a:off x="1381680" y="4325400"/>
+            <a:ext cx="7578000" cy="541800"/>
+          </a:xfrm>
+          <a:prstGeom prst="rect">
+            <a:avLst/>
+          </a:prstGeom>
+          <a:noFill/>
+          <a:ln w="0">
+            <a:noFill/>
+          </a:ln>
+        </p:spPr>
+        <p:txBody>
+          <a:bodyPr lIns="90000" rIns="90000" tIns="45000" bIns="45000">
+            <a:noAutofit/>
+          </a:bodyPr>
+          <a:p>
+            <a:pPr algn="ctr"/>
+            <a:r>
+              <a:rPr b="0" i="1" lang="en-US" sz="1600" spc="-1" strike="noStrike">
+                <a:latin typeface="Arial"/>
+              </a:rPr>
+              <a:t>This allows two variables to reference the same string without one accidentally corrupting the other.</a:t>
+            </a:r>
+            <a:endParaRPr b="0" lang="en-US" sz="1600" spc="-1" strike="noStrike">
+              <a:latin typeface="Arial"/>
+            </a:endParaRPr>
+          </a:p>
+        </p:txBody>
+      </p:sp>
+    </p:spTree>
+  </p:cSld>
+  <mc:AlternateContent>
+    <mc:Choice Requires="p14">
+      <p:transition spd="slow" p14:dur="2000"/>
+    </mc:Choice>
+    <mc:Fallback>
+      <p:transition spd="slow"/>
+    </mc:Fallback>
+  </mc:AlternateContent>
+</p:sld>
+</file>
+
+<file path=ppt/slides/slide9.xml><?xml version="1.0" encoding="utf-8"?>
+<p:sld xmlns:a="http://schemas.openxmlformats.org/drawingml/2006/main" xmlns:p="http://schemas.openxmlformats.org/presentationml/2006/main" xmlns:r="http://schemas.openxmlformats.org/officeDocument/2006/relationships" xmlns:p14="http://schemas.microsoft.com/office/powerpoint/2010/main" xmlns:p15="http://schemas.microsoft.com/office/powerpoint/2012/main" xmlns:mc="http://schemas.openxmlformats.org/markup-compatibility/2006">
+  <p:cSld>
+    <p:spTree>
+      <p:nvGrpSpPr>
+        <p:cNvPr id="1" name=""/>
+        <p:cNvGrpSpPr/>
+        <p:nvPr/>
+      </p:nvGrpSpPr>
+      <p:grpSpPr>
+        <a:xfrm>
+          <a:off x="0" y="0"/>
+          <a:ext cx="0" cy="0"/>
+          <a:chOff x="0" y="0"/>
+          <a:chExt cx="0" cy="0"/>
+        </a:xfrm>
+      </p:grpSpPr>
+      <p:sp>
+        <p:nvSpPr>
+          <p:cNvPr id="109" name=""/>
+          <p:cNvSpPr txBox="1"/>
+          <p:nvPr/>
+        </p:nvSpPr>
+        <p:spPr>
+          <a:xfrm>
+            <a:off x="504000" y="226080"/>
+            <a:ext cx="9071640" cy="946440"/>
+          </a:xfrm>
+          <a:prstGeom prst="rect">
+            <a:avLst/>
+          </a:prstGeom>
+          <a:noFill/>
+          <a:ln w="0">
+            <a:noFill/>
+          </a:ln>
+        </p:spPr>
+        <p:txBody>
+          <a:bodyPr lIns="0" rIns="0" tIns="0" bIns="0" anchor="ctr">
+            <a:noAutofit/>
+          </a:bodyPr>
+          <a:p>
+            <a:pPr algn="ctr"/>
+            <a:r>
+              <a:rPr b="0" lang="en-US" sz="4000" spc="-1" strike="noStrike">
                 <a:latin typeface="Arial"/>
               </a:rPr>
               <a:t>Wrapper Classes</a:t>
@@ -7276,7 +7998,7 @@
       </p:sp>
       <p:sp>
         <p:nvSpPr>
-          <p:cNvPr id="105" name=""/>
+          <p:cNvPr id="110" name=""/>
           <p:cNvSpPr txBox="1"/>
           <p:nvPr/>
         </p:nvSpPr>
@@ -7469,7 +8191,7 @@
                                           </p:stCondLst>
                                         </p:cTn>
                                         <p:tgtEl>
-                                          <p:spTgt spid="105">
+                                          <p:spTgt spid="110">
                                             <p:txEl>
                                               <p:pRg st="0" end="0"/>
                                             </p:txEl>
@@ -7518,7 +8240,7 @@
                                           </p:stCondLst>
                                         </p:cTn>
                                         <p:tgtEl>
-                                          <p:spTgt spid="105">
+                                          <p:spTgt spid="110">
                                             <p:txEl>
                                               <p:pRg st="1" end="1"/>
                                             </p:txEl>
@@ -7567,456 +8289,11 @@
                                           </p:stCondLst>
                                         </p:cTn>
                                         <p:tgtEl>
-                                          <p:spTgt spid="105">
+                                          <p:spTgt spid="110">
                                             <p:txEl>
                                               <p:pRg st="2" end="2"/>
                                             </p:txEl>
                                           </p:spTgt>
-                                        </p:tgtEl>
-                                        <p:attrNameLst>
-                                          <p:attrName>style.visibility</p:attrName>
-                                        </p:attrNameLst>
-                                      </p:cBhvr>
-                                      <p:to>
-                                        <p:strVal val="visible"/>
-                                      </p:to>
-                                    </p:set>
-                                  </p:childTnLst>
-                                </p:cTn>
-                              </p:par>
-                            </p:childTnLst>
-                          </p:cTn>
-                        </p:par>
-                      </p:childTnLst>
-                    </p:cTn>
-                  </p:par>
-                </p:childTnLst>
-              </p:cTn>
-              <p:prevCondLst>
-                <p:cond evt="onPrev">
-                  <p:tgtEl>
-                    <p:sldTgt/>
-                  </p:tgtEl>
-                </p:cond>
-              </p:prevCondLst>
-              <p:nextCondLst>
-                <p:cond evt="onNext">
-                  <p:tgtEl>
-                    <p:sldTgt/>
-                  </p:tgtEl>
-                </p:cond>
-              </p:nextCondLst>
-            </p:seq>
-          </p:childTnLst>
-        </p:cTn>
-      </p:par>
-    </p:tnLst>
-  </p:timing>
-</p:sld>
-</file>
-
-<file path=ppt/slides/slide9.xml><?xml version="1.0" encoding="utf-8"?>
-<p:sld xmlns:a="http://schemas.openxmlformats.org/drawingml/2006/main" xmlns:p="http://schemas.openxmlformats.org/presentationml/2006/main" xmlns:r="http://schemas.openxmlformats.org/officeDocument/2006/relationships" xmlns:p14="http://schemas.microsoft.com/office/powerpoint/2010/main" xmlns:p15="http://schemas.microsoft.com/office/powerpoint/2012/main" xmlns:mc="http://schemas.openxmlformats.org/markup-compatibility/2006">
-  <p:cSld>
-    <p:spTree>
-      <p:nvGrpSpPr>
-        <p:cNvPr id="1" name=""/>
-        <p:cNvGrpSpPr/>
-        <p:nvPr/>
-      </p:nvGrpSpPr>
-      <p:grpSpPr>
-        <a:xfrm>
-          <a:off x="0" y="0"/>
-          <a:ext cx="0" cy="0"/>
-          <a:chOff x="0" y="0"/>
-          <a:chExt cx="0" cy="0"/>
-        </a:xfrm>
-      </p:grpSpPr>
-      <p:sp>
-        <p:nvSpPr>
-          <p:cNvPr id="106" name=""/>
-          <p:cNvSpPr txBox="1"/>
-          <p:nvPr/>
-        </p:nvSpPr>
-        <p:spPr>
-          <a:xfrm>
-            <a:off x="504000" y="226080"/>
-            <a:ext cx="9071640" cy="946440"/>
-          </a:xfrm>
-          <a:prstGeom prst="rect">
-            <a:avLst/>
-          </a:prstGeom>
-          <a:noFill/>
-          <a:ln w="0">
-            <a:noFill/>
-          </a:ln>
-        </p:spPr>
-        <p:txBody>
-          <a:bodyPr lIns="0" rIns="0" tIns="0" bIns="0" anchor="ctr">
-            <a:noAutofit/>
-          </a:bodyPr>
-          <a:p>
-            <a:pPr algn="ctr"/>
-            <a:r>
-              <a:rPr b="0" lang="en-US" sz="4000" spc="-1" strike="noStrike">
-                <a:latin typeface="Arial"/>
-              </a:rPr>
-              <a:t>Using Wrapper Classes—the Old Way</a:t>
-            </a:r>
-            <a:endParaRPr b="0" lang="en-US" sz="4000" spc="-1" strike="noStrike">
-              <a:latin typeface="Arial"/>
-            </a:endParaRPr>
-          </a:p>
-        </p:txBody>
-      </p:sp>
-      <p:sp>
-        <p:nvSpPr>
-          <p:cNvPr id="107" name=""/>
-          <p:cNvSpPr txBox="1"/>
-          <p:nvPr/>
-        </p:nvSpPr>
-        <p:spPr>
-          <a:xfrm>
-            <a:off x="741600" y="1904760"/>
-            <a:ext cx="6886440" cy="1036440"/>
-          </a:xfrm>
-          <a:prstGeom prst="rect">
-            <a:avLst/>
-          </a:prstGeom>
-          <a:noFill/>
-          <a:ln w="0">
-            <a:noFill/>
-          </a:ln>
-        </p:spPr>
-        <p:txBody>
-          <a:bodyPr lIns="90000" rIns="90000" tIns="45000" bIns="45000">
-            <a:noAutofit/>
-          </a:bodyPr>
-          <a:p>
-            <a:r>
-              <a:rPr b="0" lang="en-US" sz="2200" spc="-1" strike="noStrike">
-                <a:latin typeface="Courier New"/>
-              </a:rPr>
-              <a:t>Integer countObject = new Integer(7801);</a:t>
-            </a:r>
-            <a:endParaRPr b="0" lang="en-US" sz="2200" spc="-1" strike="noStrike">
-              <a:latin typeface="Arial"/>
-            </a:endParaRPr>
-          </a:p>
-          <a:p>
-            <a:endParaRPr b="0" lang="en-US" sz="2200" spc="-1" strike="noStrike">
-              <a:latin typeface="Arial"/>
-            </a:endParaRPr>
-          </a:p>
-          <a:p>
-            <a:r>
-              <a:rPr b="0" lang="en-US" sz="2200" spc="-1" strike="noStrike">
-                <a:latin typeface="Courier New"/>
-              </a:rPr>
-              <a:t>int count = countObject.intValue();</a:t>
-            </a:r>
-            <a:endParaRPr b="0" lang="en-US" sz="2200" spc="-1" strike="noStrike">
-              <a:latin typeface="Arial"/>
-            </a:endParaRPr>
-          </a:p>
-        </p:txBody>
-      </p:sp>
-      <p:sp>
-        <p:nvSpPr>
-          <p:cNvPr id="108" name=""/>
-          <p:cNvSpPr/>
-          <p:nvPr/>
-        </p:nvSpPr>
-        <p:spPr>
-          <a:xfrm>
-            <a:off x="5504400" y="1093320"/>
-            <a:ext cx="2498040" cy="554040"/>
-          </a:xfrm>
-          <a:prstGeom prst="wedgeRectCallout">
-            <a:avLst>
-              <a:gd name="adj1" fmla="val -41875"/>
-              <a:gd name="adj2" fmla="val 103504"/>
-            </a:avLst>
-          </a:prstGeom>
-          <a:solidFill>
-            <a:srgbClr val="ffffd7"/>
-          </a:solidFill>
-          <a:ln w="12600">
-            <a:solidFill>
-              <a:srgbClr val="000000"/>
-            </a:solidFill>
-            <a:round/>
-          </a:ln>
-        </p:spPr>
-        <p:style>
-          <a:lnRef idx="0"/>
-          <a:fillRef idx="0"/>
-          <a:effectRef idx="0"/>
-          <a:fontRef idx="minor"/>
-        </p:style>
-        <p:txBody>
-          <a:bodyPr wrap="none" lIns="96120" rIns="96120" tIns="51120" bIns="51120" anchor="ctr">
-            <a:noAutofit/>
-          </a:bodyPr>
-          <a:p>
-            <a:pPr algn="ctr"/>
-            <a:r>
-              <a:rPr b="0" lang="en-US" sz="1600" spc="-1" strike="noStrike">
-                <a:latin typeface="Arial"/>
-              </a:rPr>
-              <a:t>Explicitly “wrap” a new</a:t>
-            </a:r>
-            <a:endParaRPr b="0" lang="en-US" sz="1600" spc="-1" strike="noStrike">
-              <a:latin typeface="Arial"/>
-            </a:endParaRPr>
-          </a:p>
-          <a:p>
-            <a:pPr algn="ctr"/>
-            <a:r>
-              <a:rPr b="0" lang="en-US" sz="1600" spc="-1" strike="noStrike">
-                <a:latin typeface="Arial"/>
-              </a:rPr>
-              <a:t>Object around a primitive.</a:t>
-            </a:r>
-            <a:endParaRPr b="0" lang="en-US" sz="1600" spc="-1" strike="noStrike">
-              <a:latin typeface="Arial"/>
-            </a:endParaRPr>
-          </a:p>
-        </p:txBody>
-      </p:sp>
-      <p:sp>
-        <p:nvSpPr>
-          <p:cNvPr id="109" name=""/>
-          <p:cNvSpPr/>
-          <p:nvPr/>
-        </p:nvSpPr>
-        <p:spPr>
-          <a:xfrm>
-            <a:off x="4559760" y="3255840"/>
-            <a:ext cx="2498040" cy="554040"/>
-          </a:xfrm>
-          <a:prstGeom prst="wedgeRectCallout">
-            <a:avLst>
-              <a:gd name="adj1" fmla="val -45620"/>
-              <a:gd name="adj2" fmla="val -109087"/>
-            </a:avLst>
-          </a:prstGeom>
-          <a:solidFill>
-            <a:srgbClr val="ffffd7"/>
-          </a:solidFill>
-          <a:ln w="12600">
-            <a:solidFill>
-              <a:srgbClr val="000000"/>
-            </a:solidFill>
-            <a:round/>
-          </a:ln>
-        </p:spPr>
-        <p:style>
-          <a:lnRef idx="0"/>
-          <a:fillRef idx="0"/>
-          <a:effectRef idx="0"/>
-          <a:fontRef idx="minor"/>
-        </p:style>
-        <p:txBody>
-          <a:bodyPr wrap="none" lIns="96120" rIns="96120" tIns="51120" bIns="51120" anchor="ctr">
-            <a:noAutofit/>
-          </a:bodyPr>
-          <a:p>
-            <a:pPr algn="ctr"/>
-            <a:r>
-              <a:rPr b="0" lang="en-US" sz="1600" spc="-1" strike="noStrike">
-                <a:latin typeface="Arial"/>
-              </a:rPr>
-              <a:t>Explicitly “unwrap” the</a:t>
-            </a:r>
-            <a:endParaRPr b="0" lang="en-US" sz="1600" spc="-1" strike="noStrike">
-              <a:latin typeface="Arial"/>
-            </a:endParaRPr>
-          </a:p>
-          <a:p>
-            <a:pPr algn="ctr"/>
-            <a:r>
-              <a:rPr b="0" lang="en-US" sz="1600" spc="-1" strike="noStrike">
-                <a:latin typeface="Arial"/>
-              </a:rPr>
-              <a:t>Object into a primitive</a:t>
-            </a:r>
-            <a:endParaRPr b="0" lang="en-US" sz="1600" spc="-1" strike="noStrike">
-              <a:latin typeface="Arial"/>
-            </a:endParaRPr>
-          </a:p>
-        </p:txBody>
-      </p:sp>
-    </p:spTree>
-  </p:cSld>
-  <mc:AlternateContent>
-    <mc:Choice Requires="p14">
-      <p:transition spd="slow" p14:dur="2000"/>
-    </mc:Choice>
-    <mc:Fallback>
-      <p:transition spd="slow"/>
-    </mc:Fallback>
-  </mc:AlternateContent>
-  <p:timing>
-    <p:tnLst>
-      <p:par>
-        <p:cTn id="55" dur="indefinite" restart="never" nodeType="tmRoot">
-          <p:childTnLst>
-            <p:seq>
-              <p:cTn id="56" dur="indefinite" nodeType="mainSeq">
-                <p:childTnLst>
-                  <p:par>
-                    <p:cTn id="57" fill="hold">
-                      <p:stCondLst>
-                        <p:cond delay="0"/>
-                      </p:stCondLst>
-                      <p:childTnLst>
-                        <p:par>
-                          <p:cTn id="58" fill="hold">
-                            <p:stCondLst>
-                              <p:cond delay="0"/>
-                            </p:stCondLst>
-                            <p:childTnLst>
-                              <p:par>
-                                <p:cTn id="59" nodeType="withEffect" fill="hold" presetClass="entr" presetID="1">
-                                  <p:stCondLst>
-                                    <p:cond delay="0"/>
-                                  </p:stCondLst>
-                                  <p:childTnLst>
-                                    <p:set>
-                                      <p:cBhvr>
-                                        <p:cTn id="60" dur="1" fill="hold">
-                                          <p:stCondLst>
-                                            <p:cond delay="0"/>
-                                          </p:stCondLst>
-                                        </p:cTn>
-                                        <p:tgtEl>
-                                          <p:spTgt spid="107">
-                                            <p:txEl>
-                                              <p:pRg st="0" end="0"/>
-                                            </p:txEl>
-                                          </p:spTgt>
-                                        </p:tgtEl>
-                                        <p:attrNameLst>
-                                          <p:attrName>style.visibility</p:attrName>
-                                        </p:attrNameLst>
-                                      </p:cBhvr>
-                                      <p:to>
-                                        <p:strVal val="visible"/>
-                                      </p:to>
-                                    </p:set>
-                                  </p:childTnLst>
-                                </p:cTn>
-                              </p:par>
-                              <p:par>
-                                <p:cTn id="61" nodeType="withEffect" fill="hold" presetClass="entr" presetID="1">
-                                  <p:stCondLst>
-                                    <p:cond delay="0"/>
-                                  </p:stCondLst>
-                                  <p:childTnLst>
-                                    <p:set>
-                                      <p:cBhvr>
-                                        <p:cTn id="62" dur="1" fill="hold">
-                                          <p:stCondLst>
-                                            <p:cond delay="0"/>
-                                          </p:stCondLst>
-                                        </p:cTn>
-                                        <p:tgtEl>
-                                          <p:spTgt spid="107">
-                                            <p:txEl>
-                                              <p:pRg st="2" end="2"/>
-                                            </p:txEl>
-                                          </p:spTgt>
-                                        </p:tgtEl>
-                                        <p:attrNameLst>
-                                          <p:attrName>style.visibility</p:attrName>
-                                        </p:attrNameLst>
-                                      </p:cBhvr>
-                                      <p:to>
-                                        <p:strVal val="visible"/>
-                                      </p:to>
-                                    </p:set>
-                                  </p:childTnLst>
-                                </p:cTn>
-                              </p:par>
-                            </p:childTnLst>
-                          </p:cTn>
-                        </p:par>
-                      </p:childTnLst>
-                    </p:cTn>
-                  </p:par>
-                  <p:par>
-                    <p:cTn id="63" fill="hold">
-                      <p:stCondLst>
-                        <p:cond delay="indefinite"/>
-                      </p:stCondLst>
-                      <p:childTnLst>
-                        <p:par>
-                          <p:cTn id="64" fill="hold">
-                            <p:stCondLst>
-                              <p:cond delay="0"/>
-                            </p:stCondLst>
-                            <p:childTnLst>
-                              <p:par>
-                                <p:cTn id="65" nodeType="clickEffect" fill="hold" presetClass="entr" presetID="1">
-                                  <p:stCondLst>
-                                    <p:cond delay="0"/>
-                                  </p:stCondLst>
-                                  <p:childTnLst>
-                                    <p:set>
-                                      <p:cBhvr>
-                                        <p:cTn id="66" dur="1" fill="hold">
-                                          <p:stCondLst>
-                                            <p:cond delay="0"/>
-                                          </p:stCondLst>
-                                        </p:cTn>
-                                        <p:tgtEl>
-                                          <p:spTgt spid="108"/>
-                                        </p:tgtEl>
-                                        <p:attrNameLst>
-                                          <p:attrName>style.visibility</p:attrName>
-                                        </p:attrNameLst>
-                                      </p:cBhvr>
-                                      <p:to>
-                                        <p:strVal val="visible"/>
-                                      </p:to>
-                                    </p:set>
-                                  </p:childTnLst>
-                                </p:cTn>
-                              </p:par>
-                            </p:childTnLst>
-                          </p:cTn>
-                        </p:par>
-                      </p:childTnLst>
-                    </p:cTn>
-                  </p:par>
-                  <p:par>
-                    <p:cTn id="67" fill="hold">
-                      <p:stCondLst>
-                        <p:cond delay="indefinite"/>
-                      </p:stCondLst>
-                      <p:childTnLst>
-                        <p:par>
-                          <p:cTn id="68" fill="hold">
-                            <p:stCondLst>
-                              <p:cond delay="0"/>
-                            </p:stCondLst>
-                            <p:childTnLst>
-                              <p:par>
-                                <p:cTn id="69" nodeType="clickEffect" fill="hold" presetClass="entr" presetID="1">
-                                  <p:stCondLst>
-                                    <p:cond delay="0"/>
-                                  </p:stCondLst>
-                                  <p:childTnLst>
-                                    <p:set>
-                                      <p:cBhvr>
-                                        <p:cTn id="70" dur="1" fill="hold">
-                                          <p:stCondLst>
-                                            <p:cond delay="0"/>
-                                          </p:stCondLst>
-                                        </p:cTn>
-                                        <p:tgtEl>
-                                          <p:spTgt spid="109"/>
                                         </p:tgtEl>
                                         <p:attrNameLst>
                                           <p:attrName>style.visibility</p:attrName>
